--- a/Javascript/functions.pptx
+++ b/Javascript/functions.pptx
@@ -6,14 +6,15 @@
   </p:sldMasterIdLst>
   <p:sldIdLst>
     <p:sldId id="257" r:id="rId2"/>
-    <p:sldId id="258" r:id="rId3"/>
-    <p:sldId id="260" r:id="rId4"/>
-    <p:sldId id="261" r:id="rId5"/>
-    <p:sldId id="262" r:id="rId6"/>
-    <p:sldId id="263" r:id="rId7"/>
-    <p:sldId id="264" r:id="rId8"/>
-    <p:sldId id="265" r:id="rId9"/>
-    <p:sldId id="259" r:id="rId10"/>
+    <p:sldId id="266" r:id="rId3"/>
+    <p:sldId id="258" r:id="rId4"/>
+    <p:sldId id="260" r:id="rId5"/>
+    <p:sldId id="261" r:id="rId6"/>
+    <p:sldId id="262" r:id="rId7"/>
+    <p:sldId id="263" r:id="rId8"/>
+    <p:sldId id="264" r:id="rId9"/>
+    <p:sldId id="265" r:id="rId10"/>
+    <p:sldId id="259" r:id="rId11"/>
   </p:sldIdLst>
   <p:sldSz cx="12192000" cy="6858000"/>
   <p:notesSz cx="6858000" cy="9144000"/>
@@ -112,6 +113,11 @@
       </a:defRPr>
     </a:lvl9pPr>
   </p:defaultTextStyle>
+  <p:extLst>
+    <p:ext uri="{EFAFB233-063F-42B5-8137-9DF3F51BA10A}">
+      <p15:sldGuideLst xmlns:p15="http://schemas.microsoft.com/office/powerpoint/2012/main"/>
+    </p:ext>
+  </p:extLst>
 </p:presentation>
 </file>
 
@@ -262,7 +268,7 @@
           <a:p>
             <a:fld id="{4FCDC169-F4B2-40A9-B8B5-9A485681DF66}" type="datetimeFigureOut">
               <a:rPr lang="en-US" smtClean="0"/>
-              <a:t>5/22/2024</a:t>
+              <a:t>5/29/2024</a:t>
             </a:fld>
             <a:endParaRPr lang="en-US"/>
           </a:p>
@@ -460,7 +466,7 @@
           <a:p>
             <a:fld id="{4FCDC169-F4B2-40A9-B8B5-9A485681DF66}" type="datetimeFigureOut">
               <a:rPr lang="en-US" smtClean="0"/>
-              <a:t>5/22/2024</a:t>
+              <a:t>5/29/2024</a:t>
             </a:fld>
             <a:endParaRPr lang="en-US"/>
           </a:p>
@@ -668,7 +674,7 @@
           <a:p>
             <a:fld id="{4FCDC169-F4B2-40A9-B8B5-9A485681DF66}" type="datetimeFigureOut">
               <a:rPr lang="en-US" smtClean="0"/>
-              <a:t>5/22/2024</a:t>
+              <a:t>5/29/2024</a:t>
             </a:fld>
             <a:endParaRPr lang="en-US"/>
           </a:p>
@@ -866,7 +872,7 @@
           <a:p>
             <a:fld id="{4FCDC169-F4B2-40A9-B8B5-9A485681DF66}" type="datetimeFigureOut">
               <a:rPr lang="en-US" smtClean="0"/>
-              <a:t>5/22/2024</a:t>
+              <a:t>5/29/2024</a:t>
             </a:fld>
             <a:endParaRPr lang="en-US"/>
           </a:p>
@@ -1141,7 +1147,7 @@
           <a:p>
             <a:fld id="{4FCDC169-F4B2-40A9-B8B5-9A485681DF66}" type="datetimeFigureOut">
               <a:rPr lang="en-US" smtClean="0"/>
-              <a:t>5/22/2024</a:t>
+              <a:t>5/29/2024</a:t>
             </a:fld>
             <a:endParaRPr lang="en-US"/>
           </a:p>
@@ -1406,7 +1412,7 @@
           <a:p>
             <a:fld id="{4FCDC169-F4B2-40A9-B8B5-9A485681DF66}" type="datetimeFigureOut">
               <a:rPr lang="en-US" smtClean="0"/>
-              <a:t>5/22/2024</a:t>
+              <a:t>5/29/2024</a:t>
             </a:fld>
             <a:endParaRPr lang="en-US"/>
           </a:p>
@@ -1818,7 +1824,7 @@
           <a:p>
             <a:fld id="{4FCDC169-F4B2-40A9-B8B5-9A485681DF66}" type="datetimeFigureOut">
               <a:rPr lang="en-US" smtClean="0"/>
-              <a:t>5/22/2024</a:t>
+              <a:t>5/29/2024</a:t>
             </a:fld>
             <a:endParaRPr lang="en-US"/>
           </a:p>
@@ -1959,7 +1965,7 @@
           <a:p>
             <a:fld id="{4FCDC169-F4B2-40A9-B8B5-9A485681DF66}" type="datetimeFigureOut">
               <a:rPr lang="en-US" smtClean="0"/>
-              <a:t>5/22/2024</a:t>
+              <a:t>5/29/2024</a:t>
             </a:fld>
             <a:endParaRPr lang="en-US"/>
           </a:p>
@@ -2072,7 +2078,7 @@
           <a:p>
             <a:fld id="{4FCDC169-F4B2-40A9-B8B5-9A485681DF66}" type="datetimeFigureOut">
               <a:rPr lang="en-US" smtClean="0"/>
-              <a:t>5/22/2024</a:t>
+              <a:t>5/29/2024</a:t>
             </a:fld>
             <a:endParaRPr lang="en-US"/>
           </a:p>
@@ -2383,7 +2389,7 @@
           <a:p>
             <a:fld id="{4FCDC169-F4B2-40A9-B8B5-9A485681DF66}" type="datetimeFigureOut">
               <a:rPr lang="en-US" smtClean="0"/>
-              <a:t>5/22/2024</a:t>
+              <a:t>5/29/2024</a:t>
             </a:fld>
             <a:endParaRPr lang="en-US"/>
           </a:p>
@@ -2671,7 +2677,7 @@
           <a:p>
             <a:fld id="{4FCDC169-F4B2-40A9-B8B5-9A485681DF66}" type="datetimeFigureOut">
               <a:rPr lang="en-US" smtClean="0"/>
-              <a:t>5/22/2024</a:t>
+              <a:t>5/29/2024</a:t>
             </a:fld>
             <a:endParaRPr lang="en-US"/>
           </a:p>
@@ -2912,7 +2918,7 @@
           <a:p>
             <a:fld id="{4FCDC169-F4B2-40A9-B8B5-9A485681DF66}" type="datetimeFigureOut">
               <a:rPr lang="en-US" smtClean="0"/>
-              <a:t>5/22/2024</a:t>
+              <a:t>5/29/2024</a:t>
             </a:fld>
             <a:endParaRPr lang="en-US"/>
           </a:p>
@@ -3768,7 +3774,17 @@
                 <a:latin typeface="SolaimanLipi" panose="02000500020000020004" pitchFamily="2" charset="0"/>
                 <a:cs typeface="SolaimanLipi" panose="02000500020000020004" pitchFamily="2" charset="0"/>
               </a:rPr>
-              <a:t>হলো কোডের এমন একটা অংশ, যা কোনো নির্দিষ্ট কাজ সম্পাদন করার জন্য ডিজাইন করা হয়। </a:t>
+              <a:t>হলো কোডের এমন একটা অংশ, যা কোনো নির্দিষ্ট কাজ সম্পাদন করার জন্য </a:t>
+            </a:r>
+            <a:r>
+              <a:rPr lang="en-US" sz="2000" dirty="0" err="1">
+                <a:solidFill>
+                  <a:schemeClr val="bg1"/>
+                </a:solidFill>
+                <a:latin typeface="SolaimanLipi" panose="02000500020000020004" pitchFamily="2" charset="0"/>
+                <a:cs typeface="SolaimanLipi" panose="02000500020000020004" pitchFamily="2" charset="0"/>
+              </a:rPr>
+              <a:t>ব্যবহার</a:t>
             </a:r>
             <a:r>
               <a:rPr lang="en-US" sz="2000" dirty="0">
@@ -3788,6 +3804,26 @@
                 <a:latin typeface="SolaimanLipi" panose="02000500020000020004" pitchFamily="2" charset="0"/>
                 <a:cs typeface="SolaimanLipi" panose="02000500020000020004" pitchFamily="2" charset="0"/>
               </a:rPr>
+              <a:t>করা হয়। </a:t>
+            </a:r>
+            <a:r>
+              <a:rPr lang="en-US" sz="2000" dirty="0">
+                <a:solidFill>
+                  <a:schemeClr val="bg1"/>
+                </a:solidFill>
+                <a:latin typeface="SolaimanLipi" panose="02000500020000020004" pitchFamily="2" charset="0"/>
+                <a:cs typeface="SolaimanLipi" panose="02000500020000020004" pitchFamily="2" charset="0"/>
+              </a:rPr>
+              <a:t> </a:t>
+            </a:r>
+            <a:r>
+              <a:rPr lang="as-IN" sz="2000" dirty="0">
+                <a:solidFill>
+                  <a:schemeClr val="bg1"/>
+                </a:solidFill>
+                <a:latin typeface="SolaimanLipi" panose="02000500020000020004" pitchFamily="2" charset="0"/>
+                <a:cs typeface="SolaimanLipi" panose="02000500020000020004" pitchFamily="2" charset="0"/>
+              </a:rPr>
               <a:t>একে সহজ ভাবে বলতে পারেন, </a:t>
             </a:r>
             <a:r>
@@ -3808,7 +3844,177 @@
                 <a:latin typeface="SolaimanLipi" panose="02000500020000020004" pitchFamily="2" charset="0"/>
                 <a:cs typeface="SolaimanLipi" panose="02000500020000020004" pitchFamily="2" charset="0"/>
               </a:rPr>
-              <a:t>নির্দিষ্ট নির্দেশাবলীর একটা সেট, যা একটা কাজ করার জন্য বারবার ডাকা যেতে পারে।</a:t>
+              <a:t>নির্দিষ্ট </a:t>
+            </a:r>
+            <a:r>
+              <a:rPr lang="en-US" sz="2000" dirty="0" err="1">
+                <a:solidFill>
+                  <a:schemeClr val="bg1"/>
+                </a:solidFill>
+                <a:latin typeface="SolaimanLipi" panose="02000500020000020004" pitchFamily="2" charset="0"/>
+                <a:cs typeface="SolaimanLipi" panose="02000500020000020004" pitchFamily="2" charset="0"/>
+              </a:rPr>
+              <a:t>কয়েকটা</a:t>
+            </a:r>
+            <a:r>
+              <a:rPr lang="en-US" sz="2000" dirty="0">
+                <a:solidFill>
+                  <a:schemeClr val="bg1"/>
+                </a:solidFill>
+                <a:latin typeface="SolaimanLipi" panose="02000500020000020004" pitchFamily="2" charset="0"/>
+                <a:cs typeface="SolaimanLipi" panose="02000500020000020004" pitchFamily="2" charset="0"/>
+              </a:rPr>
+              <a:t> </a:t>
+            </a:r>
+            <a:r>
+              <a:rPr lang="en-US" sz="2000" dirty="0">
+                <a:solidFill>
+                  <a:schemeClr val="bg1"/>
+                </a:solidFill>
+                <a:latin typeface="Times New Roman" panose="02020603050405020304" pitchFamily="18" charset="0"/>
+                <a:cs typeface="Times New Roman" panose="02020603050405020304" pitchFamily="18" charset="0"/>
+              </a:rPr>
+              <a:t>Statement </a:t>
+            </a:r>
+            <a:r>
+              <a:rPr lang="as-IN" sz="2000" dirty="0">
+                <a:solidFill>
+                  <a:schemeClr val="bg1"/>
+                </a:solidFill>
+                <a:latin typeface="SolaimanLipi" panose="02000500020000020004" pitchFamily="2" charset="0"/>
+                <a:cs typeface="SolaimanLipi" panose="02000500020000020004" pitchFamily="2" charset="0"/>
+              </a:rPr>
+              <a:t>এ</a:t>
+            </a:r>
+            <a:r>
+              <a:rPr lang="en-US" sz="2000" dirty="0">
+                <a:solidFill>
+                  <a:schemeClr val="bg1"/>
+                </a:solidFill>
+                <a:latin typeface="SolaimanLipi" panose="02000500020000020004" pitchFamily="2" charset="0"/>
+                <a:cs typeface="SolaimanLipi" panose="02000500020000020004" pitchFamily="2" charset="0"/>
+              </a:rPr>
+              <a:t>র </a:t>
+            </a:r>
+            <a:r>
+              <a:rPr lang="en-US" sz="2000" dirty="0" err="1">
+                <a:solidFill>
+                  <a:schemeClr val="bg1"/>
+                </a:solidFill>
+                <a:latin typeface="SolaimanLipi" panose="02000500020000020004" pitchFamily="2" charset="0"/>
+                <a:cs typeface="SolaimanLipi" panose="02000500020000020004" pitchFamily="2" charset="0"/>
+              </a:rPr>
+              <a:t>একটি</a:t>
+            </a:r>
+            <a:r>
+              <a:rPr lang="as-IN" sz="2000" dirty="0">
+                <a:solidFill>
+                  <a:schemeClr val="bg1"/>
+                </a:solidFill>
+                <a:latin typeface="SolaimanLipi" panose="02000500020000020004" pitchFamily="2" charset="0"/>
+                <a:cs typeface="SolaimanLipi" panose="02000500020000020004" pitchFamily="2" charset="0"/>
+              </a:rPr>
+              <a:t> সেট, যা </a:t>
+            </a:r>
+            <a:r>
+              <a:rPr lang="en-US" sz="2000" dirty="0" err="1">
+                <a:solidFill>
+                  <a:schemeClr val="bg1"/>
+                </a:solidFill>
+                <a:latin typeface="SolaimanLipi" panose="02000500020000020004" pitchFamily="2" charset="0"/>
+                <a:cs typeface="SolaimanLipi" panose="02000500020000020004" pitchFamily="2" charset="0"/>
+              </a:rPr>
+              <a:t>একটি</a:t>
+            </a:r>
+            <a:r>
+              <a:rPr lang="en-US" sz="2000" dirty="0">
+                <a:solidFill>
+                  <a:schemeClr val="bg1"/>
+                </a:solidFill>
+                <a:latin typeface="SolaimanLipi" panose="02000500020000020004" pitchFamily="2" charset="0"/>
+                <a:cs typeface="SolaimanLipi" panose="02000500020000020004" pitchFamily="2" charset="0"/>
+              </a:rPr>
+              <a:t> </a:t>
+            </a:r>
+            <a:r>
+              <a:rPr lang="en-US" sz="2000" dirty="0" err="1">
+                <a:solidFill>
+                  <a:schemeClr val="bg1"/>
+                </a:solidFill>
+                <a:latin typeface="SolaimanLipi" panose="02000500020000020004" pitchFamily="2" charset="0"/>
+                <a:cs typeface="SolaimanLipi" panose="02000500020000020004" pitchFamily="2" charset="0"/>
+              </a:rPr>
+              <a:t>নির্দিষ্ট</a:t>
+            </a:r>
+            <a:r>
+              <a:rPr lang="as-IN" sz="2000" dirty="0">
+                <a:solidFill>
+                  <a:schemeClr val="bg1"/>
+                </a:solidFill>
+                <a:latin typeface="SolaimanLipi" panose="02000500020000020004" pitchFamily="2" charset="0"/>
+                <a:cs typeface="SolaimanLipi" panose="02000500020000020004" pitchFamily="2" charset="0"/>
+              </a:rPr>
+              <a:t> কাজ করার জন্য বারবার </a:t>
+            </a:r>
+            <a:r>
+              <a:rPr lang="en-US" sz="2000" dirty="0">
+                <a:solidFill>
+                  <a:schemeClr val="bg1"/>
+                </a:solidFill>
+                <a:latin typeface="Times New Roman" panose="02020603050405020304" pitchFamily="18" charset="0"/>
+                <a:cs typeface="Times New Roman" panose="02020603050405020304" pitchFamily="18" charset="0"/>
+              </a:rPr>
+              <a:t>call</a:t>
+            </a:r>
+            <a:r>
+              <a:rPr lang="en-US" sz="2000" dirty="0">
+                <a:solidFill>
+                  <a:schemeClr val="bg1"/>
+                </a:solidFill>
+                <a:latin typeface="SolaimanLipi" panose="02000500020000020004" pitchFamily="2" charset="0"/>
+                <a:cs typeface="SolaimanLipi" panose="02000500020000020004" pitchFamily="2" charset="0"/>
+              </a:rPr>
+              <a:t> </a:t>
+            </a:r>
+            <a:r>
+              <a:rPr lang="en-US" sz="2000" dirty="0" err="1">
+                <a:solidFill>
+                  <a:schemeClr val="bg1"/>
+                </a:solidFill>
+                <a:latin typeface="SolaimanLipi" panose="02000500020000020004" pitchFamily="2" charset="0"/>
+                <a:cs typeface="SolaimanLipi" panose="02000500020000020004" pitchFamily="2" charset="0"/>
+              </a:rPr>
+              <a:t>করা</a:t>
+            </a:r>
+            <a:r>
+              <a:rPr lang="en-US" sz="2000" dirty="0">
+                <a:solidFill>
+                  <a:schemeClr val="bg1"/>
+                </a:solidFill>
+                <a:latin typeface="SolaimanLipi" panose="02000500020000020004" pitchFamily="2" charset="0"/>
+                <a:cs typeface="SolaimanLipi" panose="02000500020000020004" pitchFamily="2" charset="0"/>
+              </a:rPr>
+              <a:t> </a:t>
+            </a:r>
+            <a:r>
+              <a:rPr lang="en-US" sz="2000" dirty="0" err="1">
+                <a:solidFill>
+                  <a:schemeClr val="bg1"/>
+                </a:solidFill>
+                <a:latin typeface="SolaimanLipi" panose="02000500020000020004" pitchFamily="2" charset="0"/>
+                <a:cs typeface="SolaimanLipi" panose="02000500020000020004" pitchFamily="2" charset="0"/>
+              </a:rPr>
+              <a:t>হয়</a:t>
+            </a:r>
+            <a:r>
+              <a:rPr lang="as-IN" sz="2000" dirty="0">
+                <a:solidFill>
+                  <a:schemeClr val="bg1"/>
+                </a:solidFill>
+                <a:latin typeface="SolaimanLipi" panose="02000500020000020004" pitchFamily="2" charset="0"/>
+                <a:cs typeface="SolaimanLipi" panose="02000500020000020004" pitchFamily="2" charset="0"/>
+              </a:rPr>
+              <a:t>।</a:t>
             </a:r>
           </a:p>
         </p:txBody>
@@ -3907,6 +4113,1489 @@
           </a:p>
         </p:txBody>
       </p:sp>
+      <p:pic>
+        <p:nvPicPr>
+          <p:cNvPr id="13" name="Picture 12">
+            <a:extLst>
+              <a:ext uri="{FF2B5EF4-FFF2-40B4-BE49-F238E27FC236}">
+                <a16:creationId xmlns:a16="http://schemas.microsoft.com/office/drawing/2014/main" id="{3D554465-B945-4217-A7F5-BA027DCDF08C}"/>
+              </a:ext>
+            </a:extLst>
+          </p:cNvPr>
+          <p:cNvPicPr>
+            <a:picLocks noChangeAspect="1"/>
+          </p:cNvPicPr>
+          <p:nvPr/>
+        </p:nvPicPr>
+        <p:blipFill>
+          <a:blip r:embed="rId2">
+            <a:extLst>
+              <a:ext uri="{28A0092B-C50C-407E-A947-70E740481C1C}">
+                <a14:useLocalDpi xmlns:a14="http://schemas.microsoft.com/office/drawing/2010/main" val="0"/>
+              </a:ext>
+            </a:extLst>
+          </a:blip>
+          <a:stretch>
+            <a:fillRect/>
+          </a:stretch>
+        </p:blipFill>
+        <p:spPr>
+          <a:xfrm>
+            <a:off x="2359468" y="3542928"/>
+            <a:ext cx="2853384" cy="2853384"/>
+          </a:xfrm>
+          <a:prstGeom prst="rect">
+            <a:avLst/>
+          </a:prstGeom>
+        </p:spPr>
+      </p:pic>
+      <p:pic>
+        <p:nvPicPr>
+          <p:cNvPr id="17" name="Picture 16">
+            <a:extLst>
+              <a:ext uri="{FF2B5EF4-FFF2-40B4-BE49-F238E27FC236}">
+                <a16:creationId xmlns:a16="http://schemas.microsoft.com/office/drawing/2014/main" id="{D054F788-B330-40F4-BCE0-A9A031D09578}"/>
+              </a:ext>
+            </a:extLst>
+          </p:cNvPr>
+          <p:cNvPicPr>
+            <a:picLocks noChangeAspect="1"/>
+          </p:cNvPicPr>
+          <p:nvPr/>
+        </p:nvPicPr>
+        <p:blipFill>
+          <a:blip r:embed="rId3">
+            <a:extLst>
+              <a:ext uri="{28A0092B-C50C-407E-A947-70E740481C1C}">
+                <a14:useLocalDpi xmlns:a14="http://schemas.microsoft.com/office/drawing/2010/main" val="0"/>
+              </a:ext>
+            </a:extLst>
+          </a:blip>
+          <a:stretch>
+            <a:fillRect/>
+          </a:stretch>
+        </p:blipFill>
+        <p:spPr>
+          <a:xfrm>
+            <a:off x="5499724" y="3955381"/>
+            <a:ext cx="3101965" cy="1984466"/>
+          </a:xfrm>
+          <a:prstGeom prst="rect">
+            <a:avLst/>
+          </a:prstGeom>
+        </p:spPr>
+      </p:pic>
+      <p:pic>
+        <p:nvPicPr>
+          <p:cNvPr id="19" name="Picture 18">
+            <a:extLst>
+              <a:ext uri="{FF2B5EF4-FFF2-40B4-BE49-F238E27FC236}">
+                <a16:creationId xmlns:a16="http://schemas.microsoft.com/office/drawing/2014/main" id="{87903099-6783-47EE-87F1-71B23BBD0F3C}"/>
+              </a:ext>
+            </a:extLst>
+          </p:cNvPr>
+          <p:cNvPicPr>
+            <a:picLocks noChangeAspect="1"/>
+          </p:cNvPicPr>
+          <p:nvPr/>
+        </p:nvPicPr>
+        <p:blipFill>
+          <a:blip r:embed="rId4">
+            <a:extLst>
+              <a:ext uri="{28A0092B-C50C-407E-A947-70E740481C1C}">
+                <a14:useLocalDpi xmlns:a14="http://schemas.microsoft.com/office/drawing/2010/main" val="0"/>
+              </a:ext>
+            </a:extLst>
+          </a:blip>
+          <a:stretch>
+            <a:fillRect/>
+          </a:stretch>
+        </p:blipFill>
+        <p:spPr>
+          <a:xfrm>
+            <a:off x="9074900" y="3429000"/>
+            <a:ext cx="3220248" cy="2853384"/>
+          </a:xfrm>
+          <a:prstGeom prst="rect">
+            <a:avLst/>
+          </a:prstGeom>
+        </p:spPr>
+      </p:pic>
+      <p:sp>
+        <p:nvSpPr>
+          <p:cNvPr id="20" name="TextBox 19">
+            <a:extLst>
+              <a:ext uri="{FF2B5EF4-FFF2-40B4-BE49-F238E27FC236}">
+                <a16:creationId xmlns:a16="http://schemas.microsoft.com/office/drawing/2014/main" id="{36D4BB22-DE82-44D9-9CDB-A5CD731E58B6}"/>
+              </a:ext>
+            </a:extLst>
+          </p:cNvPr>
+          <p:cNvSpPr txBox="1"/>
+          <p:nvPr/>
+        </p:nvSpPr>
+        <p:spPr>
+          <a:xfrm>
+            <a:off x="3305359" y="3198167"/>
+            <a:ext cx="1840381" cy="461665"/>
+          </a:xfrm>
+          <a:prstGeom prst="rect">
+            <a:avLst/>
+          </a:prstGeom>
+          <a:noFill/>
+        </p:spPr>
+        <p:txBody>
+          <a:bodyPr wrap="square" rtlCol="0">
+            <a:spAutoFit/>
+          </a:bodyPr>
+          <a:lstStyle/>
+          <a:p>
+            <a:r>
+              <a:rPr lang="en-US" sz="2400" b="1" dirty="0" err="1">
+                <a:solidFill>
+                  <a:srgbClr val="FFB119"/>
+                </a:solidFill>
+                <a:latin typeface="SolaimanLipi" panose="02000500020000020004" pitchFamily="2" charset="0"/>
+                <a:cs typeface="SolaimanLipi" panose="02000500020000020004" pitchFamily="2" charset="0"/>
+              </a:rPr>
+              <a:t>ওয়াশিং</a:t>
+            </a:r>
+            <a:r>
+              <a:rPr lang="en-US" sz="2400" b="1" dirty="0">
+                <a:solidFill>
+                  <a:srgbClr val="FFB119"/>
+                </a:solidFill>
+                <a:latin typeface="SolaimanLipi" panose="02000500020000020004" pitchFamily="2" charset="0"/>
+                <a:cs typeface="SolaimanLipi" panose="02000500020000020004" pitchFamily="2" charset="0"/>
+              </a:rPr>
+              <a:t> </a:t>
+            </a:r>
+            <a:r>
+              <a:rPr lang="en-US" sz="2400" b="1" dirty="0" err="1">
+                <a:solidFill>
+                  <a:srgbClr val="FFB119"/>
+                </a:solidFill>
+                <a:latin typeface="SolaimanLipi" panose="02000500020000020004" pitchFamily="2" charset="0"/>
+                <a:cs typeface="SolaimanLipi" panose="02000500020000020004" pitchFamily="2" charset="0"/>
+              </a:rPr>
+              <a:t>মেশিন</a:t>
+            </a:r>
+            <a:endParaRPr lang="en-US" sz="2400" b="1" dirty="0">
+              <a:solidFill>
+                <a:srgbClr val="FFB119"/>
+              </a:solidFill>
+              <a:latin typeface="SolaimanLipi" panose="02000500020000020004" pitchFamily="2" charset="0"/>
+              <a:cs typeface="SolaimanLipi" panose="02000500020000020004" pitchFamily="2" charset="0"/>
+            </a:endParaRPr>
+          </a:p>
+        </p:txBody>
+      </p:sp>
+      <p:sp>
+        <p:nvSpPr>
+          <p:cNvPr id="21" name="TextBox 20">
+            <a:extLst>
+              <a:ext uri="{FF2B5EF4-FFF2-40B4-BE49-F238E27FC236}">
+                <a16:creationId xmlns:a16="http://schemas.microsoft.com/office/drawing/2014/main" id="{C8CFDBB8-B970-4737-8008-51DF75287D91}"/>
+              </a:ext>
+            </a:extLst>
+          </p:cNvPr>
+          <p:cNvSpPr txBox="1"/>
+          <p:nvPr/>
+        </p:nvSpPr>
+        <p:spPr>
+          <a:xfrm>
+            <a:off x="6391488" y="3659832"/>
+            <a:ext cx="1840381" cy="461665"/>
+          </a:xfrm>
+          <a:prstGeom prst="rect">
+            <a:avLst/>
+          </a:prstGeom>
+          <a:noFill/>
+        </p:spPr>
+        <p:txBody>
+          <a:bodyPr wrap="square" rtlCol="0">
+            <a:spAutoFit/>
+          </a:bodyPr>
+          <a:lstStyle/>
+          <a:p>
+            <a:r>
+              <a:rPr lang="en-US" sz="2400" b="1" dirty="0" err="1">
+                <a:solidFill>
+                  <a:srgbClr val="FFB119"/>
+                </a:solidFill>
+                <a:latin typeface="SolaimanLipi" panose="02000500020000020004" pitchFamily="2" charset="0"/>
+                <a:cs typeface="SolaimanLipi" panose="02000500020000020004" pitchFamily="2" charset="0"/>
+              </a:rPr>
+              <a:t>সেলাই</a:t>
+            </a:r>
+            <a:r>
+              <a:rPr lang="en-US" sz="2400" b="1" dirty="0">
+                <a:solidFill>
+                  <a:srgbClr val="FFB119"/>
+                </a:solidFill>
+                <a:latin typeface="SolaimanLipi" panose="02000500020000020004" pitchFamily="2" charset="0"/>
+                <a:cs typeface="SolaimanLipi" panose="02000500020000020004" pitchFamily="2" charset="0"/>
+              </a:rPr>
+              <a:t> </a:t>
+            </a:r>
+            <a:r>
+              <a:rPr lang="en-US" sz="2400" b="1" dirty="0" err="1">
+                <a:solidFill>
+                  <a:srgbClr val="FFB119"/>
+                </a:solidFill>
+                <a:latin typeface="SolaimanLipi" panose="02000500020000020004" pitchFamily="2" charset="0"/>
+                <a:cs typeface="SolaimanLipi" panose="02000500020000020004" pitchFamily="2" charset="0"/>
+              </a:rPr>
+              <a:t>মেশিন</a:t>
+            </a:r>
+            <a:endParaRPr lang="en-US" sz="2400" b="1" dirty="0">
+              <a:solidFill>
+                <a:srgbClr val="FFB119"/>
+              </a:solidFill>
+              <a:latin typeface="SolaimanLipi" panose="02000500020000020004" pitchFamily="2" charset="0"/>
+              <a:cs typeface="SolaimanLipi" panose="02000500020000020004" pitchFamily="2" charset="0"/>
+            </a:endParaRPr>
+          </a:p>
+        </p:txBody>
+      </p:sp>
+      <p:sp>
+        <p:nvSpPr>
+          <p:cNvPr id="22" name="TextBox 21">
+            <a:extLst>
+              <a:ext uri="{FF2B5EF4-FFF2-40B4-BE49-F238E27FC236}">
+                <a16:creationId xmlns:a16="http://schemas.microsoft.com/office/drawing/2014/main" id="{70B3DE59-1838-4FAD-8957-FE2DAAA4640C}"/>
+              </a:ext>
+            </a:extLst>
+          </p:cNvPr>
+          <p:cNvSpPr txBox="1"/>
+          <p:nvPr/>
+        </p:nvSpPr>
+        <p:spPr>
+          <a:xfrm>
+            <a:off x="10616136" y="3170556"/>
+            <a:ext cx="1145560" cy="461665"/>
+          </a:xfrm>
+          <a:prstGeom prst="rect">
+            <a:avLst/>
+          </a:prstGeom>
+          <a:noFill/>
+        </p:spPr>
+        <p:txBody>
+          <a:bodyPr wrap="square" rtlCol="0">
+            <a:spAutoFit/>
+          </a:bodyPr>
+          <a:lstStyle/>
+          <a:p>
+            <a:r>
+              <a:rPr lang="en-US" sz="2400" b="1" dirty="0" err="1">
+                <a:solidFill>
+                  <a:srgbClr val="FFB119"/>
+                </a:solidFill>
+                <a:latin typeface="SolaimanLipi" panose="02000500020000020004" pitchFamily="2" charset="0"/>
+                <a:cs typeface="SolaimanLipi" panose="02000500020000020004" pitchFamily="2" charset="0"/>
+              </a:rPr>
+              <a:t>টি</a:t>
+            </a:r>
+            <a:r>
+              <a:rPr lang="en-US" sz="2400" b="1" dirty="0">
+                <a:solidFill>
+                  <a:srgbClr val="FFB119"/>
+                </a:solidFill>
+                <a:latin typeface="SolaimanLipi" panose="02000500020000020004" pitchFamily="2" charset="0"/>
+                <a:cs typeface="SolaimanLipi" panose="02000500020000020004" pitchFamily="2" charset="0"/>
+              </a:rPr>
+              <a:t> </a:t>
+            </a:r>
+            <a:r>
+              <a:rPr lang="en-US" sz="2400" b="1" dirty="0" err="1">
+                <a:solidFill>
+                  <a:srgbClr val="FFB119"/>
+                </a:solidFill>
+                <a:latin typeface="SolaimanLipi" panose="02000500020000020004" pitchFamily="2" charset="0"/>
+                <a:cs typeface="SolaimanLipi" panose="02000500020000020004" pitchFamily="2" charset="0"/>
+              </a:rPr>
+              <a:t>মেকার</a:t>
+            </a:r>
+            <a:r>
+              <a:rPr lang="en-US" sz="2400" b="1" dirty="0">
+                <a:solidFill>
+                  <a:srgbClr val="FFB119"/>
+                </a:solidFill>
+                <a:latin typeface="SolaimanLipi" panose="02000500020000020004" pitchFamily="2" charset="0"/>
+                <a:cs typeface="SolaimanLipi" panose="02000500020000020004" pitchFamily="2" charset="0"/>
+              </a:rPr>
+              <a:t> </a:t>
+            </a:r>
+          </a:p>
+        </p:txBody>
+      </p:sp>
+    </p:spTree>
+    <p:extLst>
+      <p:ext uri="{BB962C8B-B14F-4D97-AF65-F5344CB8AC3E}">
+        <p14:creationId xmlns:p14="http://schemas.microsoft.com/office/powerpoint/2010/main" val="1534539316"/>
+      </p:ext>
+    </p:extLst>
+  </p:cSld>
+  <p:clrMapOvr>
+    <a:masterClrMapping/>
+  </p:clrMapOvr>
+  <p:timing>
+    <p:tnLst>
+      <p:par>
+        <p:cTn id="1" dur="indefinite" restart="never" nodeType="tmRoot">
+          <p:childTnLst>
+            <p:seq concurrent="1" nextAc="seek">
+              <p:cTn id="2" dur="indefinite" nodeType="mainSeq">
+                <p:childTnLst>
+                  <p:par>
+                    <p:cTn id="3" fill="hold">
+                      <p:stCondLst>
+                        <p:cond delay="indefinite"/>
+                      </p:stCondLst>
+                      <p:childTnLst>
+                        <p:par>
+                          <p:cTn id="4" fill="hold">
+                            <p:stCondLst>
+                              <p:cond delay="0"/>
+                            </p:stCondLst>
+                            <p:childTnLst>
+                              <p:par>
+                                <p:cTn id="5" presetID="10" presetClass="entr" presetSubtype="0" fill="hold" nodeType="clickEffect">
+                                  <p:stCondLst>
+                                    <p:cond delay="0"/>
+                                  </p:stCondLst>
+                                  <p:childTnLst>
+                                    <p:set>
+                                      <p:cBhvr>
+                                        <p:cTn id="6" dur="1" fill="hold">
+                                          <p:stCondLst>
+                                            <p:cond delay="0"/>
+                                          </p:stCondLst>
+                                        </p:cTn>
+                                        <p:tgtEl>
+                                          <p:spTgt spid="7">
+                                            <p:txEl>
+                                              <p:pRg st="0" end="0"/>
+                                            </p:txEl>
+                                          </p:spTgt>
+                                        </p:tgtEl>
+                                        <p:attrNameLst>
+                                          <p:attrName>style.visibility</p:attrName>
+                                        </p:attrNameLst>
+                                      </p:cBhvr>
+                                      <p:to>
+                                        <p:strVal val="visible"/>
+                                      </p:to>
+                                    </p:set>
+                                    <p:animEffect transition="in" filter="fade">
+                                      <p:cBhvr>
+                                        <p:cTn id="7" dur="500"/>
+                                        <p:tgtEl>
+                                          <p:spTgt spid="7">
+                                            <p:txEl>
+                                              <p:pRg st="0" end="0"/>
+                                            </p:txEl>
+                                          </p:spTgt>
+                                        </p:tgtEl>
+                                      </p:cBhvr>
+                                    </p:animEffect>
+                                  </p:childTnLst>
+                                </p:cTn>
+                              </p:par>
+                            </p:childTnLst>
+                          </p:cTn>
+                        </p:par>
+                      </p:childTnLst>
+                    </p:cTn>
+                  </p:par>
+                  <p:par>
+                    <p:cTn id="8" fill="hold">
+                      <p:stCondLst>
+                        <p:cond delay="indefinite"/>
+                      </p:stCondLst>
+                      <p:childTnLst>
+                        <p:par>
+                          <p:cTn id="9" fill="hold">
+                            <p:stCondLst>
+                              <p:cond delay="0"/>
+                            </p:stCondLst>
+                            <p:childTnLst>
+                              <p:par>
+                                <p:cTn id="10" presetID="10" presetClass="entr" presetSubtype="0" fill="hold" nodeType="clickEffect">
+                                  <p:stCondLst>
+                                    <p:cond delay="0"/>
+                                  </p:stCondLst>
+                                  <p:childTnLst>
+                                    <p:set>
+                                      <p:cBhvr>
+                                        <p:cTn id="11" dur="1" fill="hold">
+                                          <p:stCondLst>
+                                            <p:cond delay="0"/>
+                                          </p:stCondLst>
+                                        </p:cTn>
+                                        <p:tgtEl>
+                                          <p:spTgt spid="13"/>
+                                        </p:tgtEl>
+                                        <p:attrNameLst>
+                                          <p:attrName>style.visibility</p:attrName>
+                                        </p:attrNameLst>
+                                      </p:cBhvr>
+                                      <p:to>
+                                        <p:strVal val="visible"/>
+                                      </p:to>
+                                    </p:set>
+                                    <p:animEffect transition="in" filter="fade">
+                                      <p:cBhvr>
+                                        <p:cTn id="12" dur="500"/>
+                                        <p:tgtEl>
+                                          <p:spTgt spid="13"/>
+                                        </p:tgtEl>
+                                      </p:cBhvr>
+                                    </p:animEffect>
+                                  </p:childTnLst>
+                                </p:cTn>
+                              </p:par>
+                              <p:par>
+                                <p:cTn id="13" presetID="10" presetClass="entr" presetSubtype="0" fill="hold" grpId="0" nodeType="withEffect">
+                                  <p:stCondLst>
+                                    <p:cond delay="0"/>
+                                  </p:stCondLst>
+                                  <p:childTnLst>
+                                    <p:set>
+                                      <p:cBhvr>
+                                        <p:cTn id="14" dur="1" fill="hold">
+                                          <p:stCondLst>
+                                            <p:cond delay="0"/>
+                                          </p:stCondLst>
+                                        </p:cTn>
+                                        <p:tgtEl>
+                                          <p:spTgt spid="20"/>
+                                        </p:tgtEl>
+                                        <p:attrNameLst>
+                                          <p:attrName>style.visibility</p:attrName>
+                                        </p:attrNameLst>
+                                      </p:cBhvr>
+                                      <p:to>
+                                        <p:strVal val="visible"/>
+                                      </p:to>
+                                    </p:set>
+                                    <p:animEffect transition="in" filter="fade">
+                                      <p:cBhvr>
+                                        <p:cTn id="15" dur="500"/>
+                                        <p:tgtEl>
+                                          <p:spTgt spid="20"/>
+                                        </p:tgtEl>
+                                      </p:cBhvr>
+                                    </p:animEffect>
+                                  </p:childTnLst>
+                                </p:cTn>
+                              </p:par>
+                            </p:childTnLst>
+                          </p:cTn>
+                        </p:par>
+                      </p:childTnLst>
+                    </p:cTn>
+                  </p:par>
+                  <p:par>
+                    <p:cTn id="16" fill="hold">
+                      <p:stCondLst>
+                        <p:cond delay="indefinite"/>
+                      </p:stCondLst>
+                      <p:childTnLst>
+                        <p:par>
+                          <p:cTn id="17" fill="hold">
+                            <p:stCondLst>
+                              <p:cond delay="0"/>
+                            </p:stCondLst>
+                            <p:childTnLst>
+                              <p:par>
+                                <p:cTn id="18" presetID="10" presetClass="entr" presetSubtype="0" fill="hold" grpId="0" nodeType="clickEffect">
+                                  <p:stCondLst>
+                                    <p:cond delay="0"/>
+                                  </p:stCondLst>
+                                  <p:childTnLst>
+                                    <p:set>
+                                      <p:cBhvr>
+                                        <p:cTn id="19" dur="1" fill="hold">
+                                          <p:stCondLst>
+                                            <p:cond delay="0"/>
+                                          </p:stCondLst>
+                                        </p:cTn>
+                                        <p:tgtEl>
+                                          <p:spTgt spid="21"/>
+                                        </p:tgtEl>
+                                        <p:attrNameLst>
+                                          <p:attrName>style.visibility</p:attrName>
+                                        </p:attrNameLst>
+                                      </p:cBhvr>
+                                      <p:to>
+                                        <p:strVal val="visible"/>
+                                      </p:to>
+                                    </p:set>
+                                    <p:animEffect transition="in" filter="fade">
+                                      <p:cBhvr>
+                                        <p:cTn id="20" dur="500"/>
+                                        <p:tgtEl>
+                                          <p:spTgt spid="21"/>
+                                        </p:tgtEl>
+                                      </p:cBhvr>
+                                    </p:animEffect>
+                                  </p:childTnLst>
+                                </p:cTn>
+                              </p:par>
+                              <p:par>
+                                <p:cTn id="21" presetID="10" presetClass="entr" presetSubtype="0" fill="hold" nodeType="withEffect">
+                                  <p:stCondLst>
+                                    <p:cond delay="0"/>
+                                  </p:stCondLst>
+                                  <p:childTnLst>
+                                    <p:set>
+                                      <p:cBhvr>
+                                        <p:cTn id="22" dur="1" fill="hold">
+                                          <p:stCondLst>
+                                            <p:cond delay="0"/>
+                                          </p:stCondLst>
+                                        </p:cTn>
+                                        <p:tgtEl>
+                                          <p:spTgt spid="17"/>
+                                        </p:tgtEl>
+                                        <p:attrNameLst>
+                                          <p:attrName>style.visibility</p:attrName>
+                                        </p:attrNameLst>
+                                      </p:cBhvr>
+                                      <p:to>
+                                        <p:strVal val="visible"/>
+                                      </p:to>
+                                    </p:set>
+                                    <p:animEffect transition="in" filter="fade">
+                                      <p:cBhvr>
+                                        <p:cTn id="23" dur="500"/>
+                                        <p:tgtEl>
+                                          <p:spTgt spid="17"/>
+                                        </p:tgtEl>
+                                      </p:cBhvr>
+                                    </p:animEffect>
+                                  </p:childTnLst>
+                                </p:cTn>
+                              </p:par>
+                            </p:childTnLst>
+                          </p:cTn>
+                        </p:par>
+                      </p:childTnLst>
+                    </p:cTn>
+                  </p:par>
+                  <p:par>
+                    <p:cTn id="24" fill="hold">
+                      <p:stCondLst>
+                        <p:cond delay="indefinite"/>
+                      </p:stCondLst>
+                      <p:childTnLst>
+                        <p:par>
+                          <p:cTn id="25" fill="hold">
+                            <p:stCondLst>
+                              <p:cond delay="0"/>
+                            </p:stCondLst>
+                            <p:childTnLst>
+                              <p:par>
+                                <p:cTn id="26" presetID="10" presetClass="entr" presetSubtype="0" fill="hold" grpId="0" nodeType="clickEffect">
+                                  <p:stCondLst>
+                                    <p:cond delay="0"/>
+                                  </p:stCondLst>
+                                  <p:childTnLst>
+                                    <p:set>
+                                      <p:cBhvr>
+                                        <p:cTn id="27" dur="1" fill="hold">
+                                          <p:stCondLst>
+                                            <p:cond delay="0"/>
+                                          </p:stCondLst>
+                                        </p:cTn>
+                                        <p:tgtEl>
+                                          <p:spTgt spid="22"/>
+                                        </p:tgtEl>
+                                        <p:attrNameLst>
+                                          <p:attrName>style.visibility</p:attrName>
+                                        </p:attrNameLst>
+                                      </p:cBhvr>
+                                      <p:to>
+                                        <p:strVal val="visible"/>
+                                      </p:to>
+                                    </p:set>
+                                    <p:animEffect transition="in" filter="fade">
+                                      <p:cBhvr>
+                                        <p:cTn id="28" dur="500"/>
+                                        <p:tgtEl>
+                                          <p:spTgt spid="22"/>
+                                        </p:tgtEl>
+                                      </p:cBhvr>
+                                    </p:animEffect>
+                                  </p:childTnLst>
+                                </p:cTn>
+                              </p:par>
+                              <p:par>
+                                <p:cTn id="29" presetID="10" presetClass="entr" presetSubtype="0" fill="hold" nodeType="withEffect">
+                                  <p:stCondLst>
+                                    <p:cond delay="0"/>
+                                  </p:stCondLst>
+                                  <p:childTnLst>
+                                    <p:set>
+                                      <p:cBhvr>
+                                        <p:cTn id="30" dur="1" fill="hold">
+                                          <p:stCondLst>
+                                            <p:cond delay="0"/>
+                                          </p:stCondLst>
+                                        </p:cTn>
+                                        <p:tgtEl>
+                                          <p:spTgt spid="19"/>
+                                        </p:tgtEl>
+                                        <p:attrNameLst>
+                                          <p:attrName>style.visibility</p:attrName>
+                                        </p:attrNameLst>
+                                      </p:cBhvr>
+                                      <p:to>
+                                        <p:strVal val="visible"/>
+                                      </p:to>
+                                    </p:set>
+                                    <p:animEffect transition="in" filter="fade">
+                                      <p:cBhvr>
+                                        <p:cTn id="31" dur="500"/>
+                                        <p:tgtEl>
+                                          <p:spTgt spid="19"/>
+                                        </p:tgtEl>
+                                      </p:cBhvr>
+                                    </p:animEffect>
+                                  </p:childTnLst>
+                                </p:cTn>
+                              </p:par>
+                            </p:childTnLst>
+                          </p:cTn>
+                        </p:par>
+                      </p:childTnLst>
+                    </p:cTn>
+                  </p:par>
+                </p:childTnLst>
+              </p:cTn>
+              <p:prevCondLst>
+                <p:cond evt="onPrev" delay="0">
+                  <p:tgtEl>
+                    <p:sldTgt/>
+                  </p:tgtEl>
+                </p:cond>
+              </p:prevCondLst>
+              <p:nextCondLst>
+                <p:cond evt="onNext" delay="0">
+                  <p:tgtEl>
+                    <p:sldTgt/>
+                  </p:tgtEl>
+                </p:cond>
+              </p:nextCondLst>
+            </p:seq>
+          </p:childTnLst>
+        </p:cTn>
+      </p:par>
+    </p:tnLst>
+    <p:bldLst>
+      <p:bldP spid="20" grpId="0"/>
+      <p:bldP spid="21" grpId="0"/>
+      <p:bldP spid="22" grpId="0"/>
+    </p:bldLst>
+  </p:timing>
+</p:sld>
+</file>
+
+<file path=ppt/slides/slide10.xml><?xml version="1.0" encoding="utf-8"?>
+<p:sld xmlns:a="http://schemas.openxmlformats.org/drawingml/2006/main" xmlns:r="http://schemas.openxmlformats.org/officeDocument/2006/relationships" xmlns:p="http://schemas.openxmlformats.org/presentationml/2006/main">
+  <p:cSld>
+    <p:bg>
+      <p:bgPr>
+        <a:solidFill>
+          <a:srgbClr val="1A1B24"/>
+        </a:solidFill>
+        <a:effectLst/>
+      </p:bgPr>
+    </p:bg>
+    <p:spTree>
+      <p:nvGrpSpPr>
+        <p:cNvPr id="1" name=""/>
+        <p:cNvGrpSpPr/>
+        <p:nvPr/>
+      </p:nvGrpSpPr>
+      <p:grpSpPr>
+        <a:xfrm>
+          <a:off x="0" y="0"/>
+          <a:ext cx="0" cy="0"/>
+          <a:chOff x="0" y="0"/>
+          <a:chExt cx="0" cy="0"/>
+        </a:xfrm>
+      </p:grpSpPr>
+      <p:sp>
+        <p:nvSpPr>
+          <p:cNvPr id="8" name="Rectangle 7">
+            <a:extLst>
+              <a:ext uri="{FF2B5EF4-FFF2-40B4-BE49-F238E27FC236}">
+                <a16:creationId xmlns:a16="http://schemas.microsoft.com/office/drawing/2014/main" id="{BD046FC5-717A-4EF9-870B-B44F421D4644}"/>
+              </a:ext>
+            </a:extLst>
+          </p:cNvPr>
+          <p:cNvSpPr/>
+          <p:nvPr/>
+        </p:nvSpPr>
+        <p:spPr>
+          <a:xfrm>
+            <a:off x="0" y="0"/>
+            <a:ext cx="2705271" cy="6858000"/>
+          </a:xfrm>
+          <a:prstGeom prst="rect">
+            <a:avLst/>
+          </a:prstGeom>
+          <a:solidFill>
+            <a:srgbClr val="FFB119"/>
+          </a:solidFill>
+        </p:spPr>
+        <p:style>
+          <a:lnRef idx="2">
+            <a:schemeClr val="accent1">
+              <a:shade val="50000"/>
+            </a:schemeClr>
+          </a:lnRef>
+          <a:fillRef idx="1">
+            <a:schemeClr val="accent1"/>
+          </a:fillRef>
+          <a:effectRef idx="0">
+            <a:schemeClr val="accent1"/>
+          </a:effectRef>
+          <a:fontRef idx="minor">
+            <a:schemeClr val="lt1"/>
+          </a:fontRef>
+        </p:style>
+        <p:txBody>
+          <a:bodyPr rtlCol="0" anchor="ctr"/>
+          <a:lstStyle/>
+          <a:p>
+            <a:pPr algn="ctr"/>
+            <a:endParaRPr lang="en-US" dirty="0"/>
+          </a:p>
+        </p:txBody>
+      </p:sp>
+      <p:sp>
+        <p:nvSpPr>
+          <p:cNvPr id="9" name="TextBox 8">
+            <a:extLst>
+              <a:ext uri="{FF2B5EF4-FFF2-40B4-BE49-F238E27FC236}">
+                <a16:creationId xmlns:a16="http://schemas.microsoft.com/office/drawing/2014/main" id="{E1D9CE9D-F976-4850-8AFF-D922CEF9D940}"/>
+              </a:ext>
+            </a:extLst>
+          </p:cNvPr>
+          <p:cNvSpPr txBox="1"/>
+          <p:nvPr/>
+        </p:nvSpPr>
+        <p:spPr>
+          <a:xfrm>
+            <a:off x="36858" y="162046"/>
+            <a:ext cx="2631554" cy="2492990"/>
+          </a:xfrm>
+          <a:prstGeom prst="rect">
+            <a:avLst/>
+          </a:prstGeom>
+          <a:noFill/>
+          <a:ln w="9525">
+            <a:noFill/>
+          </a:ln>
+          <a:effectLst>
+            <a:outerShdw blurRad="50800" dist="38100" dir="8100000" algn="tr" rotWithShape="0">
+              <a:prstClr val="black">
+                <a:alpha val="40000"/>
+              </a:prstClr>
+            </a:outerShdw>
+          </a:effectLst>
+        </p:spPr>
+        <p:txBody>
+          <a:bodyPr wrap="none" rtlCol="0">
+            <a:spAutoFit/>
+          </a:bodyPr>
+          <a:lstStyle/>
+          <a:p>
+            <a:pPr algn="ctr"/>
+            <a:r>
+              <a:rPr lang="en-US" sz="3600" b="1" dirty="0">
+                <a:ln w="3175">
+                  <a:noFill/>
+                </a:ln>
+                <a:solidFill>
+                  <a:schemeClr val="bg1"/>
+                </a:solidFill>
+                <a:effectLst>
+                  <a:outerShdw blurRad="50800" dist="38100" dir="8100000" algn="tr" rotWithShape="0">
+                    <a:prstClr val="black">
+                      <a:alpha val="40000"/>
+                    </a:prstClr>
+                  </a:outerShdw>
+                </a:effectLst>
+                <a:latin typeface="Times New Roman" panose="02020603050405020304" pitchFamily="18" charset="0"/>
+                <a:cs typeface="Times New Roman" panose="02020603050405020304" pitchFamily="18" charset="0"/>
+              </a:rPr>
+              <a:t>Modern</a:t>
+            </a:r>
+            <a:endParaRPr lang="en-US" sz="5000" b="1" dirty="0">
+              <a:ln w="3175">
+                <a:noFill/>
+              </a:ln>
+              <a:solidFill>
+                <a:schemeClr val="bg1"/>
+              </a:solidFill>
+              <a:effectLst>
+                <a:outerShdw blurRad="50800" dist="38100" dir="8100000" algn="tr" rotWithShape="0">
+                  <a:prstClr val="black">
+                    <a:alpha val="40000"/>
+                  </a:prstClr>
+                </a:outerShdw>
+              </a:effectLst>
+              <a:latin typeface="Times New Roman" panose="02020603050405020304" pitchFamily="18" charset="0"/>
+              <a:cs typeface="Times New Roman" panose="02020603050405020304" pitchFamily="18" charset="0"/>
+            </a:endParaRPr>
+          </a:p>
+          <a:p>
+            <a:pPr algn="ctr"/>
+            <a:r>
+              <a:rPr lang="en-US" sz="4000" b="1" dirty="0">
+                <a:ln w="3175">
+                  <a:noFill/>
+                </a:ln>
+                <a:solidFill>
+                  <a:schemeClr val="bg1"/>
+                </a:solidFill>
+                <a:effectLst>
+                  <a:outerShdw blurRad="50800" dist="38100" dir="8100000" algn="tr" rotWithShape="0">
+                    <a:prstClr val="black">
+                      <a:alpha val="40000"/>
+                    </a:prstClr>
+                  </a:outerShdw>
+                </a:effectLst>
+                <a:latin typeface="Times New Roman" panose="02020603050405020304" pitchFamily="18" charset="0"/>
+                <a:cs typeface="Times New Roman" panose="02020603050405020304" pitchFamily="18" charset="0"/>
+              </a:rPr>
+              <a:t>JavaScript</a:t>
+            </a:r>
+          </a:p>
+          <a:p>
+            <a:pPr algn="ctr"/>
+            <a:r>
+              <a:rPr lang="en-US" sz="4000" b="1" dirty="0">
+                <a:ln w="3175">
+                  <a:noFill/>
+                </a:ln>
+                <a:solidFill>
+                  <a:schemeClr val="bg1"/>
+                </a:solidFill>
+                <a:effectLst>
+                  <a:outerShdw blurRad="50800" dist="38100" dir="8100000" algn="tr" rotWithShape="0">
+                    <a:prstClr val="black">
+                      <a:alpha val="40000"/>
+                    </a:prstClr>
+                  </a:outerShdw>
+                </a:effectLst>
+                <a:latin typeface="Times New Roman" panose="02020603050405020304" pitchFamily="18" charset="0"/>
+                <a:cs typeface="Times New Roman" panose="02020603050405020304" pitchFamily="18" charset="0"/>
+              </a:rPr>
+              <a:t>Function</a:t>
+            </a:r>
+            <a:endParaRPr lang="en-US" sz="4400" b="1" dirty="0">
+              <a:ln w="3175">
+                <a:noFill/>
+              </a:ln>
+              <a:solidFill>
+                <a:schemeClr val="bg1"/>
+              </a:solidFill>
+              <a:effectLst>
+                <a:outerShdw blurRad="50800" dist="38100" dir="8100000" algn="tr" rotWithShape="0">
+                  <a:prstClr val="black">
+                    <a:alpha val="40000"/>
+                  </a:prstClr>
+                </a:outerShdw>
+              </a:effectLst>
+              <a:latin typeface="Times New Roman" panose="02020603050405020304" pitchFamily="18" charset="0"/>
+              <a:cs typeface="Times New Roman" panose="02020603050405020304" pitchFamily="18" charset="0"/>
+            </a:endParaRPr>
+          </a:p>
+          <a:p>
+            <a:pPr algn="ctr"/>
+            <a:endParaRPr lang="en-US" sz="4000" b="1" dirty="0">
+              <a:ln w="3175">
+                <a:noFill/>
+              </a:ln>
+              <a:solidFill>
+                <a:schemeClr val="bg1"/>
+              </a:solidFill>
+              <a:effectLst>
+                <a:outerShdw blurRad="50800" dist="38100" dir="8100000" algn="tr" rotWithShape="0">
+                  <a:prstClr val="black">
+                    <a:alpha val="40000"/>
+                  </a:prstClr>
+                </a:outerShdw>
+              </a:effectLst>
+              <a:latin typeface="Times New Roman" panose="02020603050405020304" pitchFamily="18" charset="0"/>
+              <a:cs typeface="Times New Roman" panose="02020603050405020304" pitchFamily="18" charset="0"/>
+            </a:endParaRPr>
+          </a:p>
+        </p:txBody>
+      </p:sp>
+      <p:sp>
+        <p:nvSpPr>
+          <p:cNvPr id="16" name="TextBox 15">
+            <a:extLst>
+              <a:ext uri="{FF2B5EF4-FFF2-40B4-BE49-F238E27FC236}">
+                <a16:creationId xmlns:a16="http://schemas.microsoft.com/office/drawing/2014/main" id="{0C4A2AD9-2293-4F21-B122-504C4BF10972}"/>
+              </a:ext>
+            </a:extLst>
+          </p:cNvPr>
+          <p:cNvSpPr txBox="1"/>
+          <p:nvPr/>
+        </p:nvSpPr>
+        <p:spPr>
+          <a:xfrm>
+            <a:off x="204905" y="2127813"/>
+            <a:ext cx="1867691" cy="2448747"/>
+          </a:xfrm>
+          <a:prstGeom prst="rect">
+            <a:avLst/>
+          </a:prstGeom>
+          <a:noFill/>
+          <a:ln w="9525">
+            <a:noFill/>
+          </a:ln>
+          <a:effectLst>
+            <a:outerShdw blurRad="50800" dist="38100" dir="8100000" algn="tr" rotWithShape="0">
+              <a:prstClr val="black">
+                <a:alpha val="40000"/>
+              </a:prstClr>
+            </a:outerShdw>
+          </a:effectLst>
+        </p:spPr>
+        <p:txBody>
+          <a:bodyPr wrap="none" rtlCol="0">
+            <a:spAutoFit/>
+          </a:bodyPr>
+          <a:lstStyle/>
+          <a:p>
+            <a:pPr>
+              <a:lnSpc>
+                <a:spcPct val="250000"/>
+              </a:lnSpc>
+            </a:pPr>
+            <a:r>
+              <a:rPr lang="en-US" sz="1600" b="1" dirty="0">
+                <a:ln w="3175">
+                  <a:noFill/>
+                </a:ln>
+                <a:solidFill>
+                  <a:schemeClr val="bg1"/>
+                </a:solidFill>
+                <a:effectLst>
+                  <a:outerShdw blurRad="50800" dist="38100" dir="8100000" algn="tr" rotWithShape="0">
+                    <a:prstClr val="black">
+                      <a:alpha val="40000"/>
+                    </a:prstClr>
+                  </a:outerShdw>
+                </a:effectLst>
+                <a:latin typeface="Times New Roman" panose="02020603050405020304" pitchFamily="18" charset="0"/>
+                <a:cs typeface="Times New Roman" panose="02020603050405020304" pitchFamily="18" charset="0"/>
+              </a:rPr>
+              <a:t>Declaration</a:t>
+            </a:r>
+            <a:br>
+              <a:rPr lang="en-US" sz="1600" b="1" dirty="0">
+                <a:ln w="3175">
+                  <a:noFill/>
+                </a:ln>
+                <a:solidFill>
+                  <a:schemeClr val="bg1"/>
+                </a:solidFill>
+                <a:effectLst>
+                  <a:outerShdw blurRad="50800" dist="38100" dir="8100000" algn="tr" rotWithShape="0">
+                    <a:prstClr val="black">
+                      <a:alpha val="40000"/>
+                    </a:prstClr>
+                  </a:outerShdw>
+                </a:effectLst>
+                <a:latin typeface="Times New Roman" panose="02020603050405020304" pitchFamily="18" charset="0"/>
+                <a:cs typeface="Times New Roman" panose="02020603050405020304" pitchFamily="18" charset="0"/>
+              </a:rPr>
+            </a:br>
+            <a:r>
+              <a:rPr lang="en-US" sz="1600" b="1" dirty="0">
+                <a:ln w="3175">
+                  <a:noFill/>
+                </a:ln>
+                <a:solidFill>
+                  <a:schemeClr val="bg1"/>
+                </a:solidFill>
+                <a:effectLst>
+                  <a:outerShdw blurRad="50800" dist="38100" dir="8100000" algn="tr" rotWithShape="0">
+                    <a:prstClr val="black">
+                      <a:alpha val="40000"/>
+                    </a:prstClr>
+                  </a:outerShdw>
+                </a:effectLst>
+                <a:latin typeface="Times New Roman" panose="02020603050405020304" pitchFamily="18" charset="0"/>
+                <a:cs typeface="Times New Roman" panose="02020603050405020304" pitchFamily="18" charset="0"/>
+              </a:rPr>
+              <a:t>Passing Arguments</a:t>
+            </a:r>
+          </a:p>
+          <a:p>
+            <a:pPr>
+              <a:lnSpc>
+                <a:spcPct val="250000"/>
+              </a:lnSpc>
+            </a:pPr>
+            <a:r>
+              <a:rPr lang="en-US" sz="1600" b="1" dirty="0">
+                <a:ln w="3175">
+                  <a:noFill/>
+                </a:ln>
+                <a:solidFill>
+                  <a:schemeClr val="bg1"/>
+                </a:solidFill>
+                <a:effectLst>
+                  <a:outerShdw blurRad="50800" dist="38100" dir="8100000" algn="tr" rotWithShape="0">
+                    <a:prstClr val="black">
+                      <a:alpha val="40000"/>
+                    </a:prstClr>
+                  </a:outerShdw>
+                </a:effectLst>
+                <a:latin typeface="Times New Roman" panose="02020603050405020304" pitchFamily="18" charset="0"/>
+                <a:cs typeface="Times New Roman" panose="02020603050405020304" pitchFamily="18" charset="0"/>
+              </a:rPr>
+              <a:t>Return  </a:t>
+            </a:r>
+          </a:p>
+          <a:p>
+            <a:pPr>
+              <a:lnSpc>
+                <a:spcPct val="250000"/>
+              </a:lnSpc>
+            </a:pPr>
+            <a:r>
+              <a:rPr lang="en-US" sz="1600" b="1" dirty="0">
+                <a:ln w="3175">
+                  <a:noFill/>
+                </a:ln>
+                <a:solidFill>
+                  <a:schemeClr val="bg1"/>
+                </a:solidFill>
+                <a:effectLst>
+                  <a:outerShdw blurRad="50800" dist="38100" dir="8100000" algn="tr" rotWithShape="0">
+                    <a:prstClr val="black">
+                      <a:alpha val="40000"/>
+                    </a:prstClr>
+                  </a:outerShdw>
+                </a:effectLst>
+                <a:latin typeface="Times New Roman" panose="02020603050405020304" pitchFamily="18" charset="0"/>
+                <a:cs typeface="Times New Roman" panose="02020603050405020304" pitchFamily="18" charset="0"/>
+              </a:rPr>
+              <a:t>Call</a:t>
+            </a:r>
+          </a:p>
+        </p:txBody>
+      </p:sp>
+      <p:sp>
+        <p:nvSpPr>
+          <p:cNvPr id="7" name="TextBox 6">
+            <a:extLst>
+              <a:ext uri="{FF2B5EF4-FFF2-40B4-BE49-F238E27FC236}">
+                <a16:creationId xmlns:a16="http://schemas.microsoft.com/office/drawing/2014/main" id="{B894CEB9-7B13-4032-8ACC-16563193D7B7}"/>
+              </a:ext>
+            </a:extLst>
+          </p:cNvPr>
+          <p:cNvSpPr txBox="1"/>
+          <p:nvPr/>
+        </p:nvSpPr>
+        <p:spPr>
+          <a:xfrm>
+            <a:off x="2910005" y="1408541"/>
+            <a:ext cx="9003543" cy="1438855"/>
+          </a:xfrm>
+          <a:prstGeom prst="rect">
+            <a:avLst/>
+          </a:prstGeom>
+          <a:noFill/>
+        </p:spPr>
+        <p:txBody>
+          <a:bodyPr wrap="square" rtlCol="0">
+            <a:spAutoFit/>
+          </a:bodyPr>
+          <a:lstStyle/>
+          <a:p>
+            <a:pPr>
+              <a:lnSpc>
+                <a:spcPct val="150000"/>
+              </a:lnSpc>
+            </a:pPr>
+            <a:r>
+              <a:rPr lang="as-IN" sz="2000" dirty="0">
+                <a:solidFill>
+                  <a:schemeClr val="bg1"/>
+                </a:solidFill>
+                <a:latin typeface="SolaimanLipi" panose="02000500020000020004" pitchFamily="2" charset="0"/>
+                <a:cs typeface="SolaimanLipi" panose="02000500020000020004" pitchFamily="2" charset="0"/>
+              </a:rPr>
+              <a:t>জাভাস্ক্রিপ্ট ফাংশন (</a:t>
+            </a:r>
+            <a:r>
+              <a:rPr lang="en-US" sz="2000" dirty="0">
+                <a:solidFill>
+                  <a:schemeClr val="bg1"/>
+                </a:solidFill>
+                <a:latin typeface="Times New Roman" panose="02020603050405020304" pitchFamily="18" charset="0"/>
+                <a:cs typeface="Times New Roman" panose="02020603050405020304" pitchFamily="18" charset="0"/>
+              </a:rPr>
+              <a:t>JavaScript function) </a:t>
+            </a:r>
+            <a:r>
+              <a:rPr lang="as-IN" sz="2000" dirty="0">
+                <a:solidFill>
+                  <a:schemeClr val="bg1"/>
+                </a:solidFill>
+                <a:latin typeface="SolaimanLipi" panose="02000500020000020004" pitchFamily="2" charset="0"/>
+                <a:cs typeface="SolaimanLipi" panose="02000500020000020004" pitchFamily="2" charset="0"/>
+              </a:rPr>
+              <a:t>হলো কোডের এমন একটা অংশ, যা কোনো নির্দিষ্ট কাজ সম্পাদন করার জন্য </a:t>
+            </a:r>
+            <a:r>
+              <a:rPr lang="en-US" sz="2000" dirty="0" err="1">
+                <a:solidFill>
+                  <a:schemeClr val="bg1"/>
+                </a:solidFill>
+                <a:latin typeface="SolaimanLipi" panose="02000500020000020004" pitchFamily="2" charset="0"/>
+                <a:cs typeface="SolaimanLipi" panose="02000500020000020004" pitchFamily="2" charset="0"/>
+              </a:rPr>
+              <a:t>ব্যবহার</a:t>
+            </a:r>
+            <a:r>
+              <a:rPr lang="en-US" sz="2000" dirty="0">
+                <a:solidFill>
+                  <a:schemeClr val="bg1"/>
+                </a:solidFill>
+                <a:latin typeface="SolaimanLipi" panose="02000500020000020004" pitchFamily="2" charset="0"/>
+                <a:cs typeface="SolaimanLipi" panose="02000500020000020004" pitchFamily="2" charset="0"/>
+              </a:rPr>
+              <a:t> </a:t>
+            </a:r>
+            <a:r>
+              <a:rPr lang="as-IN" sz="2000" dirty="0">
+                <a:solidFill>
+                  <a:schemeClr val="bg1"/>
+                </a:solidFill>
+                <a:latin typeface="SolaimanLipi" panose="02000500020000020004" pitchFamily="2" charset="0"/>
+                <a:cs typeface="SolaimanLipi" panose="02000500020000020004" pitchFamily="2" charset="0"/>
+              </a:rPr>
+              <a:t>করা হয়। </a:t>
+            </a:r>
+            <a:r>
+              <a:rPr lang="en-US" sz="2000" dirty="0">
+                <a:solidFill>
+                  <a:schemeClr val="bg1"/>
+                </a:solidFill>
+                <a:latin typeface="SolaimanLipi" panose="02000500020000020004" pitchFamily="2" charset="0"/>
+                <a:cs typeface="SolaimanLipi" panose="02000500020000020004" pitchFamily="2" charset="0"/>
+              </a:rPr>
+              <a:t> </a:t>
+            </a:r>
+            <a:r>
+              <a:rPr lang="as-IN" sz="2000" dirty="0">
+                <a:solidFill>
+                  <a:schemeClr val="bg1"/>
+                </a:solidFill>
+                <a:latin typeface="SolaimanLipi" panose="02000500020000020004" pitchFamily="2" charset="0"/>
+                <a:cs typeface="SolaimanLipi" panose="02000500020000020004" pitchFamily="2" charset="0"/>
+              </a:rPr>
+              <a:t>একে সহজ ভাবে বলতে পারেন, </a:t>
+            </a:r>
+            <a:r>
+              <a:rPr lang="en-US" sz="2000" dirty="0">
+                <a:solidFill>
+                  <a:schemeClr val="bg1"/>
+                </a:solidFill>
+                <a:latin typeface="SolaimanLipi" panose="02000500020000020004" pitchFamily="2" charset="0"/>
+                <a:cs typeface="SolaimanLipi" panose="02000500020000020004" pitchFamily="2" charset="0"/>
+              </a:rPr>
+              <a:t> </a:t>
+            </a:r>
+            <a:r>
+              <a:rPr lang="as-IN" sz="2000" dirty="0">
+                <a:solidFill>
+                  <a:schemeClr val="bg1"/>
+                </a:solidFill>
+                <a:latin typeface="SolaimanLipi" panose="02000500020000020004" pitchFamily="2" charset="0"/>
+                <a:cs typeface="SolaimanLipi" panose="02000500020000020004" pitchFamily="2" charset="0"/>
+              </a:rPr>
+              <a:t>নির্দিষ্ট </a:t>
+            </a:r>
+            <a:r>
+              <a:rPr lang="en-US" sz="2000" dirty="0" err="1">
+                <a:solidFill>
+                  <a:schemeClr val="bg1"/>
+                </a:solidFill>
+                <a:latin typeface="SolaimanLipi" panose="02000500020000020004" pitchFamily="2" charset="0"/>
+                <a:cs typeface="SolaimanLipi" panose="02000500020000020004" pitchFamily="2" charset="0"/>
+              </a:rPr>
+              <a:t>কয়েকটা</a:t>
+            </a:r>
+            <a:r>
+              <a:rPr lang="en-US" sz="2000" dirty="0">
+                <a:solidFill>
+                  <a:schemeClr val="bg1"/>
+                </a:solidFill>
+                <a:latin typeface="SolaimanLipi" panose="02000500020000020004" pitchFamily="2" charset="0"/>
+                <a:cs typeface="SolaimanLipi" panose="02000500020000020004" pitchFamily="2" charset="0"/>
+              </a:rPr>
+              <a:t> </a:t>
+            </a:r>
+            <a:r>
+              <a:rPr lang="en-US" sz="2000" dirty="0">
+                <a:solidFill>
+                  <a:schemeClr val="bg1"/>
+                </a:solidFill>
+                <a:latin typeface="Times New Roman" panose="02020603050405020304" pitchFamily="18" charset="0"/>
+                <a:cs typeface="Times New Roman" panose="02020603050405020304" pitchFamily="18" charset="0"/>
+              </a:rPr>
+              <a:t>Statement </a:t>
+            </a:r>
+            <a:r>
+              <a:rPr lang="as-IN" sz="2000" dirty="0">
+                <a:solidFill>
+                  <a:schemeClr val="bg1"/>
+                </a:solidFill>
+                <a:latin typeface="SolaimanLipi" panose="02000500020000020004" pitchFamily="2" charset="0"/>
+                <a:cs typeface="SolaimanLipi" panose="02000500020000020004" pitchFamily="2" charset="0"/>
+              </a:rPr>
+              <a:t>এ</a:t>
+            </a:r>
+            <a:r>
+              <a:rPr lang="en-US" sz="2000" dirty="0">
+                <a:solidFill>
+                  <a:schemeClr val="bg1"/>
+                </a:solidFill>
+                <a:latin typeface="SolaimanLipi" panose="02000500020000020004" pitchFamily="2" charset="0"/>
+                <a:cs typeface="SolaimanLipi" panose="02000500020000020004" pitchFamily="2" charset="0"/>
+              </a:rPr>
+              <a:t>র </a:t>
+            </a:r>
+            <a:r>
+              <a:rPr lang="en-US" sz="2000" dirty="0" err="1">
+                <a:solidFill>
+                  <a:schemeClr val="bg1"/>
+                </a:solidFill>
+                <a:latin typeface="SolaimanLipi" panose="02000500020000020004" pitchFamily="2" charset="0"/>
+                <a:cs typeface="SolaimanLipi" panose="02000500020000020004" pitchFamily="2" charset="0"/>
+              </a:rPr>
+              <a:t>একটি</a:t>
+            </a:r>
+            <a:r>
+              <a:rPr lang="as-IN" sz="2000" dirty="0">
+                <a:solidFill>
+                  <a:schemeClr val="bg1"/>
+                </a:solidFill>
+                <a:latin typeface="SolaimanLipi" panose="02000500020000020004" pitchFamily="2" charset="0"/>
+                <a:cs typeface="SolaimanLipi" panose="02000500020000020004" pitchFamily="2" charset="0"/>
+              </a:rPr>
+              <a:t> সেট, যা </a:t>
+            </a:r>
+            <a:r>
+              <a:rPr lang="en-US" sz="2000" dirty="0" err="1">
+                <a:solidFill>
+                  <a:schemeClr val="bg1"/>
+                </a:solidFill>
+                <a:latin typeface="SolaimanLipi" panose="02000500020000020004" pitchFamily="2" charset="0"/>
+                <a:cs typeface="SolaimanLipi" panose="02000500020000020004" pitchFamily="2" charset="0"/>
+              </a:rPr>
+              <a:t>একটি</a:t>
+            </a:r>
+            <a:r>
+              <a:rPr lang="en-US" sz="2000" dirty="0">
+                <a:solidFill>
+                  <a:schemeClr val="bg1"/>
+                </a:solidFill>
+                <a:latin typeface="SolaimanLipi" panose="02000500020000020004" pitchFamily="2" charset="0"/>
+                <a:cs typeface="SolaimanLipi" panose="02000500020000020004" pitchFamily="2" charset="0"/>
+              </a:rPr>
+              <a:t> </a:t>
+            </a:r>
+            <a:r>
+              <a:rPr lang="en-US" sz="2000" dirty="0" err="1">
+                <a:solidFill>
+                  <a:schemeClr val="bg1"/>
+                </a:solidFill>
+                <a:latin typeface="SolaimanLipi" panose="02000500020000020004" pitchFamily="2" charset="0"/>
+                <a:cs typeface="SolaimanLipi" panose="02000500020000020004" pitchFamily="2" charset="0"/>
+              </a:rPr>
+              <a:t>নির্দিষ্ট</a:t>
+            </a:r>
+            <a:r>
+              <a:rPr lang="as-IN" sz="2000" dirty="0">
+                <a:solidFill>
+                  <a:schemeClr val="bg1"/>
+                </a:solidFill>
+                <a:latin typeface="SolaimanLipi" panose="02000500020000020004" pitchFamily="2" charset="0"/>
+                <a:cs typeface="SolaimanLipi" panose="02000500020000020004" pitchFamily="2" charset="0"/>
+              </a:rPr>
+              <a:t> কাজ করার জন্য বারবার </a:t>
+            </a:r>
+            <a:r>
+              <a:rPr lang="en-US" sz="2000" dirty="0">
+                <a:solidFill>
+                  <a:schemeClr val="bg1"/>
+                </a:solidFill>
+                <a:latin typeface="Times New Roman" panose="02020603050405020304" pitchFamily="18" charset="0"/>
+                <a:cs typeface="Times New Roman" panose="02020603050405020304" pitchFamily="18" charset="0"/>
+              </a:rPr>
+              <a:t>call</a:t>
+            </a:r>
+            <a:r>
+              <a:rPr lang="en-US" sz="2000" dirty="0">
+                <a:solidFill>
+                  <a:schemeClr val="bg1"/>
+                </a:solidFill>
+                <a:latin typeface="SolaimanLipi" panose="02000500020000020004" pitchFamily="2" charset="0"/>
+                <a:cs typeface="SolaimanLipi" panose="02000500020000020004" pitchFamily="2" charset="0"/>
+              </a:rPr>
+              <a:t> </a:t>
+            </a:r>
+            <a:r>
+              <a:rPr lang="en-US" sz="2000" dirty="0" err="1">
+                <a:solidFill>
+                  <a:schemeClr val="bg1"/>
+                </a:solidFill>
+                <a:latin typeface="SolaimanLipi" panose="02000500020000020004" pitchFamily="2" charset="0"/>
+                <a:cs typeface="SolaimanLipi" panose="02000500020000020004" pitchFamily="2" charset="0"/>
+              </a:rPr>
+              <a:t>করা</a:t>
+            </a:r>
+            <a:r>
+              <a:rPr lang="en-US" sz="2000" dirty="0">
+                <a:solidFill>
+                  <a:schemeClr val="bg1"/>
+                </a:solidFill>
+                <a:latin typeface="SolaimanLipi" panose="02000500020000020004" pitchFamily="2" charset="0"/>
+                <a:cs typeface="SolaimanLipi" panose="02000500020000020004" pitchFamily="2" charset="0"/>
+              </a:rPr>
+              <a:t> </a:t>
+            </a:r>
+            <a:r>
+              <a:rPr lang="en-US" sz="2000" dirty="0" err="1">
+                <a:solidFill>
+                  <a:schemeClr val="bg1"/>
+                </a:solidFill>
+                <a:latin typeface="SolaimanLipi" panose="02000500020000020004" pitchFamily="2" charset="0"/>
+                <a:cs typeface="SolaimanLipi" panose="02000500020000020004" pitchFamily="2" charset="0"/>
+              </a:rPr>
+              <a:t>হয়</a:t>
+            </a:r>
+            <a:r>
+              <a:rPr lang="as-IN" sz="2000" dirty="0">
+                <a:solidFill>
+                  <a:schemeClr val="bg1"/>
+                </a:solidFill>
+                <a:latin typeface="SolaimanLipi" panose="02000500020000020004" pitchFamily="2" charset="0"/>
+                <a:cs typeface="SolaimanLipi" panose="02000500020000020004" pitchFamily="2" charset="0"/>
+              </a:rPr>
+              <a:t>।</a:t>
+            </a:r>
+          </a:p>
+        </p:txBody>
+      </p:sp>
+      <p:sp>
+        <p:nvSpPr>
+          <p:cNvPr id="10" name="TextBox 9">
+            <a:extLst>
+              <a:ext uri="{FF2B5EF4-FFF2-40B4-BE49-F238E27FC236}">
+                <a16:creationId xmlns:a16="http://schemas.microsoft.com/office/drawing/2014/main" id="{D68CE54F-98AF-4FC1-9C60-259CBC7C0554}"/>
+              </a:ext>
+            </a:extLst>
+          </p:cNvPr>
+          <p:cNvSpPr txBox="1"/>
+          <p:nvPr/>
+        </p:nvSpPr>
+        <p:spPr>
+          <a:xfrm>
+            <a:off x="2946864" y="190038"/>
+            <a:ext cx="8470000" cy="1107996"/>
+          </a:xfrm>
+          <a:prstGeom prst="rect">
+            <a:avLst/>
+          </a:prstGeom>
+          <a:noFill/>
+        </p:spPr>
+        <p:txBody>
+          <a:bodyPr wrap="square" rtlCol="0">
+            <a:spAutoFit/>
+          </a:bodyPr>
+          <a:lstStyle/>
+          <a:p>
+            <a:r>
+              <a:rPr lang="en-US" sz="6600" b="1" dirty="0">
+                <a:solidFill>
+                  <a:srgbClr val="FFB119"/>
+                </a:solidFill>
+                <a:latin typeface="Times New Roman" panose="02020603050405020304" pitchFamily="18" charset="0"/>
+                <a:cs typeface="Times New Roman" panose="02020603050405020304" pitchFamily="18" charset="0"/>
+              </a:rPr>
+              <a:t>Function</a:t>
+            </a:r>
+          </a:p>
+        </p:txBody>
+      </p:sp>
+      <p:sp>
+        <p:nvSpPr>
+          <p:cNvPr id="11" name="TextBox 10">
+            <a:extLst>
+              <a:ext uri="{FF2B5EF4-FFF2-40B4-BE49-F238E27FC236}">
+                <a16:creationId xmlns:a16="http://schemas.microsoft.com/office/drawing/2014/main" id="{09F3B441-E3E8-4434-BFDC-9B76C803DCBA}"/>
+              </a:ext>
+            </a:extLst>
+          </p:cNvPr>
+          <p:cNvSpPr txBox="1"/>
+          <p:nvPr/>
+        </p:nvSpPr>
+        <p:spPr>
+          <a:xfrm>
+            <a:off x="98349" y="6326622"/>
+            <a:ext cx="2508572" cy="369332"/>
+          </a:xfrm>
+          <a:prstGeom prst="rect">
+            <a:avLst/>
+          </a:prstGeom>
+          <a:solidFill>
+            <a:srgbClr val="1A1B24"/>
+          </a:solidFill>
+          <a:ln/>
+        </p:spPr>
+        <p:style>
+          <a:lnRef idx="3">
+            <a:schemeClr val="lt1"/>
+          </a:lnRef>
+          <a:fillRef idx="1">
+            <a:schemeClr val="dk1"/>
+          </a:fillRef>
+          <a:effectRef idx="1">
+            <a:schemeClr val="dk1"/>
+          </a:effectRef>
+          <a:fontRef idx="minor">
+            <a:schemeClr val="lt1"/>
+          </a:fontRef>
+        </p:style>
+        <p:txBody>
+          <a:bodyPr wrap="none" rtlCol="0">
+            <a:spAutoFit/>
+          </a:bodyPr>
+          <a:lstStyle/>
+          <a:p>
+            <a:pPr algn="ctr"/>
+            <a:r>
+              <a:rPr lang="en-US" dirty="0"/>
+              <a:t>@Programing with Rakib</a:t>
+            </a:r>
+          </a:p>
+        </p:txBody>
+      </p:sp>
       <p:sp>
         <p:nvSpPr>
           <p:cNvPr id="12" name="Rectangle 11">
@@ -3970,7 +5659,7 @@
                 <a:latin typeface="Times New Roman" panose="02020603050405020304" pitchFamily="18" charset="0"/>
                 <a:cs typeface="Times New Roman" panose="02020603050405020304" pitchFamily="18" charset="0"/>
               </a:rPr>
-              <a:t>Types Of Function</a:t>
+              <a:t>Custom Function</a:t>
             </a:r>
             <a:endParaRPr lang="en-US" sz="2400" b="1" dirty="0"/>
           </a:p>
@@ -3991,7 +5680,7 @@
         <p:spPr>
           <a:xfrm>
             <a:off x="2873318" y="4010603"/>
-            <a:ext cx="9003543" cy="1431739"/>
+            <a:ext cx="9003543" cy="1434624"/>
           </a:xfrm>
           <a:prstGeom prst="rect">
             <a:avLst/>
@@ -4004,6 +5693,133 @@
           </a:bodyPr>
           <a:lstStyle/>
           <a:p>
+            <a:pPr>
+              <a:lnSpc>
+                <a:spcPct val="150000"/>
+              </a:lnSpc>
+            </a:pPr>
+            <a:r>
+              <a:rPr lang="en-US" sz="2000" dirty="0" err="1">
+                <a:solidFill>
+                  <a:schemeClr val="bg1"/>
+                </a:solidFill>
+                <a:latin typeface="Times New Roman" panose="02020603050405020304" pitchFamily="18" charset="0"/>
+                <a:cs typeface="SolaimanLipi" panose="02000500020000020004" pitchFamily="2" charset="0"/>
+              </a:rPr>
+              <a:t>Javascript</a:t>
+            </a:r>
+            <a:r>
+              <a:rPr lang="en-US" sz="2000" dirty="0">
+                <a:solidFill>
+                  <a:schemeClr val="bg1"/>
+                </a:solidFill>
+                <a:latin typeface="Times New Roman" panose="02020603050405020304" pitchFamily="18" charset="0"/>
+                <a:cs typeface="SolaimanLipi" panose="02000500020000020004" pitchFamily="2" charset="0"/>
+              </a:rPr>
+              <a:t> এ </a:t>
+            </a:r>
+            <a:r>
+              <a:rPr lang="en-US" sz="2000" dirty="0" err="1">
+                <a:solidFill>
+                  <a:schemeClr val="bg1"/>
+                </a:solidFill>
+                <a:latin typeface="Times New Roman" panose="02020603050405020304" pitchFamily="18" charset="0"/>
+                <a:cs typeface="SolaimanLipi" panose="02000500020000020004" pitchFamily="2" charset="0"/>
+              </a:rPr>
+              <a:t>দুইভাবে</a:t>
+            </a:r>
+            <a:r>
+              <a:rPr lang="en-US" sz="2000" dirty="0">
+                <a:solidFill>
+                  <a:schemeClr val="bg1"/>
+                </a:solidFill>
+                <a:latin typeface="Times New Roman" panose="02020603050405020304" pitchFamily="18" charset="0"/>
+                <a:cs typeface="SolaimanLipi" panose="02000500020000020004" pitchFamily="2" charset="0"/>
+              </a:rPr>
+              <a:t> </a:t>
+            </a:r>
+            <a:r>
+              <a:rPr lang="en-US" sz="2000" dirty="0" err="1">
+                <a:solidFill>
+                  <a:schemeClr val="bg1"/>
+                </a:solidFill>
+                <a:latin typeface="Times New Roman" panose="02020603050405020304" pitchFamily="18" charset="0"/>
+                <a:cs typeface="SolaimanLipi" panose="02000500020000020004" pitchFamily="2" charset="0"/>
+              </a:rPr>
+              <a:t>ফাংশন</a:t>
+            </a:r>
+            <a:r>
+              <a:rPr lang="en-US" sz="2000" dirty="0">
+                <a:solidFill>
+                  <a:schemeClr val="bg1"/>
+                </a:solidFill>
+                <a:latin typeface="Times New Roman" panose="02020603050405020304" pitchFamily="18" charset="0"/>
+                <a:cs typeface="SolaimanLipi" panose="02000500020000020004" pitchFamily="2" charset="0"/>
+              </a:rPr>
+              <a:t> </a:t>
+            </a:r>
+            <a:r>
+              <a:rPr lang="en-US" sz="2000" dirty="0" err="1">
+                <a:solidFill>
+                  <a:schemeClr val="bg1"/>
+                </a:solidFill>
+                <a:latin typeface="Times New Roman" panose="02020603050405020304" pitchFamily="18" charset="0"/>
+                <a:cs typeface="SolaimanLipi" panose="02000500020000020004" pitchFamily="2" charset="0"/>
+              </a:rPr>
+              <a:t>তৈরি</a:t>
+            </a:r>
+            <a:r>
+              <a:rPr lang="en-US" sz="2000" dirty="0">
+                <a:solidFill>
+                  <a:schemeClr val="bg1"/>
+                </a:solidFill>
+                <a:latin typeface="Times New Roman" panose="02020603050405020304" pitchFamily="18" charset="0"/>
+                <a:cs typeface="SolaimanLipi" panose="02000500020000020004" pitchFamily="2" charset="0"/>
+              </a:rPr>
+              <a:t> </a:t>
+            </a:r>
+            <a:r>
+              <a:rPr lang="en-US" sz="2000" dirty="0" err="1">
+                <a:solidFill>
+                  <a:schemeClr val="bg1"/>
+                </a:solidFill>
+                <a:latin typeface="Times New Roman" panose="02020603050405020304" pitchFamily="18" charset="0"/>
+                <a:cs typeface="SolaimanLipi" panose="02000500020000020004" pitchFamily="2" charset="0"/>
+              </a:rPr>
+              <a:t>করা</a:t>
+            </a:r>
+            <a:r>
+              <a:rPr lang="en-US" sz="2000" dirty="0">
+                <a:solidFill>
+                  <a:schemeClr val="bg1"/>
+                </a:solidFill>
+                <a:latin typeface="Times New Roman" panose="02020603050405020304" pitchFamily="18" charset="0"/>
+                <a:cs typeface="SolaimanLipi" panose="02000500020000020004" pitchFamily="2" charset="0"/>
+              </a:rPr>
+              <a:t> </a:t>
+            </a:r>
+            <a:r>
+              <a:rPr lang="en-US" sz="2000" dirty="0" err="1">
+                <a:solidFill>
+                  <a:schemeClr val="bg1"/>
+                </a:solidFill>
+                <a:latin typeface="Times New Roman" panose="02020603050405020304" pitchFamily="18" charset="0"/>
+                <a:cs typeface="SolaimanLipi" panose="02000500020000020004" pitchFamily="2" charset="0"/>
+              </a:rPr>
+              <a:t>যায়</a:t>
+            </a:r>
+            <a:r>
+              <a:rPr lang="en-US" sz="2000" dirty="0">
+                <a:solidFill>
+                  <a:schemeClr val="bg1"/>
+                </a:solidFill>
+                <a:latin typeface="Times New Roman" panose="02020603050405020304" pitchFamily="18" charset="0"/>
+                <a:cs typeface="SolaimanLipi" panose="02000500020000020004" pitchFamily="2" charset="0"/>
+              </a:rPr>
+              <a:t> ।  </a:t>
+            </a:r>
+          </a:p>
+          <a:p>
             <a:pPr marL="457200" indent="-457200">
               <a:lnSpc>
                 <a:spcPct val="150000"/>
@@ -4016,26 +5832,26 @@
                   <a:schemeClr val="bg1"/>
                 </a:solidFill>
                 <a:latin typeface="Times New Roman" panose="02020603050405020304" pitchFamily="18" charset="0"/>
-                <a:cs typeface="Times New Roman" panose="02020603050405020304" pitchFamily="18" charset="0"/>
-              </a:rPr>
-              <a:t>Built-In Function: </a:t>
+                <a:cs typeface="SolaimanLipi" panose="02000500020000020004" pitchFamily="2" charset="0"/>
+              </a:rPr>
+              <a:t>ES6 </a:t>
             </a:r>
             <a:r>
               <a:rPr lang="en-US" sz="2000" dirty="0" err="1">
                 <a:solidFill>
                   <a:schemeClr val="bg1"/>
                 </a:solidFill>
-                <a:latin typeface="SolaimanLipi" panose="02000500020000020004" pitchFamily="2" charset="0"/>
-                <a:cs typeface="SolaimanLipi" panose="02000500020000020004" pitchFamily="2" charset="0"/>
-              </a:rPr>
-              <a:t>যে</a:t>
+                <a:latin typeface="Times New Roman" panose="02020603050405020304" pitchFamily="18" charset="0"/>
+                <a:cs typeface="SolaimanLipi" panose="02000500020000020004" pitchFamily="2" charset="0"/>
+              </a:rPr>
+              <a:t>এর</a:t>
             </a:r>
             <a:r>
               <a:rPr lang="en-US" sz="2000" dirty="0">
                 <a:solidFill>
                   <a:schemeClr val="bg1"/>
                 </a:solidFill>
-                <a:latin typeface="SolaimanLipi" panose="02000500020000020004" pitchFamily="2" charset="0"/>
+                <a:latin typeface="Times New Roman" panose="02020603050405020304" pitchFamily="18" charset="0"/>
                 <a:cs typeface="SolaimanLipi" panose="02000500020000020004" pitchFamily="2" charset="0"/>
               </a:rPr>
               <a:t> </a:t>
@@ -4045,17 +5861,17 @@
                 <a:solidFill>
                   <a:schemeClr val="bg1"/>
                 </a:solidFill>
-                <a:latin typeface="SolaimanLipi" panose="02000500020000020004" pitchFamily="2" charset="0"/>
-                <a:cs typeface="SolaimanLipi" panose="02000500020000020004" pitchFamily="2" charset="0"/>
-              </a:rPr>
-              <a:t>ফাংশনগুলো</a:t>
+                <a:latin typeface="Times New Roman" panose="02020603050405020304" pitchFamily="18" charset="0"/>
+                <a:cs typeface="SolaimanLipi" panose="02000500020000020004" pitchFamily="2" charset="0"/>
+              </a:rPr>
+              <a:t>পর</a:t>
             </a:r>
             <a:r>
               <a:rPr lang="en-US" sz="2000" dirty="0">
                 <a:solidFill>
                   <a:schemeClr val="bg1"/>
                 </a:solidFill>
-                <a:latin typeface="SolaimanLipi" panose="02000500020000020004" pitchFamily="2" charset="0"/>
+                <a:latin typeface="Times New Roman" panose="02020603050405020304" pitchFamily="18" charset="0"/>
                 <a:cs typeface="SolaimanLipi" panose="02000500020000020004" pitchFamily="2" charset="0"/>
               </a:rPr>
               <a:t> </a:t>
@@ -4065,37 +5881,37 @@
                 <a:solidFill>
                   <a:schemeClr val="bg1"/>
                 </a:solidFill>
-                <a:latin typeface="SolaimanLipi" panose="02000500020000020004" pitchFamily="2" charset="0"/>
-                <a:cs typeface="SolaimanLipi" panose="02000500020000020004" pitchFamily="2" charset="0"/>
-              </a:rPr>
-              <a:t>জাভাস্কিপ্ট</a:t>
+                <a:latin typeface="Times New Roman" panose="02020603050405020304" pitchFamily="18" charset="0"/>
+                <a:cs typeface="SolaimanLipi" panose="02000500020000020004" pitchFamily="2" charset="0"/>
+              </a:rPr>
+              <a:t>থেকে</a:t>
             </a:r>
             <a:r>
               <a:rPr lang="en-US" sz="2000" dirty="0">
                 <a:solidFill>
                   <a:schemeClr val="bg1"/>
                 </a:solidFill>
-                <a:latin typeface="SolaimanLipi" panose="02000500020000020004" pitchFamily="2" charset="0"/>
-                <a:cs typeface="SolaimanLipi" panose="02000500020000020004" pitchFamily="2" charset="0"/>
-              </a:rPr>
-              <a:t> এ </a:t>
+                <a:latin typeface="Times New Roman" panose="02020603050405020304" pitchFamily="18" charset="0"/>
+                <a:cs typeface="SolaimanLipi" panose="02000500020000020004" pitchFamily="2" charset="0"/>
+              </a:rPr>
+              <a:t> Arrow Syntax </a:t>
             </a:r>
             <a:r>
               <a:rPr lang="en-US" sz="2000" dirty="0" err="1">
                 <a:solidFill>
                   <a:schemeClr val="bg1"/>
                 </a:solidFill>
-                <a:latin typeface="SolaimanLipi" panose="02000500020000020004" pitchFamily="2" charset="0"/>
-                <a:cs typeface="SolaimanLipi" panose="02000500020000020004" pitchFamily="2" charset="0"/>
-              </a:rPr>
-              <a:t>আগে</a:t>
+                <a:latin typeface="Times New Roman" panose="02020603050405020304" pitchFamily="18" charset="0"/>
+                <a:cs typeface="SolaimanLipi" panose="02000500020000020004" pitchFamily="2" charset="0"/>
+              </a:rPr>
+              <a:t>ব্যবহার</a:t>
             </a:r>
             <a:r>
               <a:rPr lang="en-US" sz="2000" dirty="0">
                 <a:solidFill>
                   <a:schemeClr val="bg1"/>
                 </a:solidFill>
-                <a:latin typeface="SolaimanLipi" panose="02000500020000020004" pitchFamily="2" charset="0"/>
+                <a:latin typeface="Times New Roman" panose="02020603050405020304" pitchFamily="18" charset="0"/>
                 <a:cs typeface="SolaimanLipi" panose="02000500020000020004" pitchFamily="2" charset="0"/>
               </a:rPr>
               <a:t> </a:t>
@@ -4105,17 +5921,37 @@
                 <a:solidFill>
                   <a:schemeClr val="bg1"/>
                 </a:solidFill>
-                <a:latin typeface="SolaimanLipi" panose="02000500020000020004" pitchFamily="2" charset="0"/>
-                <a:cs typeface="SolaimanLipi" panose="02000500020000020004" pitchFamily="2" charset="0"/>
-              </a:rPr>
-              <a:t>থেকেই</a:t>
+                <a:latin typeface="Times New Roman" panose="02020603050405020304" pitchFamily="18" charset="0"/>
+                <a:cs typeface="SolaimanLipi" panose="02000500020000020004" pitchFamily="2" charset="0"/>
+              </a:rPr>
+              <a:t>করে</a:t>
             </a:r>
             <a:r>
               <a:rPr lang="en-US" sz="2000" dirty="0">
                 <a:solidFill>
                   <a:schemeClr val="bg1"/>
                 </a:solidFill>
-                <a:latin typeface="SolaimanLipi" panose="02000500020000020004" pitchFamily="2" charset="0"/>
+                <a:latin typeface="Times New Roman" panose="02020603050405020304" pitchFamily="18" charset="0"/>
+                <a:cs typeface="SolaimanLipi" panose="02000500020000020004" pitchFamily="2" charset="0"/>
+              </a:rPr>
+              <a:t> ।  </a:t>
+            </a:r>
+            <a:r>
+              <a:rPr lang="en-US" sz="2000" dirty="0" err="1">
+                <a:solidFill>
+                  <a:schemeClr val="bg1"/>
+                </a:solidFill>
+                <a:latin typeface="Times New Roman" panose="02020603050405020304" pitchFamily="18" charset="0"/>
+                <a:cs typeface="SolaimanLipi" panose="02000500020000020004" pitchFamily="2" charset="0"/>
+              </a:rPr>
+              <a:t>জা</a:t>
+            </a:r>
+            <a:r>
+              <a:rPr lang="en-US" sz="2000" dirty="0">
+                <a:solidFill>
+                  <a:schemeClr val="bg1"/>
+                </a:solidFill>
+                <a:latin typeface="Times New Roman" panose="02020603050405020304" pitchFamily="18" charset="0"/>
                 <a:cs typeface="SolaimanLipi" panose="02000500020000020004" pitchFamily="2" charset="0"/>
               </a:rPr>
               <a:t> </a:t>
@@ -4125,17 +5961,17 @@
                 <a:solidFill>
                   <a:schemeClr val="bg1"/>
                 </a:solidFill>
-                <a:latin typeface="SolaimanLipi" panose="02000500020000020004" pitchFamily="2" charset="0"/>
-                <a:cs typeface="SolaimanLipi" panose="02000500020000020004" pitchFamily="2" charset="0"/>
-              </a:rPr>
-              <a:t>ডেভলপাররা</a:t>
+                <a:latin typeface="Times New Roman" panose="02020603050405020304" pitchFamily="18" charset="0"/>
+                <a:cs typeface="SolaimanLipi" panose="02000500020000020004" pitchFamily="2" charset="0"/>
+              </a:rPr>
+              <a:t>এটি</a:t>
             </a:r>
             <a:r>
               <a:rPr lang="en-US" sz="2000" dirty="0">
                 <a:solidFill>
                   <a:schemeClr val="bg1"/>
                 </a:solidFill>
-                <a:latin typeface="SolaimanLipi" panose="02000500020000020004" pitchFamily="2" charset="0"/>
+                <a:latin typeface="Times New Roman" panose="02020603050405020304" pitchFamily="18" charset="0"/>
                 <a:cs typeface="SolaimanLipi" panose="02000500020000020004" pitchFamily="2" charset="0"/>
               </a:rPr>
               <a:t> </a:t>
@@ -4145,348 +5981,21 @@
                 <a:solidFill>
                   <a:schemeClr val="bg1"/>
                 </a:solidFill>
-                <a:latin typeface="SolaimanLipi" panose="02000500020000020004" pitchFamily="2" charset="0"/>
-                <a:cs typeface="SolaimanLipi" panose="02000500020000020004" pitchFamily="2" charset="0"/>
-              </a:rPr>
-              <a:t>লিখে</a:t>
+                <a:latin typeface="Times New Roman" panose="02020603050405020304" pitchFamily="18" charset="0"/>
+                <a:cs typeface="SolaimanLipi" panose="02000500020000020004" pitchFamily="2" charset="0"/>
+              </a:rPr>
+              <a:t>জাভাস্ক্রিপ্ট</a:t>
             </a:r>
             <a:r>
               <a:rPr lang="en-US" sz="2000" dirty="0">
                 <a:solidFill>
                   <a:schemeClr val="bg1"/>
                 </a:solidFill>
-                <a:latin typeface="SolaimanLipi" panose="02000500020000020004" pitchFamily="2" charset="0"/>
-                <a:cs typeface="SolaimanLipi" panose="02000500020000020004" pitchFamily="2" charset="0"/>
-              </a:rPr>
-              <a:t> </a:t>
-            </a:r>
-            <a:r>
-              <a:rPr lang="en-US" sz="2000" dirty="0" err="1">
-                <a:solidFill>
-                  <a:schemeClr val="bg1"/>
-                </a:solidFill>
-                <a:latin typeface="SolaimanLipi" panose="02000500020000020004" pitchFamily="2" charset="0"/>
-                <a:cs typeface="SolaimanLipi" panose="02000500020000020004" pitchFamily="2" charset="0"/>
-              </a:rPr>
-              <a:t>রেখেছে</a:t>
-            </a:r>
-            <a:r>
-              <a:rPr lang="en-US" sz="2000" dirty="0">
-                <a:solidFill>
-                  <a:schemeClr val="bg1"/>
-                </a:solidFill>
-                <a:latin typeface="SolaimanLipi" panose="02000500020000020004" pitchFamily="2" charset="0"/>
-                <a:cs typeface="SolaimanLipi" panose="02000500020000020004" pitchFamily="2" charset="0"/>
-              </a:rPr>
-              <a:t> ।  </a:t>
-            </a:r>
-            <a:r>
-              <a:rPr lang="en-US" sz="2000" dirty="0" err="1">
-                <a:solidFill>
-                  <a:schemeClr val="bg1"/>
-                </a:solidFill>
-                <a:latin typeface="SolaimanLipi" panose="02000500020000020004" pitchFamily="2" charset="0"/>
-                <a:cs typeface="SolaimanLipi" panose="02000500020000020004" pitchFamily="2" charset="0"/>
-              </a:rPr>
-              <a:t>আমাদের</a:t>
-            </a:r>
-            <a:r>
-              <a:rPr lang="en-US" sz="2000" dirty="0">
-                <a:solidFill>
-                  <a:schemeClr val="bg1"/>
-                </a:solidFill>
-                <a:latin typeface="SolaimanLipi" panose="02000500020000020004" pitchFamily="2" charset="0"/>
-                <a:cs typeface="SolaimanLipi" panose="02000500020000020004" pitchFamily="2" charset="0"/>
-              </a:rPr>
-              <a:t> </a:t>
-            </a:r>
-            <a:r>
-              <a:rPr lang="en-US" sz="2000" dirty="0" err="1">
-                <a:solidFill>
-                  <a:schemeClr val="bg1"/>
-                </a:solidFill>
-                <a:latin typeface="SolaimanLipi" panose="02000500020000020004" pitchFamily="2" charset="0"/>
-                <a:cs typeface="SolaimanLipi" panose="02000500020000020004" pitchFamily="2" charset="0"/>
-              </a:rPr>
-              <a:t>সুবিধার</a:t>
-            </a:r>
-            <a:r>
-              <a:rPr lang="en-US" sz="2000" dirty="0">
-                <a:solidFill>
-                  <a:schemeClr val="bg1"/>
-                </a:solidFill>
-                <a:latin typeface="SolaimanLipi" panose="02000500020000020004" pitchFamily="2" charset="0"/>
-                <a:cs typeface="SolaimanLipi" panose="02000500020000020004" pitchFamily="2" charset="0"/>
-              </a:rPr>
-              <a:t> </a:t>
-            </a:r>
-            <a:r>
-              <a:rPr lang="en-US" sz="2000" dirty="0" err="1">
-                <a:solidFill>
-                  <a:schemeClr val="bg1"/>
-                </a:solidFill>
-                <a:latin typeface="SolaimanLipi" panose="02000500020000020004" pitchFamily="2" charset="0"/>
-                <a:cs typeface="SolaimanLipi" panose="02000500020000020004" pitchFamily="2" charset="0"/>
-              </a:rPr>
-              <a:t>জন্য</a:t>
-            </a:r>
-            <a:r>
-              <a:rPr lang="en-US" sz="2000" dirty="0">
-                <a:solidFill>
-                  <a:schemeClr val="bg1"/>
-                </a:solidFill>
-                <a:latin typeface="SolaimanLipi" panose="02000500020000020004" pitchFamily="2" charset="0"/>
-                <a:cs typeface="SolaimanLipi" panose="02000500020000020004" pitchFamily="2" charset="0"/>
-              </a:rPr>
-              <a:t> </a:t>
-            </a:r>
-            <a:r>
-              <a:rPr lang="en-US" sz="2000" dirty="0" err="1">
-                <a:solidFill>
-                  <a:schemeClr val="bg1"/>
-                </a:solidFill>
-                <a:latin typeface="SolaimanLipi" panose="02000500020000020004" pitchFamily="2" charset="0"/>
-                <a:cs typeface="SolaimanLipi" panose="02000500020000020004" pitchFamily="2" charset="0"/>
-              </a:rPr>
-              <a:t>এগুলো</a:t>
-            </a:r>
-            <a:r>
-              <a:rPr lang="en-US" sz="2000" dirty="0">
-                <a:solidFill>
-                  <a:schemeClr val="bg1"/>
-                </a:solidFill>
-                <a:latin typeface="SolaimanLipi" panose="02000500020000020004" pitchFamily="2" charset="0"/>
-                <a:cs typeface="SolaimanLipi" panose="02000500020000020004" pitchFamily="2" charset="0"/>
-              </a:rPr>
-              <a:t> </a:t>
-            </a:r>
-            <a:r>
-              <a:rPr lang="en-US" sz="2000" dirty="0" err="1">
-                <a:solidFill>
-                  <a:schemeClr val="bg1"/>
-                </a:solidFill>
-                <a:latin typeface="SolaimanLipi" panose="02000500020000020004" pitchFamily="2" charset="0"/>
-                <a:cs typeface="SolaimanLipi" panose="02000500020000020004" pitchFamily="2" charset="0"/>
-              </a:rPr>
-              <a:t>আর</a:t>
-            </a:r>
-            <a:r>
-              <a:rPr lang="en-US" sz="2000" dirty="0">
-                <a:solidFill>
-                  <a:schemeClr val="bg1"/>
-                </a:solidFill>
-                <a:latin typeface="SolaimanLipi" panose="02000500020000020004" pitchFamily="2" charset="0"/>
-                <a:cs typeface="SolaimanLipi" panose="02000500020000020004" pitchFamily="2" charset="0"/>
-              </a:rPr>
-              <a:t> </a:t>
-            </a:r>
-            <a:r>
-              <a:rPr lang="en-US" sz="2000" dirty="0" err="1">
-                <a:solidFill>
-                  <a:schemeClr val="bg1"/>
-                </a:solidFill>
-                <a:latin typeface="SolaimanLipi" panose="02000500020000020004" pitchFamily="2" charset="0"/>
-                <a:cs typeface="SolaimanLipi" panose="02000500020000020004" pitchFamily="2" charset="0"/>
-              </a:rPr>
-              <a:t>আমাদের</a:t>
-            </a:r>
-            <a:r>
-              <a:rPr lang="en-US" sz="2000" dirty="0">
-                <a:solidFill>
-                  <a:schemeClr val="bg1"/>
-                </a:solidFill>
-                <a:latin typeface="SolaimanLipi" panose="02000500020000020004" pitchFamily="2" charset="0"/>
-                <a:cs typeface="SolaimanLipi" panose="02000500020000020004" pitchFamily="2" charset="0"/>
-              </a:rPr>
-              <a:t> </a:t>
-            </a:r>
-            <a:r>
-              <a:rPr lang="en-US" sz="2000" dirty="0" err="1">
-                <a:solidFill>
-                  <a:schemeClr val="bg1"/>
-                </a:solidFill>
-                <a:latin typeface="SolaimanLipi" panose="02000500020000020004" pitchFamily="2" charset="0"/>
-                <a:cs typeface="SolaimanLipi" panose="02000500020000020004" pitchFamily="2" charset="0"/>
-              </a:rPr>
-              <a:t>তৈরি</a:t>
-            </a:r>
-            <a:r>
-              <a:rPr lang="en-US" sz="2000" dirty="0">
-                <a:solidFill>
-                  <a:schemeClr val="bg1"/>
-                </a:solidFill>
-                <a:latin typeface="SolaimanLipi" panose="02000500020000020004" pitchFamily="2" charset="0"/>
-                <a:cs typeface="SolaimanLipi" panose="02000500020000020004" pitchFamily="2" charset="0"/>
-              </a:rPr>
-              <a:t> </a:t>
-            </a:r>
-            <a:r>
-              <a:rPr lang="en-US" sz="2000" dirty="0" err="1">
-                <a:solidFill>
-                  <a:schemeClr val="bg1"/>
-                </a:solidFill>
-                <a:latin typeface="SolaimanLipi" panose="02000500020000020004" pitchFamily="2" charset="0"/>
-                <a:cs typeface="SolaimanLipi" panose="02000500020000020004" pitchFamily="2" charset="0"/>
-              </a:rPr>
-              <a:t>করার</a:t>
-            </a:r>
-            <a:r>
-              <a:rPr lang="en-US" sz="2000" dirty="0">
-                <a:solidFill>
-                  <a:schemeClr val="bg1"/>
-                </a:solidFill>
-                <a:latin typeface="SolaimanLipi" panose="02000500020000020004" pitchFamily="2" charset="0"/>
-                <a:cs typeface="SolaimanLipi" panose="02000500020000020004" pitchFamily="2" charset="0"/>
-              </a:rPr>
-              <a:t> </a:t>
-            </a:r>
-            <a:r>
-              <a:rPr lang="en-US" sz="2000" dirty="0" err="1">
-                <a:solidFill>
-                  <a:schemeClr val="bg1"/>
-                </a:solidFill>
-                <a:latin typeface="SolaimanLipi" panose="02000500020000020004" pitchFamily="2" charset="0"/>
-                <a:cs typeface="SolaimanLipi" panose="02000500020000020004" pitchFamily="2" charset="0"/>
-              </a:rPr>
-              <a:t>দরকার</a:t>
-            </a:r>
-            <a:r>
-              <a:rPr lang="en-US" sz="2000" dirty="0">
-                <a:solidFill>
-                  <a:schemeClr val="bg1"/>
-                </a:solidFill>
-                <a:latin typeface="SolaimanLipi" panose="02000500020000020004" pitchFamily="2" charset="0"/>
-                <a:cs typeface="SolaimanLipi" panose="02000500020000020004" pitchFamily="2" charset="0"/>
-              </a:rPr>
-              <a:t> </a:t>
-            </a:r>
-            <a:r>
-              <a:rPr lang="en-US" sz="2000" dirty="0" err="1">
-                <a:solidFill>
-                  <a:schemeClr val="bg1"/>
-                </a:solidFill>
-                <a:latin typeface="SolaimanLipi" panose="02000500020000020004" pitchFamily="2" charset="0"/>
-                <a:cs typeface="SolaimanLipi" panose="02000500020000020004" pitchFamily="2" charset="0"/>
-              </a:rPr>
-              <a:t>নেই</a:t>
-            </a:r>
-            <a:r>
-              <a:rPr lang="en-US" sz="2000" dirty="0">
-                <a:solidFill>
-                  <a:schemeClr val="bg1"/>
-                </a:solidFill>
-                <a:latin typeface="SolaimanLipi" panose="02000500020000020004" pitchFamily="2" charset="0"/>
-                <a:cs typeface="SolaimanLipi" panose="02000500020000020004" pitchFamily="2" charset="0"/>
-              </a:rPr>
-              <a:t>।  </a:t>
-            </a:r>
-            <a:r>
-              <a:rPr lang="en-US" sz="2000" dirty="0" err="1">
-                <a:solidFill>
-                  <a:schemeClr val="bg1"/>
-                </a:solidFill>
-                <a:latin typeface="SolaimanLipi" panose="02000500020000020004" pitchFamily="2" charset="0"/>
-                <a:cs typeface="SolaimanLipi" panose="02000500020000020004" pitchFamily="2" charset="0"/>
-              </a:rPr>
-              <a:t>আমরা</a:t>
-            </a:r>
-            <a:r>
-              <a:rPr lang="en-US" sz="2000" dirty="0">
-                <a:solidFill>
-                  <a:schemeClr val="bg1"/>
-                </a:solidFill>
-                <a:latin typeface="SolaimanLipi" panose="02000500020000020004" pitchFamily="2" charset="0"/>
-                <a:cs typeface="SolaimanLipi" panose="02000500020000020004" pitchFamily="2" charset="0"/>
-              </a:rPr>
-              <a:t> </a:t>
-            </a:r>
-            <a:r>
-              <a:rPr lang="en-US" sz="2000" dirty="0" err="1">
-                <a:solidFill>
-                  <a:schemeClr val="bg1"/>
-                </a:solidFill>
-                <a:latin typeface="SolaimanLipi" panose="02000500020000020004" pitchFamily="2" charset="0"/>
-                <a:cs typeface="SolaimanLipi" panose="02000500020000020004" pitchFamily="2" charset="0"/>
-              </a:rPr>
-              <a:t>প্রয়োজন</a:t>
-            </a:r>
-            <a:r>
-              <a:rPr lang="en-US" sz="2000" dirty="0">
-                <a:solidFill>
-                  <a:schemeClr val="bg1"/>
-                </a:solidFill>
-                <a:latin typeface="SolaimanLipi" panose="02000500020000020004" pitchFamily="2" charset="0"/>
-                <a:cs typeface="SolaimanLipi" panose="02000500020000020004" pitchFamily="2" charset="0"/>
-              </a:rPr>
-              <a:t> </a:t>
-            </a:r>
-            <a:r>
-              <a:rPr lang="en-US" sz="2000" dirty="0" err="1">
-                <a:solidFill>
-                  <a:schemeClr val="bg1"/>
-                </a:solidFill>
-                <a:latin typeface="SolaimanLipi" panose="02000500020000020004" pitchFamily="2" charset="0"/>
-                <a:cs typeface="SolaimanLipi" panose="02000500020000020004" pitchFamily="2" charset="0"/>
-              </a:rPr>
-              <a:t>অনুযায়ী</a:t>
-            </a:r>
-            <a:r>
-              <a:rPr lang="en-US" sz="2000" dirty="0">
-                <a:solidFill>
-                  <a:schemeClr val="bg1"/>
-                </a:solidFill>
-                <a:latin typeface="SolaimanLipi" panose="02000500020000020004" pitchFamily="2" charset="0"/>
-                <a:cs typeface="SolaimanLipi" panose="02000500020000020004" pitchFamily="2" charset="0"/>
-              </a:rPr>
-              <a:t> </a:t>
-            </a:r>
-            <a:r>
-              <a:rPr lang="en-US" sz="2000" dirty="0" err="1">
-                <a:solidFill>
-                  <a:schemeClr val="bg1"/>
-                </a:solidFill>
-                <a:latin typeface="SolaimanLipi" panose="02000500020000020004" pitchFamily="2" charset="0"/>
-                <a:cs typeface="SolaimanLipi" panose="02000500020000020004" pitchFamily="2" charset="0"/>
-              </a:rPr>
-              <a:t>ব্যবহার</a:t>
-            </a:r>
-            <a:r>
-              <a:rPr lang="en-US" sz="2000" dirty="0">
-                <a:solidFill>
-                  <a:schemeClr val="bg1"/>
-                </a:solidFill>
-                <a:latin typeface="SolaimanLipi" panose="02000500020000020004" pitchFamily="2" charset="0"/>
-                <a:cs typeface="SolaimanLipi" panose="02000500020000020004" pitchFamily="2" charset="0"/>
-              </a:rPr>
-              <a:t> </a:t>
-            </a:r>
-            <a:r>
-              <a:rPr lang="en-US" sz="2000" dirty="0" err="1">
-                <a:solidFill>
-                  <a:schemeClr val="bg1"/>
-                </a:solidFill>
-                <a:latin typeface="SolaimanLipi" panose="02000500020000020004" pitchFamily="2" charset="0"/>
-                <a:cs typeface="SolaimanLipi" panose="02000500020000020004" pitchFamily="2" charset="0"/>
-              </a:rPr>
-              <a:t>করব</a:t>
-            </a:r>
-            <a:r>
-              <a:rPr lang="en-US" sz="2000" dirty="0">
-                <a:solidFill>
-                  <a:schemeClr val="bg1"/>
-                </a:solidFill>
-                <a:latin typeface="SolaimanLipi" panose="02000500020000020004" pitchFamily="2" charset="0"/>
-                <a:cs typeface="SolaimanLipi" panose="02000500020000020004" pitchFamily="2" charset="0"/>
-              </a:rPr>
-              <a:t> ।  </a:t>
-            </a:r>
-            <a:endParaRPr lang="en-US" sz="2000" dirty="0">
-              <a:solidFill>
-                <a:schemeClr val="bg1"/>
-              </a:solidFill>
-              <a:latin typeface="Times New Roman" panose="02020603050405020304" pitchFamily="18" charset="0"/>
-              <a:cs typeface="Times New Roman" panose="02020603050405020304" pitchFamily="18" charset="0"/>
-            </a:endParaRPr>
+                <a:latin typeface="Times New Roman" panose="02020603050405020304" pitchFamily="18" charset="0"/>
+                <a:cs typeface="SolaimanLipi" panose="02000500020000020004" pitchFamily="2" charset="0"/>
+              </a:rPr>
+              <a:t> এ  Latest Way </a:t>
+            </a:r>
           </a:p>
           <a:p>
             <a:pPr marL="457200" indent="-457200">
@@ -4501,26 +6010,26 @@
                   <a:schemeClr val="bg1"/>
                 </a:solidFill>
                 <a:latin typeface="Times New Roman" panose="02020603050405020304" pitchFamily="18" charset="0"/>
-                <a:cs typeface="Times New Roman" panose="02020603050405020304" pitchFamily="18" charset="0"/>
-              </a:rPr>
-              <a:t>Custom Function: </a:t>
+                <a:cs typeface="SolaimanLipi" panose="02000500020000020004" pitchFamily="2" charset="0"/>
+              </a:rPr>
+              <a:t>ES6 </a:t>
             </a:r>
             <a:r>
               <a:rPr lang="en-US" sz="2000" dirty="0" err="1">
                 <a:solidFill>
                   <a:schemeClr val="bg1"/>
                 </a:solidFill>
-                <a:latin typeface="SolaimanLipi" panose="02000500020000020004" pitchFamily="2" charset="0"/>
-                <a:cs typeface="SolaimanLipi" panose="02000500020000020004" pitchFamily="2" charset="0"/>
-              </a:rPr>
-              <a:t>এই</a:t>
+                <a:latin typeface="Times New Roman" panose="02020603050405020304" pitchFamily="18" charset="0"/>
+                <a:cs typeface="SolaimanLipi" panose="02000500020000020004" pitchFamily="2" charset="0"/>
+              </a:rPr>
+              <a:t>এর</a:t>
             </a:r>
             <a:r>
               <a:rPr lang="en-US" sz="2000" dirty="0">
                 <a:solidFill>
                   <a:schemeClr val="bg1"/>
                 </a:solidFill>
-                <a:latin typeface="SolaimanLipi" panose="02000500020000020004" pitchFamily="2" charset="0"/>
+                <a:latin typeface="Times New Roman" panose="02020603050405020304" pitchFamily="18" charset="0"/>
                 <a:cs typeface="SolaimanLipi" panose="02000500020000020004" pitchFamily="2" charset="0"/>
               </a:rPr>
               <a:t> </a:t>
@@ -4530,37 +6039,57 @@
                 <a:solidFill>
                   <a:schemeClr val="bg1"/>
                 </a:solidFill>
-                <a:latin typeface="SolaimanLipi" panose="02000500020000020004" pitchFamily="2" charset="0"/>
-                <a:cs typeface="SolaimanLipi" panose="02000500020000020004" pitchFamily="2" charset="0"/>
-              </a:rPr>
-              <a:t>ফাংশনগুলো</a:t>
+                <a:latin typeface="Times New Roman" panose="02020603050405020304" pitchFamily="18" charset="0"/>
+                <a:cs typeface="SolaimanLipi" panose="02000500020000020004" pitchFamily="2" charset="0"/>
+              </a:rPr>
+              <a:t>আগে</a:t>
             </a:r>
             <a:r>
               <a:rPr lang="en-US" sz="2000" dirty="0">
                 <a:solidFill>
                   <a:schemeClr val="bg1"/>
                 </a:solidFill>
-                <a:latin typeface="SolaimanLipi" panose="02000500020000020004" pitchFamily="2" charset="0"/>
+                <a:latin typeface="Times New Roman" panose="02020603050405020304" pitchFamily="18" charset="0"/>
                 <a:cs typeface="SolaimanLipi" panose="02000500020000020004" pitchFamily="2" charset="0"/>
               </a:rPr>
               <a:t> </a:t>
             </a:r>
             <a:r>
+              <a:rPr lang="en-US" sz="2000" dirty="0">
+                <a:solidFill>
+                  <a:schemeClr val="accent2"/>
+                </a:solidFill>
+                <a:latin typeface="Times New Roman" panose="02020603050405020304" pitchFamily="18" charset="0"/>
+                <a:cs typeface="SolaimanLipi" panose="02000500020000020004" pitchFamily="2" charset="0"/>
+              </a:rPr>
+              <a:t>function</a:t>
+            </a:r>
+            <a:r>
+              <a:rPr lang="en-US" sz="2000" dirty="0">
+                <a:solidFill>
+                  <a:schemeClr val="bg1"/>
+                </a:solidFill>
+                <a:latin typeface="Times New Roman" panose="02020603050405020304" pitchFamily="18" charset="0"/>
+                <a:cs typeface="SolaimanLipi" panose="02000500020000020004" pitchFamily="2" charset="0"/>
+              </a:rPr>
+              <a:t> </a:t>
+            </a:r>
+            <a:r>
               <a:rPr lang="en-US" sz="2000" dirty="0" err="1">
                 <a:solidFill>
                   <a:schemeClr val="bg1"/>
                 </a:solidFill>
-                <a:latin typeface="SolaimanLipi" panose="02000500020000020004" pitchFamily="2" charset="0"/>
-                <a:cs typeface="SolaimanLipi" panose="02000500020000020004" pitchFamily="2" charset="0"/>
-              </a:rPr>
-              <a:t>আমরা</a:t>
+                <a:latin typeface="Times New Roman" panose="02020603050405020304" pitchFamily="18" charset="0"/>
+                <a:cs typeface="SolaimanLipi" panose="02000500020000020004" pitchFamily="2" charset="0"/>
+              </a:rPr>
+              <a:t>রিজার্ভ</a:t>
             </a:r>
             <a:r>
               <a:rPr lang="en-US" sz="2000" dirty="0">
                 <a:solidFill>
                   <a:schemeClr val="bg1"/>
                 </a:solidFill>
-                <a:latin typeface="SolaimanLipi" panose="02000500020000020004" pitchFamily="2" charset="0"/>
+                <a:latin typeface="Times New Roman" panose="02020603050405020304" pitchFamily="18" charset="0"/>
                 <a:cs typeface="SolaimanLipi" panose="02000500020000020004" pitchFamily="2" charset="0"/>
               </a:rPr>
               <a:t> </a:t>
@@ -4570,17 +6099,17 @@
                 <a:solidFill>
                   <a:schemeClr val="bg1"/>
                 </a:solidFill>
-                <a:latin typeface="SolaimanLipi" panose="02000500020000020004" pitchFamily="2" charset="0"/>
-                <a:cs typeface="SolaimanLipi" panose="02000500020000020004" pitchFamily="2" charset="0"/>
-              </a:rPr>
-              <a:t>তৈরি</a:t>
+                <a:latin typeface="Times New Roman" panose="02020603050405020304" pitchFamily="18" charset="0"/>
+                <a:cs typeface="SolaimanLipi" panose="02000500020000020004" pitchFamily="2" charset="0"/>
+              </a:rPr>
+              <a:t>কী-ওয়ার্ড</a:t>
             </a:r>
             <a:r>
               <a:rPr lang="en-US" sz="2000" dirty="0">
                 <a:solidFill>
                   <a:schemeClr val="bg1"/>
                 </a:solidFill>
-                <a:latin typeface="SolaimanLipi" panose="02000500020000020004" pitchFamily="2" charset="0"/>
+                <a:latin typeface="Times New Roman" panose="02020603050405020304" pitchFamily="18" charset="0"/>
                 <a:cs typeface="SolaimanLipi" panose="02000500020000020004" pitchFamily="2" charset="0"/>
               </a:rPr>
               <a:t> </a:t>
@@ -4590,17 +6119,17 @@
                 <a:solidFill>
                   <a:schemeClr val="bg1"/>
                 </a:solidFill>
-                <a:latin typeface="SolaimanLipi" panose="02000500020000020004" pitchFamily="2" charset="0"/>
-                <a:cs typeface="SolaimanLipi" panose="02000500020000020004" pitchFamily="2" charset="0"/>
-              </a:rPr>
-              <a:t>করব</a:t>
+                <a:latin typeface="Times New Roman" panose="02020603050405020304" pitchFamily="18" charset="0"/>
+                <a:cs typeface="SolaimanLipi" panose="02000500020000020004" pitchFamily="2" charset="0"/>
+              </a:rPr>
+              <a:t>ব্যবহার</a:t>
             </a:r>
             <a:r>
               <a:rPr lang="en-US" sz="2000" dirty="0">
                 <a:solidFill>
                   <a:schemeClr val="bg1"/>
                 </a:solidFill>
-                <a:latin typeface="SolaimanLipi" panose="02000500020000020004" pitchFamily="2" charset="0"/>
+                <a:latin typeface="Times New Roman" panose="02020603050405020304" pitchFamily="18" charset="0"/>
                 <a:cs typeface="SolaimanLipi" panose="02000500020000020004" pitchFamily="2" charset="0"/>
               </a:rPr>
               <a:t> </a:t>
@@ -4610,17 +6139,37 @@
                 <a:solidFill>
                   <a:schemeClr val="bg1"/>
                 </a:solidFill>
-                <a:latin typeface="SolaimanLipi" panose="02000500020000020004" pitchFamily="2" charset="0"/>
-                <a:cs typeface="SolaimanLipi" panose="02000500020000020004" pitchFamily="2" charset="0"/>
-              </a:rPr>
-              <a:t>আমাদের</a:t>
+                <a:latin typeface="Times New Roman" panose="02020603050405020304" pitchFamily="18" charset="0"/>
+                <a:cs typeface="SolaimanLipi" panose="02000500020000020004" pitchFamily="2" charset="0"/>
+              </a:rPr>
+              <a:t>করে</a:t>
             </a:r>
             <a:r>
               <a:rPr lang="en-US" sz="2000" dirty="0">
                 <a:solidFill>
                   <a:schemeClr val="bg1"/>
                 </a:solidFill>
-                <a:latin typeface="SolaimanLipi" panose="02000500020000020004" pitchFamily="2" charset="0"/>
+                <a:latin typeface="Times New Roman" panose="02020603050405020304" pitchFamily="18" charset="0"/>
+                <a:cs typeface="SolaimanLipi" panose="02000500020000020004" pitchFamily="2" charset="0"/>
+              </a:rPr>
+              <a:t>।  </a:t>
+            </a:r>
+            <a:r>
+              <a:rPr lang="en-US" sz="2000" dirty="0" err="1">
+                <a:solidFill>
+                  <a:schemeClr val="bg1"/>
+                </a:solidFill>
+                <a:latin typeface="Times New Roman" panose="02020603050405020304" pitchFamily="18" charset="0"/>
+                <a:cs typeface="SolaimanLipi" panose="02000500020000020004" pitchFamily="2" charset="0"/>
+              </a:rPr>
+              <a:t>এটি</a:t>
+            </a:r>
+            <a:r>
+              <a:rPr lang="en-US" sz="2000" dirty="0">
+                <a:solidFill>
+                  <a:schemeClr val="bg1"/>
+                </a:solidFill>
+                <a:latin typeface="Times New Roman" panose="02020603050405020304" pitchFamily="18" charset="0"/>
                 <a:cs typeface="SolaimanLipi" panose="02000500020000020004" pitchFamily="2" charset="0"/>
               </a:rPr>
               <a:t> </a:t>
@@ -4630,20 +6179,60 @@
                 <a:solidFill>
                   <a:schemeClr val="bg1"/>
                 </a:solidFill>
-                <a:latin typeface="SolaimanLipi" panose="02000500020000020004" pitchFamily="2" charset="0"/>
-                <a:cs typeface="SolaimanLipi" panose="02000500020000020004" pitchFamily="2" charset="0"/>
-              </a:rPr>
-              <a:t>সুবিধামত</a:t>
+                <a:latin typeface="Times New Roman" panose="02020603050405020304" pitchFamily="18" charset="0"/>
+                <a:cs typeface="SolaimanLipi" panose="02000500020000020004" pitchFamily="2" charset="0"/>
+              </a:rPr>
+              <a:t>জাভাস্ক্রিপ্ট</a:t>
             </a:r>
             <a:r>
               <a:rPr lang="en-US" sz="2000" dirty="0">
                 <a:solidFill>
                   <a:schemeClr val="bg1"/>
                 </a:solidFill>
-                <a:latin typeface="SolaimanLipi" panose="02000500020000020004" pitchFamily="2" charset="0"/>
-                <a:cs typeface="SolaimanLipi" panose="02000500020000020004" pitchFamily="2" charset="0"/>
-              </a:rPr>
-              <a:t> । </a:t>
+                <a:latin typeface="Times New Roman" panose="02020603050405020304" pitchFamily="18" charset="0"/>
+                <a:cs typeface="SolaimanLipi" panose="02000500020000020004" pitchFamily="2" charset="0"/>
+              </a:rPr>
+              <a:t> এ </a:t>
+            </a:r>
+            <a:r>
+              <a:rPr lang="en-US" sz="2000" dirty="0" err="1">
+                <a:solidFill>
+                  <a:schemeClr val="bg1"/>
+                </a:solidFill>
+                <a:latin typeface="Times New Roman" panose="02020603050405020304" pitchFamily="18" charset="0"/>
+                <a:cs typeface="SolaimanLipi" panose="02000500020000020004" pitchFamily="2" charset="0"/>
+              </a:rPr>
+              <a:t>পুরাতন</a:t>
+            </a:r>
+            <a:r>
+              <a:rPr lang="en-US" sz="2000" dirty="0">
+                <a:solidFill>
+                  <a:schemeClr val="bg1"/>
+                </a:solidFill>
+                <a:latin typeface="Times New Roman" panose="02020603050405020304" pitchFamily="18" charset="0"/>
+                <a:cs typeface="SolaimanLipi" panose="02000500020000020004" pitchFamily="2" charset="0"/>
+              </a:rPr>
+              <a:t> </a:t>
+            </a:r>
+            <a:r>
+              <a:rPr lang="en-US" sz="2000" dirty="0" err="1">
+                <a:solidFill>
+                  <a:schemeClr val="bg1"/>
+                </a:solidFill>
+                <a:latin typeface="Times New Roman" panose="02020603050405020304" pitchFamily="18" charset="0"/>
+                <a:cs typeface="SolaimanLipi" panose="02000500020000020004" pitchFamily="2" charset="0"/>
+              </a:rPr>
+              <a:t>উপায়</a:t>
+            </a:r>
+            <a:r>
+              <a:rPr lang="en-US" sz="2000" dirty="0">
+                <a:solidFill>
+                  <a:schemeClr val="bg1"/>
+                </a:solidFill>
+                <a:latin typeface="Times New Roman" panose="02020603050405020304" pitchFamily="18" charset="0"/>
+                <a:cs typeface="SolaimanLipi" panose="02000500020000020004" pitchFamily="2" charset="0"/>
+              </a:rPr>
+              <a:t> ।  </a:t>
             </a:r>
             <a:endParaRPr lang="as-IN" sz="2000" dirty="0">
               <a:solidFill>
@@ -4655,10 +6244,220 @@
           </a:p>
         </p:txBody>
       </p:sp>
+      <p:sp>
+        <p:nvSpPr>
+          <p:cNvPr id="13" name="Rectangle 12">
+            <a:extLst>
+              <a:ext uri="{FF2B5EF4-FFF2-40B4-BE49-F238E27FC236}">
+                <a16:creationId xmlns:a16="http://schemas.microsoft.com/office/drawing/2014/main" id="{A8865872-8DDC-49FD-A36F-F76D9A40537A}"/>
+              </a:ext>
+            </a:extLst>
+          </p:cNvPr>
+          <p:cNvSpPr/>
+          <p:nvPr/>
+        </p:nvSpPr>
+        <p:spPr>
+          <a:xfrm>
+            <a:off x="2946864" y="5984065"/>
+            <a:ext cx="5254161" cy="527223"/>
+          </a:xfrm>
+          <a:prstGeom prst="rect">
+            <a:avLst/>
+          </a:prstGeom>
+          <a:solidFill>
+            <a:srgbClr val="FFC000"/>
+          </a:solidFill>
+        </p:spPr>
+        <p:style>
+          <a:lnRef idx="2">
+            <a:schemeClr val="accent1">
+              <a:shade val="50000"/>
+            </a:schemeClr>
+          </a:lnRef>
+          <a:fillRef idx="1">
+            <a:schemeClr val="accent1"/>
+          </a:fillRef>
+          <a:effectRef idx="0">
+            <a:schemeClr val="accent1"/>
+          </a:effectRef>
+          <a:fontRef idx="minor">
+            <a:schemeClr val="lt1"/>
+          </a:fontRef>
+        </p:style>
+        <p:txBody>
+          <a:bodyPr rtlCol="0" anchor="ctr"/>
+          <a:lstStyle/>
+          <a:p>
+            <a:r>
+              <a:rPr lang="en-US" sz="2400" b="1" dirty="0">
+                <a:ln w="3175">
+                  <a:noFill/>
+                </a:ln>
+                <a:solidFill>
+                  <a:srgbClr val="1A1B24"/>
+                </a:solidFill>
+                <a:latin typeface="Times New Roman" panose="02020603050405020304" pitchFamily="18" charset="0"/>
+                <a:cs typeface="Times New Roman" panose="02020603050405020304" pitchFamily="18" charset="0"/>
+              </a:rPr>
+              <a:t>ES6 </a:t>
+            </a:r>
+            <a:r>
+              <a:rPr lang="en-US" sz="2400" b="1" dirty="0" err="1">
+                <a:ln w="3175">
+                  <a:noFill/>
+                </a:ln>
+                <a:solidFill>
+                  <a:srgbClr val="1A1B24"/>
+                </a:solidFill>
+                <a:latin typeface="SolaimanLipi" panose="02000500020000020004" pitchFamily="2" charset="0"/>
+                <a:cs typeface="SolaimanLipi" panose="02000500020000020004" pitchFamily="2" charset="0"/>
+              </a:rPr>
+              <a:t>হচ্ছে</a:t>
+            </a:r>
+            <a:r>
+              <a:rPr lang="en-US" sz="2400" b="1" dirty="0">
+                <a:ln w="3175">
+                  <a:noFill/>
+                </a:ln>
+                <a:solidFill>
+                  <a:srgbClr val="1A1B24"/>
+                </a:solidFill>
+                <a:latin typeface="SolaimanLipi" panose="02000500020000020004" pitchFamily="2" charset="0"/>
+                <a:cs typeface="SolaimanLipi" panose="02000500020000020004" pitchFamily="2" charset="0"/>
+              </a:rPr>
+              <a:t> </a:t>
+            </a:r>
+            <a:r>
+              <a:rPr lang="en-US" sz="2400" b="1" dirty="0" err="1">
+                <a:ln w="3175">
+                  <a:noFill/>
+                </a:ln>
+                <a:solidFill>
+                  <a:srgbClr val="1A1B24"/>
+                </a:solidFill>
+                <a:latin typeface="SolaimanLipi" panose="02000500020000020004" pitchFamily="2" charset="0"/>
+                <a:cs typeface="SolaimanLipi" panose="02000500020000020004" pitchFamily="2" charset="0"/>
+              </a:rPr>
+              <a:t>জাভাস্ক্রিপ্ট</a:t>
+            </a:r>
+            <a:r>
+              <a:rPr lang="en-US" sz="2400" b="1" dirty="0">
+                <a:ln w="3175">
+                  <a:noFill/>
+                </a:ln>
+                <a:solidFill>
+                  <a:srgbClr val="1A1B24"/>
+                </a:solidFill>
+                <a:latin typeface="SolaimanLipi" panose="02000500020000020004" pitchFamily="2" charset="0"/>
+                <a:cs typeface="SolaimanLipi" panose="02000500020000020004" pitchFamily="2" charset="0"/>
+              </a:rPr>
+              <a:t> </a:t>
+            </a:r>
+            <a:r>
+              <a:rPr lang="en-US" sz="2400" b="1" dirty="0" err="1">
+                <a:ln w="3175">
+                  <a:noFill/>
+                </a:ln>
+                <a:solidFill>
+                  <a:srgbClr val="1A1B24"/>
+                </a:solidFill>
+                <a:latin typeface="SolaimanLipi" panose="02000500020000020004" pitchFamily="2" charset="0"/>
+                <a:cs typeface="SolaimanLipi" panose="02000500020000020004" pitchFamily="2" charset="0"/>
+              </a:rPr>
+              <a:t>এর</a:t>
+            </a:r>
+            <a:r>
+              <a:rPr lang="en-US" sz="2400" b="1" dirty="0">
+                <a:ln w="3175">
+                  <a:noFill/>
+                </a:ln>
+                <a:solidFill>
+                  <a:srgbClr val="1A1B24"/>
+                </a:solidFill>
+                <a:latin typeface="SolaimanLipi" panose="02000500020000020004" pitchFamily="2" charset="0"/>
+                <a:cs typeface="SolaimanLipi" panose="02000500020000020004" pitchFamily="2" charset="0"/>
+              </a:rPr>
+              <a:t> </a:t>
+            </a:r>
+            <a:r>
+              <a:rPr lang="en-US" sz="2400" b="1" dirty="0">
+                <a:ln w="3175">
+                  <a:noFill/>
+                </a:ln>
+                <a:solidFill>
+                  <a:srgbClr val="1A1B24"/>
+                </a:solidFill>
+                <a:latin typeface="Times New Roman" panose="02020603050405020304" pitchFamily="18" charset="0"/>
+                <a:cs typeface="Times New Roman" panose="02020603050405020304" pitchFamily="18" charset="0"/>
+              </a:rPr>
+              <a:t>version</a:t>
+            </a:r>
+            <a:r>
+              <a:rPr lang="en-US" sz="2400" b="1" dirty="0">
+                <a:ln w="3175">
+                  <a:noFill/>
+                </a:ln>
+                <a:solidFill>
+                  <a:srgbClr val="1A1B24"/>
+                </a:solidFill>
+                <a:latin typeface="SolaimanLipi" panose="02000500020000020004" pitchFamily="2" charset="0"/>
+                <a:cs typeface="SolaimanLipi" panose="02000500020000020004" pitchFamily="2" charset="0"/>
+              </a:rPr>
+              <a:t> </a:t>
+            </a:r>
+            <a:r>
+              <a:rPr lang="en-US" sz="2400" b="1" dirty="0" err="1">
+                <a:ln w="3175">
+                  <a:noFill/>
+                </a:ln>
+                <a:solidFill>
+                  <a:srgbClr val="1A1B24"/>
+                </a:solidFill>
+                <a:latin typeface="SolaimanLipi" panose="02000500020000020004" pitchFamily="2" charset="0"/>
+                <a:cs typeface="SolaimanLipi" panose="02000500020000020004" pitchFamily="2" charset="0"/>
+              </a:rPr>
+              <a:t>এর</a:t>
+            </a:r>
+            <a:r>
+              <a:rPr lang="en-US" sz="2400" b="1" dirty="0">
+                <a:ln w="3175">
+                  <a:noFill/>
+                </a:ln>
+                <a:solidFill>
+                  <a:srgbClr val="1A1B24"/>
+                </a:solidFill>
+                <a:latin typeface="SolaimanLipi" panose="02000500020000020004" pitchFamily="2" charset="0"/>
+                <a:cs typeface="SolaimanLipi" panose="02000500020000020004" pitchFamily="2" charset="0"/>
+              </a:rPr>
+              <a:t> </a:t>
+            </a:r>
+            <a:r>
+              <a:rPr lang="en-US" sz="2400" b="1" dirty="0" err="1">
+                <a:ln w="3175">
+                  <a:noFill/>
+                </a:ln>
+                <a:solidFill>
+                  <a:srgbClr val="1A1B24"/>
+                </a:solidFill>
+                <a:latin typeface="SolaimanLipi" panose="02000500020000020004" pitchFamily="2" charset="0"/>
+                <a:cs typeface="SolaimanLipi" panose="02000500020000020004" pitchFamily="2" charset="0"/>
+              </a:rPr>
+              <a:t>নাম</a:t>
+            </a:r>
+            <a:endParaRPr lang="en-US" sz="2400" b="1" dirty="0">
+              <a:solidFill>
+                <a:srgbClr val="1A1B24"/>
+              </a:solidFill>
+              <a:latin typeface="SolaimanLipi" panose="02000500020000020004" pitchFamily="2" charset="0"/>
+              <a:cs typeface="SolaimanLipi" panose="02000500020000020004" pitchFamily="2" charset="0"/>
+            </a:endParaRPr>
+          </a:p>
+        </p:txBody>
+      </p:sp>
     </p:spTree>
     <p:extLst>
       <p:ext uri="{BB962C8B-B14F-4D97-AF65-F5344CB8AC3E}">
-        <p14:creationId xmlns:p14="http://schemas.microsoft.com/office/powerpoint/2010/main" val="1534539316"/>
+        <p14:creationId xmlns:p14="http://schemas.microsoft.com/office/powerpoint/2010/main" val="3293736694"/>
       </p:ext>
     </p:extLst>
   </p:cSld>
@@ -4698,7 +6497,7 @@
                                       <p:cBhvr override="childStyle">
                                         <p:cTn id="6" dur="500" fill="hold"/>
                                         <p:tgtEl>
-                                          <p:spTgt spid="7"/>
+                                          <p:spTgt spid="14"/>
                                         </p:tgtEl>
                                         <p:attrNameLst>
                                           <p:attrName>style.color</p:attrName>
@@ -4714,7 +6513,7 @@
                                       <p:cBhvr>
                                         <p:cTn id="7" dur="500" fill="hold"/>
                                         <p:tgtEl>
-                                          <p:spTgt spid="7"/>
+                                          <p:spTgt spid="14"/>
                                         </p:tgtEl>
                                         <p:attrNameLst>
                                           <p:attrName>fillcolor</p:attrName>
@@ -4730,7 +6529,7 @@
                                       <p:cBhvr>
                                         <p:cTn id="8" dur="500" fill="hold"/>
                                         <p:tgtEl>
-                                          <p:spTgt spid="7"/>
+                                          <p:spTgt spid="14"/>
                                         </p:tgtEl>
                                         <p:attrNameLst>
                                           <p:attrName>fill.type</p:attrName>
@@ -4775,7 +6574,7 @@
                                           </p:stCondLst>
                                         </p:cTn>
                                         <p:tgtEl>
-                                          <p:spTgt spid="7">
+                                          <p:spTgt spid="14">
                                             <p:txEl>
                                               <p:pRg st="0" end="0"/>
                                             </p:txEl>
@@ -4793,7 +6592,7 @@
                                       <p:cBhvr>
                                         <p:cTn id="13" dur="500"/>
                                         <p:tgtEl>
-                                          <p:spTgt spid="7">
+                                          <p:spTgt spid="14">
                                             <p:txEl>
                                               <p:pRg st="0" end="0"/>
                                             </p:txEl>
@@ -4823,151 +6622,14 @@
                             </p:stCondLst>
                             <p:childTnLst>
                               <p:par>
-                                <p:cTn id="16" presetID="16" presetClass="emph" presetSubtype="0" fill="hold" grpId="0" nodeType="clickEffect">
-                                  <p:stCondLst>
-                                    <p:cond delay="0"/>
-                                  </p:stCondLst>
-                                  <p:iterate type="lt">
-                                    <p:tmPct val="4000"/>
-                                  </p:iterate>
-                                  <p:childTnLst>
-                                    <p:set>
-                                      <p:cBhvr override="childStyle">
-                                        <p:cTn id="17" dur="500" fill="hold"/>
-                                        <p:tgtEl>
-                                          <p:spTgt spid="14"/>
-                                        </p:tgtEl>
-                                        <p:attrNameLst>
-                                          <p:attrName>style.color</p:attrName>
-                                        </p:attrNameLst>
-                                      </p:cBhvr>
-                                      <p:to>
-                                        <p:clrVal>
-                                          <a:srgbClr val="FFB119"/>
-                                        </p:clrVal>
-                                      </p:to>
-                                    </p:set>
-                                    <p:set>
-                                      <p:cBhvr>
-                                        <p:cTn id="18" dur="500" fill="hold"/>
-                                        <p:tgtEl>
-                                          <p:spTgt spid="14"/>
-                                        </p:tgtEl>
-                                        <p:attrNameLst>
-                                          <p:attrName>fillcolor</p:attrName>
-                                        </p:attrNameLst>
-                                      </p:cBhvr>
-                                      <p:to>
-                                        <p:clrVal>
-                                          <a:srgbClr val="FFB119"/>
-                                        </p:clrVal>
-                                      </p:to>
-                                    </p:set>
-                                    <p:set>
-                                      <p:cBhvr>
-                                        <p:cTn id="19" dur="500" fill="hold"/>
-                                        <p:tgtEl>
-                                          <p:spTgt spid="14"/>
-                                        </p:tgtEl>
-                                        <p:attrNameLst>
-                                          <p:attrName>fill.type</p:attrName>
-                                        </p:attrNameLst>
-                                      </p:cBhvr>
-                                      <p:to>
-                                        <p:strVal val="solid"/>
-                                      </p:to>
-                                    </p:set>
-                                  </p:childTnLst>
-                                </p:cTn>
-                              </p:par>
-                            </p:childTnLst>
-                          </p:cTn>
-                        </p:par>
-                      </p:childTnLst>
-                    </p:cTn>
-                  </p:par>
-                  <p:par>
-                    <p:cTn id="20" fill="hold">
-                      <p:stCondLst>
-                        <p:cond delay="indefinite"/>
-                      </p:stCondLst>
-                      <p:childTnLst>
-                        <p:par>
-                          <p:cTn id="21" fill="hold">
-                            <p:stCondLst>
-                              <p:cond delay="0"/>
-                            </p:stCondLst>
-                            <p:childTnLst>
-                              <p:par>
-                                <p:cTn id="22" presetID="10" presetClass="entr" presetSubtype="0" fill="hold" nodeType="clickEffect">
+                                <p:cTn id="16" presetID="10" presetClass="entr" presetSubtype="0" fill="hold" nodeType="clickEffect">
                                   <p:stCondLst>
                                     <p:cond delay="0"/>
                                   </p:stCondLst>
                                   <p:childTnLst>
                                     <p:set>
                                       <p:cBhvr>
-                                        <p:cTn id="23" dur="1" fill="hold">
-                                          <p:stCondLst>
-                                            <p:cond delay="0"/>
-                                          </p:stCondLst>
-                                        </p:cTn>
-                                        <p:tgtEl>
-                                          <p:spTgt spid="14">
-                                            <p:txEl>
-                                              <p:pRg st="0" end="0"/>
-                                            </p:txEl>
-                                          </p:spTgt>
-                                        </p:tgtEl>
-                                        <p:attrNameLst>
-                                          <p:attrName>style.visibility</p:attrName>
-                                        </p:attrNameLst>
-                                      </p:cBhvr>
-                                      <p:to>
-                                        <p:strVal val="visible"/>
-                                      </p:to>
-                                    </p:set>
-                                    <p:animEffect transition="in" filter="fade">
-                                      <p:cBhvr>
-                                        <p:cTn id="24" dur="500"/>
-                                        <p:tgtEl>
-                                          <p:spTgt spid="14">
-                                            <p:txEl>
-                                              <p:pRg st="0" end="0"/>
-                                            </p:txEl>
-                                          </p:spTgt>
-                                        </p:tgtEl>
-                                      </p:cBhvr>
-                                    </p:animEffect>
-                                  </p:childTnLst>
-                                </p:cTn>
-                              </p:par>
-                            </p:childTnLst>
-                          </p:cTn>
-                        </p:par>
-                      </p:childTnLst>
-                    </p:cTn>
-                  </p:par>
-                  <p:par>
-                    <p:cTn id="25" fill="hold">
-                      <p:stCondLst>
-                        <p:cond delay="indefinite"/>
-                      </p:stCondLst>
-                      <p:childTnLst>
-                        <p:par>
-                          <p:cTn id="26" fill="hold">
-                            <p:stCondLst>
-                              <p:cond delay="0"/>
-                            </p:stCondLst>
-                            <p:childTnLst>
-                              <p:par>
-                                <p:cTn id="27" presetID="10" presetClass="entr" presetSubtype="0" fill="hold" nodeType="clickEffect">
-                                  <p:stCondLst>
-                                    <p:cond delay="0"/>
-                                  </p:stCondLst>
-                                  <p:childTnLst>
-                                    <p:set>
-                                      <p:cBhvr>
-                                        <p:cTn id="28" dur="1" fill="hold">
+                                        <p:cTn id="17" dur="1" fill="hold">
                                           <p:stCondLst>
                                             <p:cond delay="0"/>
                                           </p:stCondLst>
@@ -4989,13 +6651,127 @@
                                     </p:set>
                                     <p:animEffect transition="in" filter="fade">
                                       <p:cBhvr>
-                                        <p:cTn id="29" dur="500"/>
+                                        <p:cTn id="18" dur="500"/>
                                         <p:tgtEl>
                                           <p:spTgt spid="14">
                                             <p:txEl>
                                               <p:pRg st="1" end="1"/>
                                             </p:txEl>
                                           </p:spTgt>
+                                        </p:tgtEl>
+                                      </p:cBhvr>
+                                    </p:animEffect>
+                                  </p:childTnLst>
+                                </p:cTn>
+                              </p:par>
+                            </p:childTnLst>
+                          </p:cTn>
+                        </p:par>
+                      </p:childTnLst>
+                    </p:cTn>
+                  </p:par>
+                  <p:par>
+                    <p:cTn id="19" fill="hold">
+                      <p:stCondLst>
+                        <p:cond delay="indefinite"/>
+                      </p:stCondLst>
+                      <p:childTnLst>
+                        <p:par>
+                          <p:cTn id="20" fill="hold">
+                            <p:stCondLst>
+                              <p:cond delay="0"/>
+                            </p:stCondLst>
+                            <p:childTnLst>
+                              <p:par>
+                                <p:cTn id="21" presetID="10" presetClass="entr" presetSubtype="0" fill="hold" nodeType="clickEffect">
+                                  <p:stCondLst>
+                                    <p:cond delay="0"/>
+                                  </p:stCondLst>
+                                  <p:childTnLst>
+                                    <p:set>
+                                      <p:cBhvr>
+                                        <p:cTn id="22" dur="1" fill="hold">
+                                          <p:stCondLst>
+                                            <p:cond delay="0"/>
+                                          </p:stCondLst>
+                                        </p:cTn>
+                                        <p:tgtEl>
+                                          <p:spTgt spid="14">
+                                            <p:txEl>
+                                              <p:pRg st="2" end="2"/>
+                                            </p:txEl>
+                                          </p:spTgt>
+                                        </p:tgtEl>
+                                        <p:attrNameLst>
+                                          <p:attrName>style.visibility</p:attrName>
+                                        </p:attrNameLst>
+                                      </p:cBhvr>
+                                      <p:to>
+                                        <p:strVal val="visible"/>
+                                      </p:to>
+                                    </p:set>
+                                    <p:animEffect transition="in" filter="fade">
+                                      <p:cBhvr>
+                                        <p:cTn id="23" dur="500"/>
+                                        <p:tgtEl>
+                                          <p:spTgt spid="14">
+                                            <p:txEl>
+                                              <p:pRg st="2" end="2"/>
+                                            </p:txEl>
+                                          </p:spTgt>
+                                        </p:tgtEl>
+                                      </p:cBhvr>
+                                    </p:animEffect>
+                                  </p:childTnLst>
+                                </p:cTn>
+                              </p:par>
+                            </p:childTnLst>
+                          </p:cTn>
+                        </p:par>
+                      </p:childTnLst>
+                    </p:cTn>
+                  </p:par>
+                  <p:par>
+                    <p:cTn id="24" fill="hold">
+                      <p:stCondLst>
+                        <p:cond delay="indefinite"/>
+                      </p:stCondLst>
+                      <p:childTnLst>
+                        <p:par>
+                          <p:cTn id="25" fill="hold">
+                            <p:stCondLst>
+                              <p:cond delay="0"/>
+                            </p:stCondLst>
+                            <p:childTnLst>
+                              <p:par>
+                                <p:cTn id="26" presetID="10" presetClass="entr" presetSubtype="0" fill="hold" grpId="0" nodeType="clickEffect">
+                                  <p:stCondLst>
+                                    <p:cond delay="0"/>
+                                  </p:stCondLst>
+                                  <p:childTnLst>
+                                    <p:set>
+                                      <p:cBhvr>
+                                        <p:cTn id="27" dur="1" fill="hold">
+                                          <p:stCondLst>
+                                            <p:cond delay="0"/>
+                                          </p:stCondLst>
+                                        </p:cTn>
+                                        <p:tgtEl>
+                                          <p:spTgt spid="13"/>
+                                        </p:tgtEl>
+                                        <p:attrNameLst>
+                                          <p:attrName>style.visibility</p:attrName>
+                                        </p:attrNameLst>
+                                      </p:cBhvr>
+                                      <p:to>
+                                        <p:strVal val="visible"/>
+                                      </p:to>
+                                    </p:set>
+                                    <p:animEffect transition="in" filter="fade">
+                                      <p:cBhvr>
+                                        <p:cTn id="28" dur="500"/>
+                                        <p:tgtEl>
+                                          <p:spTgt spid="13"/>
                                         </p:tgtEl>
                                       </p:cBhvr>
                                     </p:animEffect>
@@ -5030,8 +6806,8 @@
       </p:par>
     </p:tnLst>
     <p:bldLst>
-      <p:bldP spid="7" grpId="0"/>
       <p:bldP spid="14" grpId="0"/>
+      <p:bldP spid="13" grpId="0" animBg="1"/>
     </p:bldLst>
   </p:timing>
 </p:sld>
@@ -5493,7 +7269,17 @@
                 <a:latin typeface="SolaimanLipi" panose="02000500020000020004" pitchFamily="2" charset="0"/>
                 <a:cs typeface="SolaimanLipi" panose="02000500020000020004" pitchFamily="2" charset="0"/>
               </a:rPr>
-              <a:t>হলো কোডের এমন একটা অংশ, যা কোনো নির্দিষ্ট কাজ সম্পাদন করার জন্য ডিজাইন করা হয়। </a:t>
+              <a:t>হলো কোডের এমন একটা অংশ, যা কোনো নির্দিষ্ট কাজ সম্পাদন করার জন্য </a:t>
+            </a:r>
+            <a:r>
+              <a:rPr lang="en-US" sz="2000" dirty="0" err="1">
+                <a:solidFill>
+                  <a:schemeClr val="bg1"/>
+                </a:solidFill>
+                <a:latin typeface="SolaimanLipi" panose="02000500020000020004" pitchFamily="2" charset="0"/>
+                <a:cs typeface="SolaimanLipi" panose="02000500020000020004" pitchFamily="2" charset="0"/>
+              </a:rPr>
+              <a:t>ব্যবহার</a:t>
             </a:r>
             <a:r>
               <a:rPr lang="en-US" sz="2000" dirty="0">
@@ -5513,6 +7299,26 @@
                 <a:latin typeface="SolaimanLipi" panose="02000500020000020004" pitchFamily="2" charset="0"/>
                 <a:cs typeface="SolaimanLipi" panose="02000500020000020004" pitchFamily="2" charset="0"/>
               </a:rPr>
+              <a:t>করা হয়। </a:t>
+            </a:r>
+            <a:r>
+              <a:rPr lang="en-US" sz="2000" dirty="0">
+                <a:solidFill>
+                  <a:schemeClr val="bg1"/>
+                </a:solidFill>
+                <a:latin typeface="SolaimanLipi" panose="02000500020000020004" pitchFamily="2" charset="0"/>
+                <a:cs typeface="SolaimanLipi" panose="02000500020000020004" pitchFamily="2" charset="0"/>
+              </a:rPr>
+              <a:t> </a:t>
+            </a:r>
+            <a:r>
+              <a:rPr lang="as-IN" sz="2000" dirty="0">
+                <a:solidFill>
+                  <a:schemeClr val="bg1"/>
+                </a:solidFill>
+                <a:latin typeface="SolaimanLipi" panose="02000500020000020004" pitchFamily="2" charset="0"/>
+                <a:cs typeface="SolaimanLipi" panose="02000500020000020004" pitchFamily="2" charset="0"/>
+              </a:rPr>
               <a:t>একে সহজ ভাবে বলতে পারেন, </a:t>
             </a:r>
             <a:r>
@@ -5533,7 +7339,1838 @@
                 <a:latin typeface="SolaimanLipi" panose="02000500020000020004" pitchFamily="2" charset="0"/>
                 <a:cs typeface="SolaimanLipi" panose="02000500020000020004" pitchFamily="2" charset="0"/>
               </a:rPr>
-              <a:t>নির্দিষ্ট নির্দেশাবলীর একটা সেট, যা একটা কাজ করার জন্য বারবার ডাকা যেতে পারে।</a:t>
+              <a:t>নির্দিষ্ট </a:t>
+            </a:r>
+            <a:r>
+              <a:rPr lang="en-US" sz="2000" dirty="0" err="1">
+                <a:solidFill>
+                  <a:schemeClr val="bg1"/>
+                </a:solidFill>
+                <a:latin typeface="SolaimanLipi" panose="02000500020000020004" pitchFamily="2" charset="0"/>
+                <a:cs typeface="SolaimanLipi" panose="02000500020000020004" pitchFamily="2" charset="0"/>
+              </a:rPr>
+              <a:t>কয়েকটা</a:t>
+            </a:r>
+            <a:r>
+              <a:rPr lang="en-US" sz="2000" dirty="0">
+                <a:solidFill>
+                  <a:schemeClr val="bg1"/>
+                </a:solidFill>
+                <a:latin typeface="SolaimanLipi" panose="02000500020000020004" pitchFamily="2" charset="0"/>
+                <a:cs typeface="SolaimanLipi" panose="02000500020000020004" pitchFamily="2" charset="0"/>
+              </a:rPr>
+              <a:t> </a:t>
+            </a:r>
+            <a:r>
+              <a:rPr lang="en-US" sz="2000" dirty="0">
+                <a:solidFill>
+                  <a:schemeClr val="bg1"/>
+                </a:solidFill>
+                <a:latin typeface="Times New Roman" panose="02020603050405020304" pitchFamily="18" charset="0"/>
+                <a:cs typeface="Times New Roman" panose="02020603050405020304" pitchFamily="18" charset="0"/>
+              </a:rPr>
+              <a:t>Statement </a:t>
+            </a:r>
+            <a:r>
+              <a:rPr lang="as-IN" sz="2000" dirty="0">
+                <a:solidFill>
+                  <a:schemeClr val="bg1"/>
+                </a:solidFill>
+                <a:latin typeface="SolaimanLipi" panose="02000500020000020004" pitchFamily="2" charset="0"/>
+                <a:cs typeface="SolaimanLipi" panose="02000500020000020004" pitchFamily="2" charset="0"/>
+              </a:rPr>
+              <a:t>এ</a:t>
+            </a:r>
+            <a:r>
+              <a:rPr lang="en-US" sz="2000" dirty="0">
+                <a:solidFill>
+                  <a:schemeClr val="bg1"/>
+                </a:solidFill>
+                <a:latin typeface="SolaimanLipi" panose="02000500020000020004" pitchFamily="2" charset="0"/>
+                <a:cs typeface="SolaimanLipi" panose="02000500020000020004" pitchFamily="2" charset="0"/>
+              </a:rPr>
+              <a:t>র </a:t>
+            </a:r>
+            <a:r>
+              <a:rPr lang="en-US" sz="2000" dirty="0" err="1">
+                <a:solidFill>
+                  <a:schemeClr val="bg1"/>
+                </a:solidFill>
+                <a:latin typeface="SolaimanLipi" panose="02000500020000020004" pitchFamily="2" charset="0"/>
+                <a:cs typeface="SolaimanLipi" panose="02000500020000020004" pitchFamily="2" charset="0"/>
+              </a:rPr>
+              <a:t>একটি</a:t>
+            </a:r>
+            <a:r>
+              <a:rPr lang="as-IN" sz="2000" dirty="0">
+                <a:solidFill>
+                  <a:schemeClr val="bg1"/>
+                </a:solidFill>
+                <a:latin typeface="SolaimanLipi" panose="02000500020000020004" pitchFamily="2" charset="0"/>
+                <a:cs typeface="SolaimanLipi" panose="02000500020000020004" pitchFamily="2" charset="0"/>
+              </a:rPr>
+              <a:t> সেট, যা </a:t>
+            </a:r>
+            <a:r>
+              <a:rPr lang="en-US" sz="2000" dirty="0" err="1">
+                <a:solidFill>
+                  <a:schemeClr val="bg1"/>
+                </a:solidFill>
+                <a:latin typeface="SolaimanLipi" panose="02000500020000020004" pitchFamily="2" charset="0"/>
+                <a:cs typeface="SolaimanLipi" panose="02000500020000020004" pitchFamily="2" charset="0"/>
+              </a:rPr>
+              <a:t>একটি</a:t>
+            </a:r>
+            <a:r>
+              <a:rPr lang="en-US" sz="2000" dirty="0">
+                <a:solidFill>
+                  <a:schemeClr val="bg1"/>
+                </a:solidFill>
+                <a:latin typeface="SolaimanLipi" panose="02000500020000020004" pitchFamily="2" charset="0"/>
+                <a:cs typeface="SolaimanLipi" panose="02000500020000020004" pitchFamily="2" charset="0"/>
+              </a:rPr>
+              <a:t> </a:t>
+            </a:r>
+            <a:r>
+              <a:rPr lang="en-US" sz="2000" dirty="0" err="1">
+                <a:solidFill>
+                  <a:schemeClr val="bg1"/>
+                </a:solidFill>
+                <a:latin typeface="SolaimanLipi" panose="02000500020000020004" pitchFamily="2" charset="0"/>
+                <a:cs typeface="SolaimanLipi" panose="02000500020000020004" pitchFamily="2" charset="0"/>
+              </a:rPr>
+              <a:t>নির্দিষ্ট</a:t>
+            </a:r>
+            <a:r>
+              <a:rPr lang="as-IN" sz="2000" dirty="0">
+                <a:solidFill>
+                  <a:schemeClr val="bg1"/>
+                </a:solidFill>
+                <a:latin typeface="SolaimanLipi" panose="02000500020000020004" pitchFamily="2" charset="0"/>
+                <a:cs typeface="SolaimanLipi" panose="02000500020000020004" pitchFamily="2" charset="0"/>
+              </a:rPr>
+              <a:t> কাজ করার জন্য বারবার </a:t>
+            </a:r>
+            <a:r>
+              <a:rPr lang="en-US" sz="2000" dirty="0">
+                <a:solidFill>
+                  <a:schemeClr val="bg1"/>
+                </a:solidFill>
+                <a:latin typeface="Times New Roman" panose="02020603050405020304" pitchFamily="18" charset="0"/>
+                <a:cs typeface="Times New Roman" panose="02020603050405020304" pitchFamily="18" charset="0"/>
+              </a:rPr>
+              <a:t>call</a:t>
+            </a:r>
+            <a:r>
+              <a:rPr lang="en-US" sz="2000" dirty="0">
+                <a:solidFill>
+                  <a:schemeClr val="bg1"/>
+                </a:solidFill>
+                <a:latin typeface="SolaimanLipi" panose="02000500020000020004" pitchFamily="2" charset="0"/>
+                <a:cs typeface="SolaimanLipi" panose="02000500020000020004" pitchFamily="2" charset="0"/>
+              </a:rPr>
+              <a:t> </a:t>
+            </a:r>
+            <a:r>
+              <a:rPr lang="en-US" sz="2000" dirty="0" err="1">
+                <a:solidFill>
+                  <a:schemeClr val="bg1"/>
+                </a:solidFill>
+                <a:latin typeface="SolaimanLipi" panose="02000500020000020004" pitchFamily="2" charset="0"/>
+                <a:cs typeface="SolaimanLipi" panose="02000500020000020004" pitchFamily="2" charset="0"/>
+              </a:rPr>
+              <a:t>করা</a:t>
+            </a:r>
+            <a:r>
+              <a:rPr lang="en-US" sz="2000" dirty="0">
+                <a:solidFill>
+                  <a:schemeClr val="bg1"/>
+                </a:solidFill>
+                <a:latin typeface="SolaimanLipi" panose="02000500020000020004" pitchFamily="2" charset="0"/>
+                <a:cs typeface="SolaimanLipi" panose="02000500020000020004" pitchFamily="2" charset="0"/>
+              </a:rPr>
+              <a:t> </a:t>
+            </a:r>
+            <a:r>
+              <a:rPr lang="en-US" sz="2000" dirty="0" err="1">
+                <a:solidFill>
+                  <a:schemeClr val="bg1"/>
+                </a:solidFill>
+                <a:latin typeface="SolaimanLipi" panose="02000500020000020004" pitchFamily="2" charset="0"/>
+                <a:cs typeface="SolaimanLipi" panose="02000500020000020004" pitchFamily="2" charset="0"/>
+              </a:rPr>
+              <a:t>হয়</a:t>
+            </a:r>
+            <a:r>
+              <a:rPr lang="as-IN" sz="2000" dirty="0">
+                <a:solidFill>
+                  <a:schemeClr val="bg1"/>
+                </a:solidFill>
+                <a:latin typeface="SolaimanLipi" panose="02000500020000020004" pitchFamily="2" charset="0"/>
+                <a:cs typeface="SolaimanLipi" panose="02000500020000020004" pitchFamily="2" charset="0"/>
+              </a:rPr>
+              <a:t>।</a:t>
+            </a:r>
+          </a:p>
+        </p:txBody>
+      </p:sp>
+      <p:sp>
+        <p:nvSpPr>
+          <p:cNvPr id="10" name="TextBox 9">
+            <a:extLst>
+              <a:ext uri="{FF2B5EF4-FFF2-40B4-BE49-F238E27FC236}">
+                <a16:creationId xmlns:a16="http://schemas.microsoft.com/office/drawing/2014/main" id="{D68CE54F-98AF-4FC1-9C60-259CBC7C0554}"/>
+              </a:ext>
+            </a:extLst>
+          </p:cNvPr>
+          <p:cNvSpPr txBox="1"/>
+          <p:nvPr/>
+        </p:nvSpPr>
+        <p:spPr>
+          <a:xfrm>
+            <a:off x="2946864" y="190038"/>
+            <a:ext cx="8470000" cy="1107996"/>
+          </a:xfrm>
+          <a:prstGeom prst="rect">
+            <a:avLst/>
+          </a:prstGeom>
+          <a:noFill/>
+        </p:spPr>
+        <p:txBody>
+          <a:bodyPr wrap="square" rtlCol="0">
+            <a:spAutoFit/>
+          </a:bodyPr>
+          <a:lstStyle/>
+          <a:p>
+            <a:r>
+              <a:rPr lang="en-US" sz="6600" b="1" dirty="0">
+                <a:solidFill>
+                  <a:srgbClr val="FFB119"/>
+                </a:solidFill>
+                <a:latin typeface="Times New Roman" panose="02020603050405020304" pitchFamily="18" charset="0"/>
+                <a:cs typeface="Times New Roman" panose="02020603050405020304" pitchFamily="18" charset="0"/>
+              </a:rPr>
+              <a:t>Function</a:t>
+            </a:r>
+          </a:p>
+        </p:txBody>
+      </p:sp>
+      <p:sp>
+        <p:nvSpPr>
+          <p:cNvPr id="11" name="TextBox 10">
+            <a:extLst>
+              <a:ext uri="{FF2B5EF4-FFF2-40B4-BE49-F238E27FC236}">
+                <a16:creationId xmlns:a16="http://schemas.microsoft.com/office/drawing/2014/main" id="{09F3B441-E3E8-4434-BFDC-9B76C803DCBA}"/>
+              </a:ext>
+            </a:extLst>
+          </p:cNvPr>
+          <p:cNvSpPr txBox="1"/>
+          <p:nvPr/>
+        </p:nvSpPr>
+        <p:spPr>
+          <a:xfrm>
+            <a:off x="98349" y="6326622"/>
+            <a:ext cx="2508572" cy="369332"/>
+          </a:xfrm>
+          <a:prstGeom prst="rect">
+            <a:avLst/>
+          </a:prstGeom>
+          <a:solidFill>
+            <a:srgbClr val="1A1B24"/>
+          </a:solidFill>
+          <a:ln/>
+        </p:spPr>
+        <p:style>
+          <a:lnRef idx="3">
+            <a:schemeClr val="lt1"/>
+          </a:lnRef>
+          <a:fillRef idx="1">
+            <a:schemeClr val="dk1"/>
+          </a:fillRef>
+          <a:effectRef idx="1">
+            <a:schemeClr val="dk1"/>
+          </a:effectRef>
+          <a:fontRef idx="minor">
+            <a:schemeClr val="lt1"/>
+          </a:fontRef>
+        </p:style>
+        <p:txBody>
+          <a:bodyPr wrap="none" rtlCol="0">
+            <a:spAutoFit/>
+          </a:bodyPr>
+          <a:lstStyle/>
+          <a:p>
+            <a:pPr algn="ctr"/>
+            <a:r>
+              <a:rPr lang="en-US" dirty="0"/>
+              <a:t>@Programing with Rakib</a:t>
+            </a:r>
+          </a:p>
+        </p:txBody>
+      </p:sp>
+      <p:sp>
+        <p:nvSpPr>
+          <p:cNvPr id="12" name="Rectangle 11">
+            <a:extLst>
+              <a:ext uri="{FF2B5EF4-FFF2-40B4-BE49-F238E27FC236}">
+                <a16:creationId xmlns:a16="http://schemas.microsoft.com/office/drawing/2014/main" id="{608F550D-666D-4B40-BBAF-EAFD475E3104}"/>
+              </a:ext>
+            </a:extLst>
+          </p:cNvPr>
+          <p:cNvSpPr/>
+          <p:nvPr/>
+        </p:nvSpPr>
+        <p:spPr>
+          <a:xfrm>
+            <a:off x="2946864" y="3165388"/>
+            <a:ext cx="3250246" cy="527223"/>
+          </a:xfrm>
+          <a:prstGeom prst="rect">
+            <a:avLst/>
+          </a:prstGeom>
+          <a:solidFill>
+            <a:srgbClr val="FFC000"/>
+          </a:solidFill>
+        </p:spPr>
+        <p:style>
+          <a:lnRef idx="2">
+            <a:schemeClr val="accent1">
+              <a:shade val="50000"/>
+            </a:schemeClr>
+          </a:lnRef>
+          <a:fillRef idx="1">
+            <a:schemeClr val="accent1"/>
+          </a:fillRef>
+          <a:effectRef idx="0">
+            <a:schemeClr val="accent1"/>
+          </a:effectRef>
+          <a:fontRef idx="minor">
+            <a:schemeClr val="lt1"/>
+          </a:fontRef>
+        </p:style>
+        <p:txBody>
+          <a:bodyPr rtlCol="0" anchor="ctr"/>
+          <a:lstStyle/>
+          <a:p>
+            <a:pPr algn="ctr"/>
+            <a:r>
+              <a:rPr lang="en-US" sz="2400" b="1" dirty="0">
+                <a:ln w="3175">
+                  <a:noFill/>
+                </a:ln>
+                <a:solidFill>
+                  <a:schemeClr val="bg1"/>
+                </a:solidFill>
+                <a:effectLst>
+                  <a:outerShdw blurRad="50800" dist="38100" dir="8100000" algn="tr" rotWithShape="0">
+                    <a:prstClr val="black">
+                      <a:alpha val="40000"/>
+                    </a:prstClr>
+                  </a:outerShdw>
+                </a:effectLst>
+                <a:latin typeface="Times New Roman" panose="02020603050405020304" pitchFamily="18" charset="0"/>
+                <a:cs typeface="Times New Roman" panose="02020603050405020304" pitchFamily="18" charset="0"/>
+              </a:rPr>
+              <a:t>Types Of Function</a:t>
+            </a:r>
+            <a:endParaRPr lang="en-US" sz="2400" b="1" dirty="0"/>
+          </a:p>
+        </p:txBody>
+      </p:sp>
+      <p:sp>
+        <p:nvSpPr>
+          <p:cNvPr id="14" name="TextBox 13">
+            <a:extLst>
+              <a:ext uri="{FF2B5EF4-FFF2-40B4-BE49-F238E27FC236}">
+                <a16:creationId xmlns:a16="http://schemas.microsoft.com/office/drawing/2014/main" id="{E29ACB03-619D-4D61-BDDA-D46252AAE417}"/>
+              </a:ext>
+            </a:extLst>
+          </p:cNvPr>
+          <p:cNvSpPr txBox="1"/>
+          <p:nvPr/>
+        </p:nvSpPr>
+        <p:spPr>
+          <a:xfrm>
+            <a:off x="2873318" y="4010603"/>
+            <a:ext cx="9003543" cy="1431739"/>
+          </a:xfrm>
+          <a:prstGeom prst="rect">
+            <a:avLst/>
+          </a:prstGeom>
+          <a:noFill/>
+        </p:spPr>
+        <p:txBody>
+          <a:bodyPr wrap="square" rtlCol="0">
+            <a:spAutoFit/>
+          </a:bodyPr>
+          <a:lstStyle/>
+          <a:p>
+            <a:pPr marL="457200" indent="-457200">
+              <a:lnSpc>
+                <a:spcPct val="150000"/>
+              </a:lnSpc>
+              <a:buAutoNum type="arabicPeriod"/>
+            </a:pPr>
+            <a:r>
+              <a:rPr lang="en-US" sz="2000" dirty="0">
+                <a:solidFill>
+                  <a:schemeClr val="bg1"/>
+                </a:solidFill>
+                <a:latin typeface="Times New Roman" panose="02020603050405020304" pitchFamily="18" charset="0"/>
+                <a:cs typeface="Times New Roman" panose="02020603050405020304" pitchFamily="18" charset="0"/>
+              </a:rPr>
+              <a:t>Built-In Function: </a:t>
+            </a:r>
+            <a:r>
+              <a:rPr lang="en-US" sz="2000" dirty="0" err="1">
+                <a:solidFill>
+                  <a:schemeClr val="bg1"/>
+                </a:solidFill>
+                <a:latin typeface="SolaimanLipi" panose="02000500020000020004" pitchFamily="2" charset="0"/>
+                <a:cs typeface="SolaimanLipi" panose="02000500020000020004" pitchFamily="2" charset="0"/>
+              </a:rPr>
+              <a:t>যে</a:t>
+            </a:r>
+            <a:r>
+              <a:rPr lang="en-US" sz="2000" dirty="0">
+                <a:solidFill>
+                  <a:schemeClr val="bg1"/>
+                </a:solidFill>
+                <a:latin typeface="SolaimanLipi" panose="02000500020000020004" pitchFamily="2" charset="0"/>
+                <a:cs typeface="SolaimanLipi" panose="02000500020000020004" pitchFamily="2" charset="0"/>
+              </a:rPr>
+              <a:t> </a:t>
+            </a:r>
+            <a:r>
+              <a:rPr lang="en-US" sz="2000" dirty="0" err="1">
+                <a:solidFill>
+                  <a:schemeClr val="bg1"/>
+                </a:solidFill>
+                <a:latin typeface="SolaimanLipi" panose="02000500020000020004" pitchFamily="2" charset="0"/>
+                <a:cs typeface="SolaimanLipi" panose="02000500020000020004" pitchFamily="2" charset="0"/>
+              </a:rPr>
+              <a:t>ফাংশনগুলো</a:t>
+            </a:r>
+            <a:r>
+              <a:rPr lang="en-US" sz="2000" dirty="0">
+                <a:solidFill>
+                  <a:schemeClr val="bg1"/>
+                </a:solidFill>
+                <a:latin typeface="SolaimanLipi" panose="02000500020000020004" pitchFamily="2" charset="0"/>
+                <a:cs typeface="SolaimanLipi" panose="02000500020000020004" pitchFamily="2" charset="0"/>
+              </a:rPr>
+              <a:t> </a:t>
+            </a:r>
+            <a:r>
+              <a:rPr lang="en-US" sz="2000" dirty="0" err="1">
+                <a:solidFill>
+                  <a:schemeClr val="bg1"/>
+                </a:solidFill>
+                <a:latin typeface="SolaimanLipi" panose="02000500020000020004" pitchFamily="2" charset="0"/>
+                <a:cs typeface="SolaimanLipi" panose="02000500020000020004" pitchFamily="2" charset="0"/>
+              </a:rPr>
+              <a:t>জাভাস্কিপ্ট</a:t>
+            </a:r>
+            <a:r>
+              <a:rPr lang="en-US" sz="2000" dirty="0">
+                <a:solidFill>
+                  <a:schemeClr val="bg1"/>
+                </a:solidFill>
+                <a:latin typeface="SolaimanLipi" panose="02000500020000020004" pitchFamily="2" charset="0"/>
+                <a:cs typeface="SolaimanLipi" panose="02000500020000020004" pitchFamily="2" charset="0"/>
+              </a:rPr>
+              <a:t> এ </a:t>
+            </a:r>
+            <a:r>
+              <a:rPr lang="en-US" sz="2000" dirty="0" err="1">
+                <a:solidFill>
+                  <a:schemeClr val="bg1"/>
+                </a:solidFill>
+                <a:latin typeface="SolaimanLipi" panose="02000500020000020004" pitchFamily="2" charset="0"/>
+                <a:cs typeface="SolaimanLipi" panose="02000500020000020004" pitchFamily="2" charset="0"/>
+              </a:rPr>
+              <a:t>আগে</a:t>
+            </a:r>
+            <a:r>
+              <a:rPr lang="en-US" sz="2000" dirty="0">
+                <a:solidFill>
+                  <a:schemeClr val="bg1"/>
+                </a:solidFill>
+                <a:latin typeface="SolaimanLipi" panose="02000500020000020004" pitchFamily="2" charset="0"/>
+                <a:cs typeface="SolaimanLipi" panose="02000500020000020004" pitchFamily="2" charset="0"/>
+              </a:rPr>
+              <a:t> </a:t>
+            </a:r>
+            <a:r>
+              <a:rPr lang="en-US" sz="2000" dirty="0" err="1">
+                <a:solidFill>
+                  <a:schemeClr val="bg1"/>
+                </a:solidFill>
+                <a:latin typeface="SolaimanLipi" panose="02000500020000020004" pitchFamily="2" charset="0"/>
+                <a:cs typeface="SolaimanLipi" panose="02000500020000020004" pitchFamily="2" charset="0"/>
+              </a:rPr>
+              <a:t>থেকেই</a:t>
+            </a:r>
+            <a:r>
+              <a:rPr lang="en-US" sz="2000" dirty="0">
+                <a:solidFill>
+                  <a:schemeClr val="bg1"/>
+                </a:solidFill>
+                <a:latin typeface="SolaimanLipi" panose="02000500020000020004" pitchFamily="2" charset="0"/>
+                <a:cs typeface="SolaimanLipi" panose="02000500020000020004" pitchFamily="2" charset="0"/>
+              </a:rPr>
+              <a:t> </a:t>
+            </a:r>
+            <a:r>
+              <a:rPr lang="en-US" sz="2000" dirty="0" err="1">
+                <a:solidFill>
+                  <a:schemeClr val="bg1"/>
+                </a:solidFill>
+                <a:latin typeface="SolaimanLipi" panose="02000500020000020004" pitchFamily="2" charset="0"/>
+                <a:cs typeface="SolaimanLipi" panose="02000500020000020004" pitchFamily="2" charset="0"/>
+              </a:rPr>
+              <a:t>ডেভলপাররা</a:t>
+            </a:r>
+            <a:r>
+              <a:rPr lang="en-US" sz="2000" dirty="0">
+                <a:solidFill>
+                  <a:schemeClr val="bg1"/>
+                </a:solidFill>
+                <a:latin typeface="SolaimanLipi" panose="02000500020000020004" pitchFamily="2" charset="0"/>
+                <a:cs typeface="SolaimanLipi" panose="02000500020000020004" pitchFamily="2" charset="0"/>
+              </a:rPr>
+              <a:t> </a:t>
+            </a:r>
+            <a:r>
+              <a:rPr lang="en-US" sz="2000" dirty="0" err="1">
+                <a:solidFill>
+                  <a:schemeClr val="bg1"/>
+                </a:solidFill>
+                <a:latin typeface="SolaimanLipi" panose="02000500020000020004" pitchFamily="2" charset="0"/>
+                <a:cs typeface="SolaimanLipi" panose="02000500020000020004" pitchFamily="2" charset="0"/>
+              </a:rPr>
+              <a:t>লিখে</a:t>
+            </a:r>
+            <a:r>
+              <a:rPr lang="en-US" sz="2000" dirty="0">
+                <a:solidFill>
+                  <a:schemeClr val="bg1"/>
+                </a:solidFill>
+                <a:latin typeface="SolaimanLipi" panose="02000500020000020004" pitchFamily="2" charset="0"/>
+                <a:cs typeface="SolaimanLipi" panose="02000500020000020004" pitchFamily="2" charset="0"/>
+              </a:rPr>
+              <a:t> </a:t>
+            </a:r>
+            <a:r>
+              <a:rPr lang="en-US" sz="2000" dirty="0" err="1">
+                <a:solidFill>
+                  <a:schemeClr val="bg1"/>
+                </a:solidFill>
+                <a:latin typeface="SolaimanLipi" panose="02000500020000020004" pitchFamily="2" charset="0"/>
+                <a:cs typeface="SolaimanLipi" panose="02000500020000020004" pitchFamily="2" charset="0"/>
+              </a:rPr>
+              <a:t>রেখেছে</a:t>
+            </a:r>
+            <a:r>
+              <a:rPr lang="en-US" sz="2000" dirty="0">
+                <a:solidFill>
+                  <a:schemeClr val="bg1"/>
+                </a:solidFill>
+                <a:latin typeface="SolaimanLipi" panose="02000500020000020004" pitchFamily="2" charset="0"/>
+                <a:cs typeface="SolaimanLipi" panose="02000500020000020004" pitchFamily="2" charset="0"/>
+              </a:rPr>
+              <a:t> ।  </a:t>
+            </a:r>
+            <a:r>
+              <a:rPr lang="en-US" sz="2000" dirty="0" err="1">
+                <a:solidFill>
+                  <a:schemeClr val="bg1"/>
+                </a:solidFill>
+                <a:latin typeface="SolaimanLipi" panose="02000500020000020004" pitchFamily="2" charset="0"/>
+                <a:cs typeface="SolaimanLipi" panose="02000500020000020004" pitchFamily="2" charset="0"/>
+              </a:rPr>
+              <a:t>আমরা</a:t>
+            </a:r>
+            <a:r>
+              <a:rPr lang="en-US" sz="2000" dirty="0">
+                <a:solidFill>
+                  <a:schemeClr val="bg1"/>
+                </a:solidFill>
+                <a:latin typeface="SolaimanLipi" panose="02000500020000020004" pitchFamily="2" charset="0"/>
+                <a:cs typeface="SolaimanLipi" panose="02000500020000020004" pitchFamily="2" charset="0"/>
+              </a:rPr>
+              <a:t> </a:t>
+            </a:r>
+            <a:r>
+              <a:rPr lang="en-US" sz="2000" dirty="0" err="1">
+                <a:solidFill>
+                  <a:schemeClr val="bg1"/>
+                </a:solidFill>
+                <a:latin typeface="SolaimanLipi" panose="02000500020000020004" pitchFamily="2" charset="0"/>
+                <a:cs typeface="SolaimanLipi" panose="02000500020000020004" pitchFamily="2" charset="0"/>
+              </a:rPr>
+              <a:t>প্রয়োজন</a:t>
+            </a:r>
+            <a:r>
+              <a:rPr lang="en-US" sz="2000" dirty="0">
+                <a:solidFill>
+                  <a:schemeClr val="bg1"/>
+                </a:solidFill>
+                <a:latin typeface="SolaimanLipi" panose="02000500020000020004" pitchFamily="2" charset="0"/>
+                <a:cs typeface="SolaimanLipi" panose="02000500020000020004" pitchFamily="2" charset="0"/>
+              </a:rPr>
+              <a:t> </a:t>
+            </a:r>
+            <a:r>
+              <a:rPr lang="en-US" sz="2000" dirty="0" err="1">
+                <a:solidFill>
+                  <a:schemeClr val="bg1"/>
+                </a:solidFill>
+                <a:latin typeface="SolaimanLipi" panose="02000500020000020004" pitchFamily="2" charset="0"/>
+                <a:cs typeface="SolaimanLipi" panose="02000500020000020004" pitchFamily="2" charset="0"/>
+              </a:rPr>
+              <a:t>অনুযায়ী</a:t>
+            </a:r>
+            <a:r>
+              <a:rPr lang="en-US" sz="2000" dirty="0">
+                <a:solidFill>
+                  <a:schemeClr val="bg1"/>
+                </a:solidFill>
+                <a:latin typeface="SolaimanLipi" panose="02000500020000020004" pitchFamily="2" charset="0"/>
+                <a:cs typeface="SolaimanLipi" panose="02000500020000020004" pitchFamily="2" charset="0"/>
+              </a:rPr>
+              <a:t> </a:t>
+            </a:r>
+            <a:r>
+              <a:rPr lang="en-US" sz="2000" dirty="0" err="1">
+                <a:solidFill>
+                  <a:schemeClr val="bg1"/>
+                </a:solidFill>
+                <a:latin typeface="SolaimanLipi" panose="02000500020000020004" pitchFamily="2" charset="0"/>
+                <a:cs typeface="SolaimanLipi" panose="02000500020000020004" pitchFamily="2" charset="0"/>
+              </a:rPr>
+              <a:t>শুধু</a:t>
+            </a:r>
+            <a:r>
+              <a:rPr lang="en-US" sz="2000" dirty="0">
+                <a:solidFill>
+                  <a:schemeClr val="bg1"/>
+                </a:solidFill>
+                <a:latin typeface="SolaimanLipi" panose="02000500020000020004" pitchFamily="2" charset="0"/>
+                <a:cs typeface="SolaimanLipi" panose="02000500020000020004" pitchFamily="2" charset="0"/>
+              </a:rPr>
+              <a:t> </a:t>
+            </a:r>
+            <a:r>
+              <a:rPr lang="en-US" sz="2000" dirty="0" err="1">
+                <a:solidFill>
+                  <a:schemeClr val="bg1"/>
+                </a:solidFill>
+                <a:latin typeface="SolaimanLipi" panose="02000500020000020004" pitchFamily="2" charset="0"/>
+                <a:cs typeface="SolaimanLipi" panose="02000500020000020004" pitchFamily="2" charset="0"/>
+              </a:rPr>
+              <a:t>ব্যবহার</a:t>
+            </a:r>
+            <a:r>
+              <a:rPr lang="en-US" sz="2000" dirty="0">
+                <a:solidFill>
+                  <a:schemeClr val="bg1"/>
+                </a:solidFill>
+                <a:latin typeface="SolaimanLipi" panose="02000500020000020004" pitchFamily="2" charset="0"/>
+                <a:cs typeface="SolaimanLipi" panose="02000500020000020004" pitchFamily="2" charset="0"/>
+              </a:rPr>
+              <a:t> </a:t>
+            </a:r>
+            <a:r>
+              <a:rPr lang="en-US" sz="2000" dirty="0" err="1">
+                <a:solidFill>
+                  <a:schemeClr val="bg1"/>
+                </a:solidFill>
+                <a:latin typeface="SolaimanLipi" panose="02000500020000020004" pitchFamily="2" charset="0"/>
+                <a:cs typeface="SolaimanLipi" panose="02000500020000020004" pitchFamily="2" charset="0"/>
+              </a:rPr>
+              <a:t>করব</a:t>
+            </a:r>
+            <a:r>
+              <a:rPr lang="en-US" sz="2000" dirty="0">
+                <a:solidFill>
+                  <a:schemeClr val="bg1"/>
+                </a:solidFill>
+                <a:latin typeface="SolaimanLipi" panose="02000500020000020004" pitchFamily="2" charset="0"/>
+                <a:cs typeface="SolaimanLipi" panose="02000500020000020004" pitchFamily="2" charset="0"/>
+              </a:rPr>
+              <a:t> ।  </a:t>
+            </a:r>
+            <a:endParaRPr lang="en-US" sz="2000" dirty="0">
+              <a:solidFill>
+                <a:schemeClr val="bg1"/>
+              </a:solidFill>
+              <a:latin typeface="Times New Roman" panose="02020603050405020304" pitchFamily="18" charset="0"/>
+              <a:cs typeface="Times New Roman" panose="02020603050405020304" pitchFamily="18" charset="0"/>
+            </a:endParaRPr>
+          </a:p>
+          <a:p>
+            <a:pPr marL="457200" indent="-457200">
+              <a:lnSpc>
+                <a:spcPct val="150000"/>
+              </a:lnSpc>
+              <a:buAutoNum type="arabicPeriod"/>
+            </a:pPr>
+            <a:r>
+              <a:rPr lang="en-US" sz="2000" dirty="0">
+                <a:solidFill>
+                  <a:schemeClr val="bg1"/>
+                </a:solidFill>
+                <a:latin typeface="Times New Roman" panose="02020603050405020304" pitchFamily="18" charset="0"/>
+                <a:cs typeface="Times New Roman" panose="02020603050405020304" pitchFamily="18" charset="0"/>
+              </a:rPr>
+              <a:t>Custom Function: </a:t>
+            </a:r>
+            <a:r>
+              <a:rPr lang="en-US" sz="2000" dirty="0" err="1">
+                <a:solidFill>
+                  <a:schemeClr val="bg1"/>
+                </a:solidFill>
+                <a:latin typeface="SolaimanLipi" panose="02000500020000020004" pitchFamily="2" charset="0"/>
+                <a:cs typeface="SolaimanLipi" panose="02000500020000020004" pitchFamily="2" charset="0"/>
+              </a:rPr>
+              <a:t>এই</a:t>
+            </a:r>
+            <a:r>
+              <a:rPr lang="en-US" sz="2000" dirty="0">
+                <a:solidFill>
+                  <a:schemeClr val="bg1"/>
+                </a:solidFill>
+                <a:latin typeface="SolaimanLipi" panose="02000500020000020004" pitchFamily="2" charset="0"/>
+                <a:cs typeface="SolaimanLipi" panose="02000500020000020004" pitchFamily="2" charset="0"/>
+              </a:rPr>
+              <a:t> </a:t>
+            </a:r>
+            <a:r>
+              <a:rPr lang="en-US" sz="2000" dirty="0" err="1">
+                <a:solidFill>
+                  <a:schemeClr val="bg1"/>
+                </a:solidFill>
+                <a:latin typeface="SolaimanLipi" panose="02000500020000020004" pitchFamily="2" charset="0"/>
+                <a:cs typeface="SolaimanLipi" panose="02000500020000020004" pitchFamily="2" charset="0"/>
+              </a:rPr>
+              <a:t>ফাংশনগুলো</a:t>
+            </a:r>
+            <a:r>
+              <a:rPr lang="en-US" sz="2000" dirty="0">
+                <a:solidFill>
+                  <a:schemeClr val="bg1"/>
+                </a:solidFill>
+                <a:latin typeface="SolaimanLipi" panose="02000500020000020004" pitchFamily="2" charset="0"/>
+                <a:cs typeface="SolaimanLipi" panose="02000500020000020004" pitchFamily="2" charset="0"/>
+              </a:rPr>
+              <a:t> </a:t>
+            </a:r>
+            <a:r>
+              <a:rPr lang="en-US" sz="2000" dirty="0" err="1">
+                <a:solidFill>
+                  <a:schemeClr val="bg1"/>
+                </a:solidFill>
+                <a:latin typeface="SolaimanLipi" panose="02000500020000020004" pitchFamily="2" charset="0"/>
+                <a:cs typeface="SolaimanLipi" panose="02000500020000020004" pitchFamily="2" charset="0"/>
+              </a:rPr>
+              <a:t>আমরা</a:t>
+            </a:r>
+            <a:r>
+              <a:rPr lang="en-US" sz="2000" dirty="0">
+                <a:solidFill>
+                  <a:schemeClr val="bg1"/>
+                </a:solidFill>
+                <a:latin typeface="SolaimanLipi" panose="02000500020000020004" pitchFamily="2" charset="0"/>
+                <a:cs typeface="SolaimanLipi" panose="02000500020000020004" pitchFamily="2" charset="0"/>
+              </a:rPr>
+              <a:t> </a:t>
+            </a:r>
+            <a:r>
+              <a:rPr lang="en-US" sz="2000" dirty="0" err="1">
+                <a:solidFill>
+                  <a:schemeClr val="bg1"/>
+                </a:solidFill>
+                <a:latin typeface="SolaimanLipi" panose="02000500020000020004" pitchFamily="2" charset="0"/>
+                <a:cs typeface="SolaimanLipi" panose="02000500020000020004" pitchFamily="2" charset="0"/>
+              </a:rPr>
+              <a:t>তৈরি</a:t>
+            </a:r>
+            <a:r>
+              <a:rPr lang="en-US" sz="2000" dirty="0">
+                <a:solidFill>
+                  <a:schemeClr val="bg1"/>
+                </a:solidFill>
+                <a:latin typeface="SolaimanLipi" panose="02000500020000020004" pitchFamily="2" charset="0"/>
+                <a:cs typeface="SolaimanLipi" panose="02000500020000020004" pitchFamily="2" charset="0"/>
+              </a:rPr>
+              <a:t> </a:t>
+            </a:r>
+            <a:r>
+              <a:rPr lang="en-US" sz="2000" dirty="0" err="1">
+                <a:solidFill>
+                  <a:schemeClr val="bg1"/>
+                </a:solidFill>
+                <a:latin typeface="SolaimanLipi" panose="02000500020000020004" pitchFamily="2" charset="0"/>
+                <a:cs typeface="SolaimanLipi" panose="02000500020000020004" pitchFamily="2" charset="0"/>
+              </a:rPr>
+              <a:t>করব</a:t>
+            </a:r>
+            <a:r>
+              <a:rPr lang="en-US" sz="2000" dirty="0">
+                <a:solidFill>
+                  <a:schemeClr val="bg1"/>
+                </a:solidFill>
+                <a:latin typeface="SolaimanLipi" panose="02000500020000020004" pitchFamily="2" charset="0"/>
+                <a:cs typeface="SolaimanLipi" panose="02000500020000020004" pitchFamily="2" charset="0"/>
+              </a:rPr>
+              <a:t> </a:t>
+            </a:r>
+            <a:r>
+              <a:rPr lang="en-US" sz="2000" dirty="0" err="1">
+                <a:solidFill>
+                  <a:schemeClr val="bg1"/>
+                </a:solidFill>
+                <a:latin typeface="SolaimanLipi" panose="02000500020000020004" pitchFamily="2" charset="0"/>
+                <a:cs typeface="SolaimanLipi" panose="02000500020000020004" pitchFamily="2" charset="0"/>
+              </a:rPr>
+              <a:t>আমাদের</a:t>
+            </a:r>
+            <a:r>
+              <a:rPr lang="en-US" sz="2000" dirty="0">
+                <a:solidFill>
+                  <a:schemeClr val="bg1"/>
+                </a:solidFill>
+                <a:latin typeface="SolaimanLipi" panose="02000500020000020004" pitchFamily="2" charset="0"/>
+                <a:cs typeface="SolaimanLipi" panose="02000500020000020004" pitchFamily="2" charset="0"/>
+              </a:rPr>
+              <a:t> </a:t>
+            </a:r>
+            <a:r>
+              <a:rPr lang="en-US" sz="2000" dirty="0" err="1">
+                <a:solidFill>
+                  <a:schemeClr val="bg1"/>
+                </a:solidFill>
+                <a:latin typeface="SolaimanLipi" panose="02000500020000020004" pitchFamily="2" charset="0"/>
+                <a:cs typeface="SolaimanLipi" panose="02000500020000020004" pitchFamily="2" charset="0"/>
+              </a:rPr>
+              <a:t>সুবিধামত</a:t>
+            </a:r>
+            <a:r>
+              <a:rPr lang="en-US" sz="2000" dirty="0">
+                <a:solidFill>
+                  <a:schemeClr val="bg1"/>
+                </a:solidFill>
+                <a:latin typeface="SolaimanLipi" panose="02000500020000020004" pitchFamily="2" charset="0"/>
+                <a:cs typeface="SolaimanLipi" panose="02000500020000020004" pitchFamily="2" charset="0"/>
+              </a:rPr>
+              <a:t> । </a:t>
+            </a:r>
+            <a:endParaRPr lang="as-IN" sz="2000" dirty="0">
+              <a:solidFill>
+                <a:schemeClr val="bg1"/>
+              </a:solidFill>
+              <a:latin typeface="Times New Roman" panose="02020603050405020304" pitchFamily="18" charset="0"/>
+              <a:cs typeface="SolaimanLipi" panose="02000500020000020004" pitchFamily="2" charset="0"/>
+            </a:endParaRPr>
+          </a:p>
+        </p:txBody>
+      </p:sp>
+    </p:spTree>
+    <p:extLst>
+      <p:ext uri="{BB962C8B-B14F-4D97-AF65-F5344CB8AC3E}">
+        <p14:creationId xmlns:p14="http://schemas.microsoft.com/office/powerpoint/2010/main" val="2925965035"/>
+      </p:ext>
+    </p:extLst>
+  </p:cSld>
+  <p:clrMapOvr>
+    <a:masterClrMapping/>
+  </p:clrMapOvr>
+  <p:timing>
+    <p:tnLst>
+      <p:par>
+        <p:cTn id="1" dur="indefinite" restart="never" nodeType="tmRoot">
+          <p:childTnLst>
+            <p:seq concurrent="1" nextAc="seek">
+              <p:cTn id="2" dur="indefinite" nodeType="mainSeq">
+                <p:childTnLst>
+                  <p:par>
+                    <p:cTn id="3" fill="hold">
+                      <p:stCondLst>
+                        <p:cond delay="indefinite"/>
+                      </p:stCondLst>
+                      <p:childTnLst>
+                        <p:par>
+                          <p:cTn id="4" fill="hold">
+                            <p:stCondLst>
+                              <p:cond delay="0"/>
+                            </p:stCondLst>
+                            <p:childTnLst>
+                              <p:par>
+                                <p:cTn id="5" presetID="10" presetClass="entr" presetSubtype="0" fill="hold" grpId="0" nodeType="clickEffect">
+                                  <p:stCondLst>
+                                    <p:cond delay="0"/>
+                                  </p:stCondLst>
+                                  <p:childTnLst>
+                                    <p:set>
+                                      <p:cBhvr>
+                                        <p:cTn id="6" dur="1" fill="hold">
+                                          <p:stCondLst>
+                                            <p:cond delay="0"/>
+                                          </p:stCondLst>
+                                        </p:cTn>
+                                        <p:tgtEl>
+                                          <p:spTgt spid="12"/>
+                                        </p:tgtEl>
+                                        <p:attrNameLst>
+                                          <p:attrName>style.visibility</p:attrName>
+                                        </p:attrNameLst>
+                                      </p:cBhvr>
+                                      <p:to>
+                                        <p:strVal val="visible"/>
+                                      </p:to>
+                                    </p:set>
+                                    <p:animEffect transition="in" filter="fade">
+                                      <p:cBhvr>
+                                        <p:cTn id="7" dur="500"/>
+                                        <p:tgtEl>
+                                          <p:spTgt spid="12"/>
+                                        </p:tgtEl>
+                                      </p:cBhvr>
+                                    </p:animEffect>
+                                  </p:childTnLst>
+                                </p:cTn>
+                              </p:par>
+                            </p:childTnLst>
+                          </p:cTn>
+                        </p:par>
+                      </p:childTnLst>
+                    </p:cTn>
+                  </p:par>
+                  <p:par>
+                    <p:cTn id="8" fill="hold">
+                      <p:stCondLst>
+                        <p:cond delay="indefinite"/>
+                      </p:stCondLst>
+                      <p:childTnLst>
+                        <p:par>
+                          <p:cTn id="9" fill="hold">
+                            <p:stCondLst>
+                              <p:cond delay="0"/>
+                            </p:stCondLst>
+                            <p:childTnLst>
+                              <p:par>
+                                <p:cTn id="10" presetID="16" presetClass="emph" presetSubtype="0" fill="hold" grpId="0" nodeType="clickEffect">
+                                  <p:stCondLst>
+                                    <p:cond delay="0"/>
+                                  </p:stCondLst>
+                                  <p:iterate type="lt">
+                                    <p:tmPct val="4000"/>
+                                  </p:iterate>
+                                  <p:childTnLst>
+                                    <p:set>
+                                      <p:cBhvr override="childStyle">
+                                        <p:cTn id="11" dur="500" fill="hold"/>
+                                        <p:tgtEl>
+                                          <p:spTgt spid="14"/>
+                                        </p:tgtEl>
+                                        <p:attrNameLst>
+                                          <p:attrName>style.color</p:attrName>
+                                        </p:attrNameLst>
+                                      </p:cBhvr>
+                                      <p:to>
+                                        <p:clrVal>
+                                          <a:srgbClr val="FFB119"/>
+                                        </p:clrVal>
+                                      </p:to>
+                                    </p:set>
+                                    <p:set>
+                                      <p:cBhvr>
+                                        <p:cTn id="12" dur="500" fill="hold"/>
+                                        <p:tgtEl>
+                                          <p:spTgt spid="14"/>
+                                        </p:tgtEl>
+                                        <p:attrNameLst>
+                                          <p:attrName>fillcolor</p:attrName>
+                                        </p:attrNameLst>
+                                      </p:cBhvr>
+                                      <p:to>
+                                        <p:clrVal>
+                                          <a:srgbClr val="FFB119"/>
+                                        </p:clrVal>
+                                      </p:to>
+                                    </p:set>
+                                    <p:set>
+                                      <p:cBhvr>
+                                        <p:cTn id="13" dur="500" fill="hold"/>
+                                        <p:tgtEl>
+                                          <p:spTgt spid="14"/>
+                                        </p:tgtEl>
+                                        <p:attrNameLst>
+                                          <p:attrName>fill.type</p:attrName>
+                                        </p:attrNameLst>
+                                      </p:cBhvr>
+                                      <p:to>
+                                        <p:strVal val="solid"/>
+                                      </p:to>
+                                    </p:set>
+                                  </p:childTnLst>
+                                </p:cTn>
+                              </p:par>
+                            </p:childTnLst>
+                          </p:cTn>
+                        </p:par>
+                      </p:childTnLst>
+                    </p:cTn>
+                  </p:par>
+                  <p:par>
+                    <p:cTn id="14" fill="hold">
+                      <p:stCondLst>
+                        <p:cond delay="indefinite"/>
+                      </p:stCondLst>
+                      <p:childTnLst>
+                        <p:par>
+                          <p:cTn id="15" fill="hold">
+                            <p:stCondLst>
+                              <p:cond delay="0"/>
+                            </p:stCondLst>
+                            <p:childTnLst>
+                              <p:par>
+                                <p:cTn id="16" presetID="10" presetClass="entr" presetSubtype="0" fill="hold" nodeType="clickEffect">
+                                  <p:stCondLst>
+                                    <p:cond delay="0"/>
+                                  </p:stCondLst>
+                                  <p:childTnLst>
+                                    <p:set>
+                                      <p:cBhvr>
+                                        <p:cTn id="17" dur="1" fill="hold">
+                                          <p:stCondLst>
+                                            <p:cond delay="0"/>
+                                          </p:stCondLst>
+                                        </p:cTn>
+                                        <p:tgtEl>
+                                          <p:spTgt spid="14">
+                                            <p:txEl>
+                                              <p:pRg st="0" end="0"/>
+                                            </p:txEl>
+                                          </p:spTgt>
+                                        </p:tgtEl>
+                                        <p:attrNameLst>
+                                          <p:attrName>style.visibility</p:attrName>
+                                        </p:attrNameLst>
+                                      </p:cBhvr>
+                                      <p:to>
+                                        <p:strVal val="visible"/>
+                                      </p:to>
+                                    </p:set>
+                                    <p:animEffect transition="in" filter="fade">
+                                      <p:cBhvr>
+                                        <p:cTn id="18" dur="500"/>
+                                        <p:tgtEl>
+                                          <p:spTgt spid="14">
+                                            <p:txEl>
+                                              <p:pRg st="0" end="0"/>
+                                            </p:txEl>
+                                          </p:spTgt>
+                                        </p:tgtEl>
+                                      </p:cBhvr>
+                                    </p:animEffect>
+                                  </p:childTnLst>
+                                </p:cTn>
+                              </p:par>
+                            </p:childTnLst>
+                          </p:cTn>
+                        </p:par>
+                      </p:childTnLst>
+                    </p:cTn>
+                  </p:par>
+                  <p:par>
+                    <p:cTn id="19" fill="hold">
+                      <p:stCondLst>
+                        <p:cond delay="indefinite"/>
+                      </p:stCondLst>
+                      <p:childTnLst>
+                        <p:par>
+                          <p:cTn id="20" fill="hold">
+                            <p:stCondLst>
+                              <p:cond delay="0"/>
+                            </p:stCondLst>
+                            <p:childTnLst>
+                              <p:par>
+                                <p:cTn id="21" presetID="10" presetClass="entr" presetSubtype="0" fill="hold" nodeType="clickEffect">
+                                  <p:stCondLst>
+                                    <p:cond delay="0"/>
+                                  </p:stCondLst>
+                                  <p:childTnLst>
+                                    <p:set>
+                                      <p:cBhvr>
+                                        <p:cTn id="22" dur="1" fill="hold">
+                                          <p:stCondLst>
+                                            <p:cond delay="0"/>
+                                          </p:stCondLst>
+                                        </p:cTn>
+                                        <p:tgtEl>
+                                          <p:spTgt spid="14">
+                                            <p:txEl>
+                                              <p:pRg st="1" end="1"/>
+                                            </p:txEl>
+                                          </p:spTgt>
+                                        </p:tgtEl>
+                                        <p:attrNameLst>
+                                          <p:attrName>style.visibility</p:attrName>
+                                        </p:attrNameLst>
+                                      </p:cBhvr>
+                                      <p:to>
+                                        <p:strVal val="visible"/>
+                                      </p:to>
+                                    </p:set>
+                                    <p:animEffect transition="in" filter="fade">
+                                      <p:cBhvr>
+                                        <p:cTn id="23" dur="500"/>
+                                        <p:tgtEl>
+                                          <p:spTgt spid="14">
+                                            <p:txEl>
+                                              <p:pRg st="1" end="1"/>
+                                            </p:txEl>
+                                          </p:spTgt>
+                                        </p:tgtEl>
+                                      </p:cBhvr>
+                                    </p:animEffect>
+                                  </p:childTnLst>
+                                </p:cTn>
+                              </p:par>
+                            </p:childTnLst>
+                          </p:cTn>
+                        </p:par>
+                      </p:childTnLst>
+                    </p:cTn>
+                  </p:par>
+                </p:childTnLst>
+              </p:cTn>
+              <p:prevCondLst>
+                <p:cond evt="onPrev" delay="0">
+                  <p:tgtEl>
+                    <p:sldTgt/>
+                  </p:tgtEl>
+                </p:cond>
+              </p:prevCondLst>
+              <p:nextCondLst>
+                <p:cond evt="onNext" delay="0">
+                  <p:tgtEl>
+                    <p:sldTgt/>
+                  </p:tgtEl>
+                </p:cond>
+              </p:nextCondLst>
+            </p:seq>
+          </p:childTnLst>
+        </p:cTn>
+      </p:par>
+    </p:tnLst>
+    <p:bldLst>
+      <p:bldP spid="12" grpId="0" animBg="1"/>
+      <p:bldP spid="14" grpId="0"/>
+    </p:bldLst>
+  </p:timing>
+</p:sld>
+</file>
+
+<file path=ppt/slides/slide3.xml><?xml version="1.0" encoding="utf-8"?>
+<p:sld xmlns:a="http://schemas.openxmlformats.org/drawingml/2006/main" xmlns:r="http://schemas.openxmlformats.org/officeDocument/2006/relationships" xmlns:p="http://schemas.openxmlformats.org/presentationml/2006/main">
+  <p:cSld>
+    <p:bg>
+      <p:bgPr>
+        <a:solidFill>
+          <a:srgbClr val="1A1B24"/>
+        </a:solidFill>
+        <a:effectLst/>
+      </p:bgPr>
+    </p:bg>
+    <p:spTree>
+      <p:nvGrpSpPr>
+        <p:cNvPr id="1" name=""/>
+        <p:cNvGrpSpPr/>
+        <p:nvPr/>
+      </p:nvGrpSpPr>
+      <p:grpSpPr>
+        <a:xfrm>
+          <a:off x="0" y="0"/>
+          <a:ext cx="0" cy="0"/>
+          <a:chOff x="0" y="0"/>
+          <a:chExt cx="0" cy="0"/>
+        </a:xfrm>
+      </p:grpSpPr>
+      <p:sp>
+        <p:nvSpPr>
+          <p:cNvPr id="8" name="Rectangle 7">
+            <a:extLst>
+              <a:ext uri="{FF2B5EF4-FFF2-40B4-BE49-F238E27FC236}">
+                <a16:creationId xmlns:a16="http://schemas.microsoft.com/office/drawing/2014/main" id="{BD046FC5-717A-4EF9-870B-B44F421D4644}"/>
+              </a:ext>
+            </a:extLst>
+          </p:cNvPr>
+          <p:cNvSpPr/>
+          <p:nvPr/>
+        </p:nvSpPr>
+        <p:spPr>
+          <a:xfrm>
+            <a:off x="0" y="0"/>
+            <a:ext cx="2705271" cy="6858000"/>
+          </a:xfrm>
+          <a:prstGeom prst="rect">
+            <a:avLst/>
+          </a:prstGeom>
+          <a:solidFill>
+            <a:srgbClr val="FFB119"/>
+          </a:solidFill>
+        </p:spPr>
+        <p:style>
+          <a:lnRef idx="2">
+            <a:schemeClr val="accent1">
+              <a:shade val="50000"/>
+            </a:schemeClr>
+          </a:lnRef>
+          <a:fillRef idx="1">
+            <a:schemeClr val="accent1"/>
+          </a:fillRef>
+          <a:effectRef idx="0">
+            <a:schemeClr val="accent1"/>
+          </a:effectRef>
+          <a:fontRef idx="minor">
+            <a:schemeClr val="lt1"/>
+          </a:fontRef>
+        </p:style>
+        <p:txBody>
+          <a:bodyPr rtlCol="0" anchor="ctr"/>
+          <a:lstStyle/>
+          <a:p>
+            <a:pPr algn="ctr"/>
+            <a:endParaRPr lang="en-US" dirty="0"/>
+          </a:p>
+        </p:txBody>
+      </p:sp>
+      <p:sp>
+        <p:nvSpPr>
+          <p:cNvPr id="9" name="TextBox 8">
+            <a:extLst>
+              <a:ext uri="{FF2B5EF4-FFF2-40B4-BE49-F238E27FC236}">
+                <a16:creationId xmlns:a16="http://schemas.microsoft.com/office/drawing/2014/main" id="{E1D9CE9D-F976-4850-8AFF-D922CEF9D940}"/>
+              </a:ext>
+            </a:extLst>
+          </p:cNvPr>
+          <p:cNvSpPr txBox="1"/>
+          <p:nvPr/>
+        </p:nvSpPr>
+        <p:spPr>
+          <a:xfrm>
+            <a:off x="36858" y="162046"/>
+            <a:ext cx="2631554" cy="2492990"/>
+          </a:xfrm>
+          <a:prstGeom prst="rect">
+            <a:avLst/>
+          </a:prstGeom>
+          <a:noFill/>
+          <a:ln w="9525">
+            <a:noFill/>
+          </a:ln>
+          <a:effectLst>
+            <a:outerShdw blurRad="50800" dist="38100" dir="8100000" algn="tr" rotWithShape="0">
+              <a:prstClr val="black">
+                <a:alpha val="40000"/>
+              </a:prstClr>
+            </a:outerShdw>
+          </a:effectLst>
+        </p:spPr>
+        <p:txBody>
+          <a:bodyPr wrap="none" rtlCol="0">
+            <a:spAutoFit/>
+          </a:bodyPr>
+          <a:lstStyle/>
+          <a:p>
+            <a:pPr algn="ctr"/>
+            <a:r>
+              <a:rPr lang="en-US" sz="3600" b="1" dirty="0">
+                <a:ln w="3175">
+                  <a:noFill/>
+                </a:ln>
+                <a:solidFill>
+                  <a:schemeClr val="bg1"/>
+                </a:solidFill>
+                <a:effectLst>
+                  <a:outerShdw blurRad="50800" dist="38100" dir="8100000" algn="tr" rotWithShape="0">
+                    <a:prstClr val="black">
+                      <a:alpha val="40000"/>
+                    </a:prstClr>
+                  </a:outerShdw>
+                </a:effectLst>
+                <a:latin typeface="Times New Roman" panose="02020603050405020304" pitchFamily="18" charset="0"/>
+                <a:cs typeface="Times New Roman" panose="02020603050405020304" pitchFamily="18" charset="0"/>
+              </a:rPr>
+              <a:t>Modern</a:t>
+            </a:r>
+            <a:endParaRPr lang="en-US" sz="5000" b="1" dirty="0">
+              <a:ln w="3175">
+                <a:noFill/>
+              </a:ln>
+              <a:solidFill>
+                <a:schemeClr val="bg1"/>
+              </a:solidFill>
+              <a:effectLst>
+                <a:outerShdw blurRad="50800" dist="38100" dir="8100000" algn="tr" rotWithShape="0">
+                  <a:prstClr val="black">
+                    <a:alpha val="40000"/>
+                  </a:prstClr>
+                </a:outerShdw>
+              </a:effectLst>
+              <a:latin typeface="Times New Roman" panose="02020603050405020304" pitchFamily="18" charset="0"/>
+              <a:cs typeface="Times New Roman" panose="02020603050405020304" pitchFamily="18" charset="0"/>
+            </a:endParaRPr>
+          </a:p>
+          <a:p>
+            <a:pPr algn="ctr"/>
+            <a:r>
+              <a:rPr lang="en-US" sz="4000" b="1" dirty="0">
+                <a:ln w="3175">
+                  <a:noFill/>
+                </a:ln>
+                <a:solidFill>
+                  <a:schemeClr val="bg1"/>
+                </a:solidFill>
+                <a:effectLst>
+                  <a:outerShdw blurRad="50800" dist="38100" dir="8100000" algn="tr" rotWithShape="0">
+                    <a:prstClr val="black">
+                      <a:alpha val="40000"/>
+                    </a:prstClr>
+                  </a:outerShdw>
+                </a:effectLst>
+                <a:latin typeface="Times New Roman" panose="02020603050405020304" pitchFamily="18" charset="0"/>
+                <a:cs typeface="Times New Roman" panose="02020603050405020304" pitchFamily="18" charset="0"/>
+              </a:rPr>
+              <a:t>JavaScript</a:t>
+            </a:r>
+          </a:p>
+          <a:p>
+            <a:pPr algn="ctr"/>
+            <a:r>
+              <a:rPr lang="en-US" sz="4000" b="1" dirty="0">
+                <a:ln w="3175">
+                  <a:noFill/>
+                </a:ln>
+                <a:solidFill>
+                  <a:schemeClr val="bg1"/>
+                </a:solidFill>
+                <a:effectLst>
+                  <a:outerShdw blurRad="50800" dist="38100" dir="8100000" algn="tr" rotWithShape="0">
+                    <a:prstClr val="black">
+                      <a:alpha val="40000"/>
+                    </a:prstClr>
+                  </a:outerShdw>
+                </a:effectLst>
+                <a:latin typeface="Times New Roman" panose="02020603050405020304" pitchFamily="18" charset="0"/>
+                <a:cs typeface="Times New Roman" panose="02020603050405020304" pitchFamily="18" charset="0"/>
+              </a:rPr>
+              <a:t>Function</a:t>
+            </a:r>
+            <a:endParaRPr lang="en-US" sz="4400" b="1" dirty="0">
+              <a:ln w="3175">
+                <a:noFill/>
+              </a:ln>
+              <a:solidFill>
+                <a:schemeClr val="bg1"/>
+              </a:solidFill>
+              <a:effectLst>
+                <a:outerShdw blurRad="50800" dist="38100" dir="8100000" algn="tr" rotWithShape="0">
+                  <a:prstClr val="black">
+                    <a:alpha val="40000"/>
+                  </a:prstClr>
+                </a:outerShdw>
+              </a:effectLst>
+              <a:latin typeface="Times New Roman" panose="02020603050405020304" pitchFamily="18" charset="0"/>
+              <a:cs typeface="Times New Roman" panose="02020603050405020304" pitchFamily="18" charset="0"/>
+            </a:endParaRPr>
+          </a:p>
+          <a:p>
+            <a:pPr algn="ctr"/>
+            <a:endParaRPr lang="en-US" sz="4000" b="1" dirty="0">
+              <a:ln w="3175">
+                <a:noFill/>
+              </a:ln>
+              <a:solidFill>
+                <a:schemeClr val="bg1"/>
+              </a:solidFill>
+              <a:effectLst>
+                <a:outerShdw blurRad="50800" dist="38100" dir="8100000" algn="tr" rotWithShape="0">
+                  <a:prstClr val="black">
+                    <a:alpha val="40000"/>
+                  </a:prstClr>
+                </a:outerShdw>
+              </a:effectLst>
+              <a:latin typeface="Times New Roman" panose="02020603050405020304" pitchFamily="18" charset="0"/>
+              <a:cs typeface="Times New Roman" panose="02020603050405020304" pitchFamily="18" charset="0"/>
+            </a:endParaRPr>
+          </a:p>
+        </p:txBody>
+      </p:sp>
+      <p:sp>
+        <p:nvSpPr>
+          <p:cNvPr id="16" name="TextBox 15">
+            <a:extLst>
+              <a:ext uri="{FF2B5EF4-FFF2-40B4-BE49-F238E27FC236}">
+                <a16:creationId xmlns:a16="http://schemas.microsoft.com/office/drawing/2014/main" id="{0C4A2AD9-2293-4F21-B122-504C4BF10972}"/>
+              </a:ext>
+            </a:extLst>
+          </p:cNvPr>
+          <p:cNvSpPr txBox="1"/>
+          <p:nvPr/>
+        </p:nvSpPr>
+        <p:spPr>
+          <a:xfrm>
+            <a:off x="204905" y="2127813"/>
+            <a:ext cx="1867691" cy="2448747"/>
+          </a:xfrm>
+          <a:prstGeom prst="rect">
+            <a:avLst/>
+          </a:prstGeom>
+          <a:noFill/>
+          <a:ln w="9525">
+            <a:noFill/>
+          </a:ln>
+          <a:effectLst>
+            <a:outerShdw blurRad="50800" dist="38100" dir="8100000" algn="tr" rotWithShape="0">
+              <a:prstClr val="black">
+                <a:alpha val="40000"/>
+              </a:prstClr>
+            </a:outerShdw>
+          </a:effectLst>
+        </p:spPr>
+        <p:txBody>
+          <a:bodyPr wrap="none" rtlCol="0">
+            <a:spAutoFit/>
+          </a:bodyPr>
+          <a:lstStyle/>
+          <a:p>
+            <a:pPr>
+              <a:lnSpc>
+                <a:spcPct val="250000"/>
+              </a:lnSpc>
+            </a:pPr>
+            <a:r>
+              <a:rPr lang="en-US" sz="1600" b="1" dirty="0">
+                <a:ln w="3175">
+                  <a:noFill/>
+                </a:ln>
+                <a:solidFill>
+                  <a:schemeClr val="bg1"/>
+                </a:solidFill>
+                <a:effectLst>
+                  <a:outerShdw blurRad="50800" dist="38100" dir="8100000" algn="tr" rotWithShape="0">
+                    <a:prstClr val="black">
+                      <a:alpha val="40000"/>
+                    </a:prstClr>
+                  </a:outerShdw>
+                </a:effectLst>
+                <a:latin typeface="Times New Roman" panose="02020603050405020304" pitchFamily="18" charset="0"/>
+                <a:cs typeface="Times New Roman" panose="02020603050405020304" pitchFamily="18" charset="0"/>
+              </a:rPr>
+              <a:t>Declaration</a:t>
+            </a:r>
+            <a:br>
+              <a:rPr lang="en-US" sz="1600" b="1" dirty="0">
+                <a:ln w="3175">
+                  <a:noFill/>
+                </a:ln>
+                <a:solidFill>
+                  <a:schemeClr val="bg1"/>
+                </a:solidFill>
+                <a:effectLst>
+                  <a:outerShdw blurRad="50800" dist="38100" dir="8100000" algn="tr" rotWithShape="0">
+                    <a:prstClr val="black">
+                      <a:alpha val="40000"/>
+                    </a:prstClr>
+                  </a:outerShdw>
+                </a:effectLst>
+                <a:latin typeface="Times New Roman" panose="02020603050405020304" pitchFamily="18" charset="0"/>
+                <a:cs typeface="Times New Roman" panose="02020603050405020304" pitchFamily="18" charset="0"/>
+              </a:rPr>
+            </a:br>
+            <a:r>
+              <a:rPr lang="en-US" sz="1600" b="1" dirty="0">
+                <a:ln w="3175">
+                  <a:noFill/>
+                </a:ln>
+                <a:solidFill>
+                  <a:schemeClr val="bg1"/>
+                </a:solidFill>
+                <a:effectLst>
+                  <a:outerShdw blurRad="50800" dist="38100" dir="8100000" algn="tr" rotWithShape="0">
+                    <a:prstClr val="black">
+                      <a:alpha val="40000"/>
+                    </a:prstClr>
+                  </a:outerShdw>
+                </a:effectLst>
+                <a:latin typeface="Times New Roman" panose="02020603050405020304" pitchFamily="18" charset="0"/>
+                <a:cs typeface="Times New Roman" panose="02020603050405020304" pitchFamily="18" charset="0"/>
+              </a:rPr>
+              <a:t>Passing Arguments</a:t>
+            </a:r>
+          </a:p>
+          <a:p>
+            <a:pPr>
+              <a:lnSpc>
+                <a:spcPct val="250000"/>
+              </a:lnSpc>
+            </a:pPr>
+            <a:r>
+              <a:rPr lang="en-US" sz="1600" b="1" dirty="0">
+                <a:ln w="3175">
+                  <a:noFill/>
+                </a:ln>
+                <a:solidFill>
+                  <a:schemeClr val="bg1"/>
+                </a:solidFill>
+                <a:effectLst>
+                  <a:outerShdw blurRad="50800" dist="38100" dir="8100000" algn="tr" rotWithShape="0">
+                    <a:prstClr val="black">
+                      <a:alpha val="40000"/>
+                    </a:prstClr>
+                  </a:outerShdw>
+                </a:effectLst>
+                <a:latin typeface="Times New Roman" panose="02020603050405020304" pitchFamily="18" charset="0"/>
+                <a:cs typeface="Times New Roman" panose="02020603050405020304" pitchFamily="18" charset="0"/>
+              </a:rPr>
+              <a:t>Return  </a:t>
+            </a:r>
+          </a:p>
+          <a:p>
+            <a:pPr>
+              <a:lnSpc>
+                <a:spcPct val="250000"/>
+              </a:lnSpc>
+            </a:pPr>
+            <a:r>
+              <a:rPr lang="en-US" sz="1600" b="1" dirty="0">
+                <a:ln w="3175">
+                  <a:noFill/>
+                </a:ln>
+                <a:solidFill>
+                  <a:schemeClr val="bg1"/>
+                </a:solidFill>
+                <a:effectLst>
+                  <a:outerShdw blurRad="50800" dist="38100" dir="8100000" algn="tr" rotWithShape="0">
+                    <a:prstClr val="black">
+                      <a:alpha val="40000"/>
+                    </a:prstClr>
+                  </a:outerShdw>
+                </a:effectLst>
+                <a:latin typeface="Times New Roman" panose="02020603050405020304" pitchFamily="18" charset="0"/>
+                <a:cs typeface="Times New Roman" panose="02020603050405020304" pitchFamily="18" charset="0"/>
+              </a:rPr>
+              <a:t>Call</a:t>
+            </a:r>
+          </a:p>
+        </p:txBody>
+      </p:sp>
+      <p:sp>
+        <p:nvSpPr>
+          <p:cNvPr id="7" name="TextBox 6">
+            <a:extLst>
+              <a:ext uri="{FF2B5EF4-FFF2-40B4-BE49-F238E27FC236}">
+                <a16:creationId xmlns:a16="http://schemas.microsoft.com/office/drawing/2014/main" id="{B894CEB9-7B13-4032-8ACC-16563193D7B7}"/>
+              </a:ext>
+            </a:extLst>
+          </p:cNvPr>
+          <p:cNvSpPr txBox="1"/>
+          <p:nvPr/>
+        </p:nvSpPr>
+        <p:spPr>
+          <a:xfrm>
+            <a:off x="2910005" y="1408541"/>
+            <a:ext cx="9003543" cy="1438855"/>
+          </a:xfrm>
+          <a:prstGeom prst="rect">
+            <a:avLst/>
+          </a:prstGeom>
+          <a:noFill/>
+        </p:spPr>
+        <p:txBody>
+          <a:bodyPr wrap="square" rtlCol="0">
+            <a:spAutoFit/>
+          </a:bodyPr>
+          <a:lstStyle/>
+          <a:p>
+            <a:pPr>
+              <a:lnSpc>
+                <a:spcPct val="150000"/>
+              </a:lnSpc>
+            </a:pPr>
+            <a:r>
+              <a:rPr lang="as-IN" sz="2000" dirty="0">
+                <a:solidFill>
+                  <a:schemeClr val="bg1"/>
+                </a:solidFill>
+                <a:latin typeface="SolaimanLipi" panose="02000500020000020004" pitchFamily="2" charset="0"/>
+                <a:cs typeface="SolaimanLipi" panose="02000500020000020004" pitchFamily="2" charset="0"/>
+              </a:rPr>
+              <a:t>জাভাস্ক্রিপ্ট ফাংশন (</a:t>
+            </a:r>
+            <a:r>
+              <a:rPr lang="en-US" sz="2000" dirty="0">
+                <a:solidFill>
+                  <a:schemeClr val="bg1"/>
+                </a:solidFill>
+                <a:latin typeface="Times New Roman" panose="02020603050405020304" pitchFamily="18" charset="0"/>
+                <a:cs typeface="Times New Roman" panose="02020603050405020304" pitchFamily="18" charset="0"/>
+              </a:rPr>
+              <a:t>JavaScript function) </a:t>
+            </a:r>
+            <a:r>
+              <a:rPr lang="as-IN" sz="2000" dirty="0">
+                <a:solidFill>
+                  <a:schemeClr val="bg1"/>
+                </a:solidFill>
+                <a:latin typeface="SolaimanLipi" panose="02000500020000020004" pitchFamily="2" charset="0"/>
+                <a:cs typeface="SolaimanLipi" panose="02000500020000020004" pitchFamily="2" charset="0"/>
+              </a:rPr>
+              <a:t>হলো কোডের এমন একটা অংশ, যা কোনো নির্দিষ্ট কাজ সম্পাদন করার জন্য </a:t>
+            </a:r>
+            <a:r>
+              <a:rPr lang="en-US" sz="2000" dirty="0" err="1">
+                <a:solidFill>
+                  <a:schemeClr val="bg1"/>
+                </a:solidFill>
+                <a:latin typeface="SolaimanLipi" panose="02000500020000020004" pitchFamily="2" charset="0"/>
+                <a:cs typeface="SolaimanLipi" panose="02000500020000020004" pitchFamily="2" charset="0"/>
+              </a:rPr>
+              <a:t>ব্যবহার</a:t>
+            </a:r>
+            <a:r>
+              <a:rPr lang="en-US" sz="2000" dirty="0">
+                <a:solidFill>
+                  <a:schemeClr val="bg1"/>
+                </a:solidFill>
+                <a:latin typeface="SolaimanLipi" panose="02000500020000020004" pitchFamily="2" charset="0"/>
+                <a:cs typeface="SolaimanLipi" panose="02000500020000020004" pitchFamily="2" charset="0"/>
+              </a:rPr>
+              <a:t> </a:t>
+            </a:r>
+            <a:r>
+              <a:rPr lang="as-IN" sz="2000" dirty="0">
+                <a:solidFill>
+                  <a:schemeClr val="bg1"/>
+                </a:solidFill>
+                <a:latin typeface="SolaimanLipi" panose="02000500020000020004" pitchFamily="2" charset="0"/>
+                <a:cs typeface="SolaimanLipi" panose="02000500020000020004" pitchFamily="2" charset="0"/>
+              </a:rPr>
+              <a:t>করা হয়। </a:t>
+            </a:r>
+            <a:r>
+              <a:rPr lang="en-US" sz="2000" dirty="0">
+                <a:solidFill>
+                  <a:schemeClr val="bg1"/>
+                </a:solidFill>
+                <a:latin typeface="SolaimanLipi" panose="02000500020000020004" pitchFamily="2" charset="0"/>
+                <a:cs typeface="SolaimanLipi" panose="02000500020000020004" pitchFamily="2" charset="0"/>
+              </a:rPr>
+              <a:t> </a:t>
+            </a:r>
+            <a:r>
+              <a:rPr lang="as-IN" sz="2000" dirty="0">
+                <a:solidFill>
+                  <a:schemeClr val="bg1"/>
+                </a:solidFill>
+                <a:latin typeface="SolaimanLipi" panose="02000500020000020004" pitchFamily="2" charset="0"/>
+                <a:cs typeface="SolaimanLipi" panose="02000500020000020004" pitchFamily="2" charset="0"/>
+              </a:rPr>
+              <a:t>একে সহজ ভাবে বলতে পারেন, </a:t>
+            </a:r>
+            <a:r>
+              <a:rPr lang="en-US" sz="2000" dirty="0">
+                <a:solidFill>
+                  <a:schemeClr val="bg1"/>
+                </a:solidFill>
+                <a:latin typeface="SolaimanLipi" panose="02000500020000020004" pitchFamily="2" charset="0"/>
+                <a:cs typeface="SolaimanLipi" panose="02000500020000020004" pitchFamily="2" charset="0"/>
+              </a:rPr>
+              <a:t> </a:t>
+            </a:r>
+            <a:r>
+              <a:rPr lang="as-IN" sz="2000" dirty="0">
+                <a:solidFill>
+                  <a:schemeClr val="bg1"/>
+                </a:solidFill>
+                <a:latin typeface="SolaimanLipi" panose="02000500020000020004" pitchFamily="2" charset="0"/>
+                <a:cs typeface="SolaimanLipi" panose="02000500020000020004" pitchFamily="2" charset="0"/>
+              </a:rPr>
+              <a:t>নির্দিষ্ট </a:t>
+            </a:r>
+            <a:r>
+              <a:rPr lang="en-US" sz="2000" dirty="0" err="1">
+                <a:solidFill>
+                  <a:schemeClr val="bg1"/>
+                </a:solidFill>
+                <a:latin typeface="SolaimanLipi" panose="02000500020000020004" pitchFamily="2" charset="0"/>
+                <a:cs typeface="SolaimanLipi" panose="02000500020000020004" pitchFamily="2" charset="0"/>
+              </a:rPr>
+              <a:t>কয়েকটা</a:t>
+            </a:r>
+            <a:r>
+              <a:rPr lang="en-US" sz="2000" dirty="0">
+                <a:solidFill>
+                  <a:schemeClr val="bg1"/>
+                </a:solidFill>
+                <a:latin typeface="SolaimanLipi" panose="02000500020000020004" pitchFamily="2" charset="0"/>
+                <a:cs typeface="SolaimanLipi" panose="02000500020000020004" pitchFamily="2" charset="0"/>
+              </a:rPr>
+              <a:t> </a:t>
+            </a:r>
+            <a:r>
+              <a:rPr lang="en-US" sz="2000" dirty="0">
+                <a:solidFill>
+                  <a:schemeClr val="bg1"/>
+                </a:solidFill>
+                <a:latin typeface="Times New Roman" panose="02020603050405020304" pitchFamily="18" charset="0"/>
+                <a:cs typeface="Times New Roman" panose="02020603050405020304" pitchFamily="18" charset="0"/>
+              </a:rPr>
+              <a:t>Statement </a:t>
+            </a:r>
+            <a:r>
+              <a:rPr lang="as-IN" sz="2000" dirty="0">
+                <a:solidFill>
+                  <a:schemeClr val="bg1"/>
+                </a:solidFill>
+                <a:latin typeface="SolaimanLipi" panose="02000500020000020004" pitchFamily="2" charset="0"/>
+                <a:cs typeface="SolaimanLipi" panose="02000500020000020004" pitchFamily="2" charset="0"/>
+              </a:rPr>
+              <a:t>এ</a:t>
+            </a:r>
+            <a:r>
+              <a:rPr lang="en-US" sz="2000" dirty="0">
+                <a:solidFill>
+                  <a:schemeClr val="bg1"/>
+                </a:solidFill>
+                <a:latin typeface="SolaimanLipi" panose="02000500020000020004" pitchFamily="2" charset="0"/>
+                <a:cs typeface="SolaimanLipi" panose="02000500020000020004" pitchFamily="2" charset="0"/>
+              </a:rPr>
+              <a:t>র </a:t>
+            </a:r>
+            <a:r>
+              <a:rPr lang="en-US" sz="2000" dirty="0" err="1">
+                <a:solidFill>
+                  <a:schemeClr val="bg1"/>
+                </a:solidFill>
+                <a:latin typeface="SolaimanLipi" panose="02000500020000020004" pitchFamily="2" charset="0"/>
+                <a:cs typeface="SolaimanLipi" panose="02000500020000020004" pitchFamily="2" charset="0"/>
+              </a:rPr>
+              <a:t>একটি</a:t>
+            </a:r>
+            <a:r>
+              <a:rPr lang="as-IN" sz="2000" dirty="0">
+                <a:solidFill>
+                  <a:schemeClr val="bg1"/>
+                </a:solidFill>
+                <a:latin typeface="SolaimanLipi" panose="02000500020000020004" pitchFamily="2" charset="0"/>
+                <a:cs typeface="SolaimanLipi" panose="02000500020000020004" pitchFamily="2" charset="0"/>
+              </a:rPr>
+              <a:t> সেট, যা </a:t>
+            </a:r>
+            <a:r>
+              <a:rPr lang="en-US" sz="2000" dirty="0" err="1">
+                <a:solidFill>
+                  <a:schemeClr val="bg1"/>
+                </a:solidFill>
+                <a:latin typeface="SolaimanLipi" panose="02000500020000020004" pitchFamily="2" charset="0"/>
+                <a:cs typeface="SolaimanLipi" panose="02000500020000020004" pitchFamily="2" charset="0"/>
+              </a:rPr>
+              <a:t>একটি</a:t>
+            </a:r>
+            <a:r>
+              <a:rPr lang="en-US" sz="2000" dirty="0">
+                <a:solidFill>
+                  <a:schemeClr val="bg1"/>
+                </a:solidFill>
+                <a:latin typeface="SolaimanLipi" panose="02000500020000020004" pitchFamily="2" charset="0"/>
+                <a:cs typeface="SolaimanLipi" panose="02000500020000020004" pitchFamily="2" charset="0"/>
+              </a:rPr>
+              <a:t> </a:t>
+            </a:r>
+            <a:r>
+              <a:rPr lang="en-US" sz="2000" dirty="0" err="1">
+                <a:solidFill>
+                  <a:schemeClr val="bg1"/>
+                </a:solidFill>
+                <a:latin typeface="SolaimanLipi" panose="02000500020000020004" pitchFamily="2" charset="0"/>
+                <a:cs typeface="SolaimanLipi" panose="02000500020000020004" pitchFamily="2" charset="0"/>
+              </a:rPr>
+              <a:t>নির্দিষ্ট</a:t>
+            </a:r>
+            <a:r>
+              <a:rPr lang="as-IN" sz="2000" dirty="0">
+                <a:solidFill>
+                  <a:schemeClr val="bg1"/>
+                </a:solidFill>
+                <a:latin typeface="SolaimanLipi" panose="02000500020000020004" pitchFamily="2" charset="0"/>
+                <a:cs typeface="SolaimanLipi" panose="02000500020000020004" pitchFamily="2" charset="0"/>
+              </a:rPr>
+              <a:t> কাজ করার জন্য বারবার </a:t>
+            </a:r>
+            <a:r>
+              <a:rPr lang="en-US" sz="2000" dirty="0">
+                <a:solidFill>
+                  <a:schemeClr val="bg1"/>
+                </a:solidFill>
+                <a:latin typeface="Times New Roman" panose="02020603050405020304" pitchFamily="18" charset="0"/>
+                <a:cs typeface="Times New Roman" panose="02020603050405020304" pitchFamily="18" charset="0"/>
+              </a:rPr>
+              <a:t>call</a:t>
+            </a:r>
+            <a:r>
+              <a:rPr lang="en-US" sz="2000" dirty="0">
+                <a:solidFill>
+                  <a:schemeClr val="bg1"/>
+                </a:solidFill>
+                <a:latin typeface="SolaimanLipi" panose="02000500020000020004" pitchFamily="2" charset="0"/>
+                <a:cs typeface="SolaimanLipi" panose="02000500020000020004" pitchFamily="2" charset="0"/>
+              </a:rPr>
+              <a:t> </a:t>
+            </a:r>
+            <a:r>
+              <a:rPr lang="en-US" sz="2000" dirty="0" err="1">
+                <a:solidFill>
+                  <a:schemeClr val="bg1"/>
+                </a:solidFill>
+                <a:latin typeface="SolaimanLipi" panose="02000500020000020004" pitchFamily="2" charset="0"/>
+                <a:cs typeface="SolaimanLipi" panose="02000500020000020004" pitchFamily="2" charset="0"/>
+              </a:rPr>
+              <a:t>করা</a:t>
+            </a:r>
+            <a:r>
+              <a:rPr lang="en-US" sz="2000" dirty="0">
+                <a:solidFill>
+                  <a:schemeClr val="bg1"/>
+                </a:solidFill>
+                <a:latin typeface="SolaimanLipi" panose="02000500020000020004" pitchFamily="2" charset="0"/>
+                <a:cs typeface="SolaimanLipi" panose="02000500020000020004" pitchFamily="2" charset="0"/>
+              </a:rPr>
+              <a:t> </a:t>
+            </a:r>
+            <a:r>
+              <a:rPr lang="en-US" sz="2000" dirty="0" err="1">
+                <a:solidFill>
+                  <a:schemeClr val="bg1"/>
+                </a:solidFill>
+                <a:latin typeface="SolaimanLipi" panose="02000500020000020004" pitchFamily="2" charset="0"/>
+                <a:cs typeface="SolaimanLipi" panose="02000500020000020004" pitchFamily="2" charset="0"/>
+              </a:rPr>
+              <a:t>হয়</a:t>
+            </a:r>
+            <a:r>
+              <a:rPr lang="as-IN" sz="2000" dirty="0">
+                <a:solidFill>
+                  <a:schemeClr val="bg1"/>
+                </a:solidFill>
+                <a:latin typeface="SolaimanLipi" panose="02000500020000020004" pitchFamily="2" charset="0"/>
+                <a:cs typeface="SolaimanLipi" panose="02000500020000020004" pitchFamily="2" charset="0"/>
+              </a:rPr>
+              <a:t>।</a:t>
             </a:r>
           </a:p>
         </p:txBody>
@@ -7021,7 +10658,7 @@
 </p:sld>
 </file>
 
-<file path=ppt/slides/slide3.xml><?xml version="1.0" encoding="utf-8"?>
+<file path=ppt/slides/slide4.xml><?xml version="1.0" encoding="utf-8"?>
 <p:sld xmlns:a="http://schemas.openxmlformats.org/drawingml/2006/main" xmlns:r="http://schemas.openxmlformats.org/officeDocument/2006/relationships" xmlns:p="http://schemas.openxmlformats.org/presentationml/2006/main">
   <p:cSld>
     <p:bg>
@@ -7477,7 +11114,17 @@
                 <a:latin typeface="SolaimanLipi" panose="02000500020000020004" pitchFamily="2" charset="0"/>
                 <a:cs typeface="SolaimanLipi" panose="02000500020000020004" pitchFamily="2" charset="0"/>
               </a:rPr>
-              <a:t>হলো কোডের এমন একটা অংশ, যা কোনো নির্দিষ্ট কাজ সম্পাদন করার জন্য ডিজাইন করা হয়। </a:t>
+              <a:t>হলো কোডের এমন একটা অংশ, যা কোনো নির্দিষ্ট কাজ সম্পাদন করার জন্য </a:t>
+            </a:r>
+            <a:r>
+              <a:rPr lang="en-US" sz="2000" dirty="0" err="1">
+                <a:solidFill>
+                  <a:schemeClr val="bg1"/>
+                </a:solidFill>
+                <a:latin typeface="SolaimanLipi" panose="02000500020000020004" pitchFamily="2" charset="0"/>
+                <a:cs typeface="SolaimanLipi" panose="02000500020000020004" pitchFamily="2" charset="0"/>
+              </a:rPr>
+              <a:t>ব্যবহার</a:t>
             </a:r>
             <a:r>
               <a:rPr lang="en-US" sz="2000" dirty="0">
@@ -7497,6 +11144,26 @@
                 <a:latin typeface="SolaimanLipi" panose="02000500020000020004" pitchFamily="2" charset="0"/>
                 <a:cs typeface="SolaimanLipi" panose="02000500020000020004" pitchFamily="2" charset="0"/>
               </a:rPr>
+              <a:t>করা হয়। </a:t>
+            </a:r>
+            <a:r>
+              <a:rPr lang="en-US" sz="2000" dirty="0">
+                <a:solidFill>
+                  <a:schemeClr val="bg1"/>
+                </a:solidFill>
+                <a:latin typeface="SolaimanLipi" panose="02000500020000020004" pitchFamily="2" charset="0"/>
+                <a:cs typeface="SolaimanLipi" panose="02000500020000020004" pitchFamily="2" charset="0"/>
+              </a:rPr>
+              <a:t> </a:t>
+            </a:r>
+            <a:r>
+              <a:rPr lang="as-IN" sz="2000" dirty="0">
+                <a:solidFill>
+                  <a:schemeClr val="bg1"/>
+                </a:solidFill>
+                <a:latin typeface="SolaimanLipi" panose="02000500020000020004" pitchFamily="2" charset="0"/>
+                <a:cs typeface="SolaimanLipi" panose="02000500020000020004" pitchFamily="2" charset="0"/>
+              </a:rPr>
               <a:t>একে সহজ ভাবে বলতে পারেন, </a:t>
             </a:r>
             <a:r>
@@ -7517,7 +11184,177 @@
                 <a:latin typeface="SolaimanLipi" panose="02000500020000020004" pitchFamily="2" charset="0"/>
                 <a:cs typeface="SolaimanLipi" panose="02000500020000020004" pitchFamily="2" charset="0"/>
               </a:rPr>
-              <a:t>নির্দিষ্ট নির্দেশাবলীর একটা সেট, যা একটা কাজ করার জন্য বারবার ডাকা যেতে পারে।</a:t>
+              <a:t>নির্দিষ্ট </a:t>
+            </a:r>
+            <a:r>
+              <a:rPr lang="en-US" sz="2000" dirty="0" err="1">
+                <a:solidFill>
+                  <a:schemeClr val="bg1"/>
+                </a:solidFill>
+                <a:latin typeface="SolaimanLipi" panose="02000500020000020004" pitchFamily="2" charset="0"/>
+                <a:cs typeface="SolaimanLipi" panose="02000500020000020004" pitchFamily="2" charset="0"/>
+              </a:rPr>
+              <a:t>কয়েকটা</a:t>
+            </a:r>
+            <a:r>
+              <a:rPr lang="en-US" sz="2000" dirty="0">
+                <a:solidFill>
+                  <a:schemeClr val="bg1"/>
+                </a:solidFill>
+                <a:latin typeface="SolaimanLipi" panose="02000500020000020004" pitchFamily="2" charset="0"/>
+                <a:cs typeface="SolaimanLipi" panose="02000500020000020004" pitchFamily="2" charset="0"/>
+              </a:rPr>
+              <a:t> </a:t>
+            </a:r>
+            <a:r>
+              <a:rPr lang="en-US" sz="2000" dirty="0">
+                <a:solidFill>
+                  <a:schemeClr val="bg1"/>
+                </a:solidFill>
+                <a:latin typeface="Times New Roman" panose="02020603050405020304" pitchFamily="18" charset="0"/>
+                <a:cs typeface="Times New Roman" panose="02020603050405020304" pitchFamily="18" charset="0"/>
+              </a:rPr>
+              <a:t>Statement </a:t>
+            </a:r>
+            <a:r>
+              <a:rPr lang="as-IN" sz="2000" dirty="0">
+                <a:solidFill>
+                  <a:schemeClr val="bg1"/>
+                </a:solidFill>
+                <a:latin typeface="SolaimanLipi" panose="02000500020000020004" pitchFamily="2" charset="0"/>
+                <a:cs typeface="SolaimanLipi" panose="02000500020000020004" pitchFamily="2" charset="0"/>
+              </a:rPr>
+              <a:t>এ</a:t>
+            </a:r>
+            <a:r>
+              <a:rPr lang="en-US" sz="2000" dirty="0">
+                <a:solidFill>
+                  <a:schemeClr val="bg1"/>
+                </a:solidFill>
+                <a:latin typeface="SolaimanLipi" panose="02000500020000020004" pitchFamily="2" charset="0"/>
+                <a:cs typeface="SolaimanLipi" panose="02000500020000020004" pitchFamily="2" charset="0"/>
+              </a:rPr>
+              <a:t>র </a:t>
+            </a:r>
+            <a:r>
+              <a:rPr lang="en-US" sz="2000" dirty="0" err="1">
+                <a:solidFill>
+                  <a:schemeClr val="bg1"/>
+                </a:solidFill>
+                <a:latin typeface="SolaimanLipi" panose="02000500020000020004" pitchFamily="2" charset="0"/>
+                <a:cs typeface="SolaimanLipi" panose="02000500020000020004" pitchFamily="2" charset="0"/>
+              </a:rPr>
+              <a:t>একটি</a:t>
+            </a:r>
+            <a:r>
+              <a:rPr lang="as-IN" sz="2000" dirty="0">
+                <a:solidFill>
+                  <a:schemeClr val="bg1"/>
+                </a:solidFill>
+                <a:latin typeface="SolaimanLipi" panose="02000500020000020004" pitchFamily="2" charset="0"/>
+                <a:cs typeface="SolaimanLipi" panose="02000500020000020004" pitchFamily="2" charset="0"/>
+              </a:rPr>
+              <a:t> সেট, যা </a:t>
+            </a:r>
+            <a:r>
+              <a:rPr lang="en-US" sz="2000" dirty="0" err="1">
+                <a:solidFill>
+                  <a:schemeClr val="bg1"/>
+                </a:solidFill>
+                <a:latin typeface="SolaimanLipi" panose="02000500020000020004" pitchFamily="2" charset="0"/>
+                <a:cs typeface="SolaimanLipi" panose="02000500020000020004" pitchFamily="2" charset="0"/>
+              </a:rPr>
+              <a:t>একটি</a:t>
+            </a:r>
+            <a:r>
+              <a:rPr lang="en-US" sz="2000" dirty="0">
+                <a:solidFill>
+                  <a:schemeClr val="bg1"/>
+                </a:solidFill>
+                <a:latin typeface="SolaimanLipi" panose="02000500020000020004" pitchFamily="2" charset="0"/>
+                <a:cs typeface="SolaimanLipi" panose="02000500020000020004" pitchFamily="2" charset="0"/>
+              </a:rPr>
+              <a:t> </a:t>
+            </a:r>
+            <a:r>
+              <a:rPr lang="en-US" sz="2000" dirty="0" err="1">
+                <a:solidFill>
+                  <a:schemeClr val="bg1"/>
+                </a:solidFill>
+                <a:latin typeface="SolaimanLipi" panose="02000500020000020004" pitchFamily="2" charset="0"/>
+                <a:cs typeface="SolaimanLipi" panose="02000500020000020004" pitchFamily="2" charset="0"/>
+              </a:rPr>
+              <a:t>নির্দিষ্ট</a:t>
+            </a:r>
+            <a:r>
+              <a:rPr lang="as-IN" sz="2000" dirty="0">
+                <a:solidFill>
+                  <a:schemeClr val="bg1"/>
+                </a:solidFill>
+                <a:latin typeface="SolaimanLipi" panose="02000500020000020004" pitchFamily="2" charset="0"/>
+                <a:cs typeface="SolaimanLipi" panose="02000500020000020004" pitchFamily="2" charset="0"/>
+              </a:rPr>
+              <a:t> কাজ করার জন্য বারবার </a:t>
+            </a:r>
+            <a:r>
+              <a:rPr lang="en-US" sz="2000" dirty="0">
+                <a:solidFill>
+                  <a:schemeClr val="bg1"/>
+                </a:solidFill>
+                <a:latin typeface="Times New Roman" panose="02020603050405020304" pitchFamily="18" charset="0"/>
+                <a:cs typeface="Times New Roman" panose="02020603050405020304" pitchFamily="18" charset="0"/>
+              </a:rPr>
+              <a:t>call</a:t>
+            </a:r>
+            <a:r>
+              <a:rPr lang="en-US" sz="2000" dirty="0">
+                <a:solidFill>
+                  <a:schemeClr val="bg1"/>
+                </a:solidFill>
+                <a:latin typeface="SolaimanLipi" panose="02000500020000020004" pitchFamily="2" charset="0"/>
+                <a:cs typeface="SolaimanLipi" panose="02000500020000020004" pitchFamily="2" charset="0"/>
+              </a:rPr>
+              <a:t> </a:t>
+            </a:r>
+            <a:r>
+              <a:rPr lang="en-US" sz="2000" dirty="0" err="1">
+                <a:solidFill>
+                  <a:schemeClr val="bg1"/>
+                </a:solidFill>
+                <a:latin typeface="SolaimanLipi" panose="02000500020000020004" pitchFamily="2" charset="0"/>
+                <a:cs typeface="SolaimanLipi" panose="02000500020000020004" pitchFamily="2" charset="0"/>
+              </a:rPr>
+              <a:t>করা</a:t>
+            </a:r>
+            <a:r>
+              <a:rPr lang="en-US" sz="2000" dirty="0">
+                <a:solidFill>
+                  <a:schemeClr val="bg1"/>
+                </a:solidFill>
+                <a:latin typeface="SolaimanLipi" panose="02000500020000020004" pitchFamily="2" charset="0"/>
+                <a:cs typeface="SolaimanLipi" panose="02000500020000020004" pitchFamily="2" charset="0"/>
+              </a:rPr>
+              <a:t> </a:t>
+            </a:r>
+            <a:r>
+              <a:rPr lang="en-US" sz="2000" dirty="0" err="1">
+                <a:solidFill>
+                  <a:schemeClr val="bg1"/>
+                </a:solidFill>
+                <a:latin typeface="SolaimanLipi" panose="02000500020000020004" pitchFamily="2" charset="0"/>
+                <a:cs typeface="SolaimanLipi" panose="02000500020000020004" pitchFamily="2" charset="0"/>
+              </a:rPr>
+              <a:t>হয়</a:t>
+            </a:r>
+            <a:r>
+              <a:rPr lang="as-IN" sz="2000" dirty="0">
+                <a:solidFill>
+                  <a:schemeClr val="bg1"/>
+                </a:solidFill>
+                <a:latin typeface="SolaimanLipi" panose="02000500020000020004" pitchFamily="2" charset="0"/>
+                <a:cs typeface="SolaimanLipi" panose="02000500020000020004" pitchFamily="2" charset="0"/>
+              </a:rPr>
+              <a:t>।</a:t>
             </a:r>
           </a:p>
         </p:txBody>
@@ -8143,7 +11980,7 @@
 </p:sld>
 </file>
 
-<file path=ppt/slides/slide4.xml><?xml version="1.0" encoding="utf-8"?>
+<file path=ppt/slides/slide5.xml><?xml version="1.0" encoding="utf-8"?>
 <p:sld xmlns:a="http://schemas.openxmlformats.org/drawingml/2006/main" xmlns:r="http://schemas.openxmlformats.org/officeDocument/2006/relationships" xmlns:p="http://schemas.openxmlformats.org/presentationml/2006/main">
   <p:cSld>
     <p:bg>
@@ -8599,7 +12436,17 @@
                 <a:latin typeface="SolaimanLipi" panose="02000500020000020004" pitchFamily="2" charset="0"/>
                 <a:cs typeface="SolaimanLipi" panose="02000500020000020004" pitchFamily="2" charset="0"/>
               </a:rPr>
-              <a:t>হলো কোডের এমন একটা অংশ, যা কোনো নির্দিষ্ট কাজ সম্পাদন করার জন্য ডিজাইন করা হয়। </a:t>
+              <a:t>হলো কোডের এমন একটা অংশ, যা কোনো নির্দিষ্ট কাজ সম্পাদন করার জন্য </a:t>
+            </a:r>
+            <a:r>
+              <a:rPr lang="en-US" sz="2000" dirty="0" err="1">
+                <a:solidFill>
+                  <a:schemeClr val="bg1"/>
+                </a:solidFill>
+                <a:latin typeface="SolaimanLipi" panose="02000500020000020004" pitchFamily="2" charset="0"/>
+                <a:cs typeface="SolaimanLipi" panose="02000500020000020004" pitchFamily="2" charset="0"/>
+              </a:rPr>
+              <a:t>ব্যবহার</a:t>
             </a:r>
             <a:r>
               <a:rPr lang="en-US" sz="2000" dirty="0">
@@ -8619,6 +12466,26 @@
                 <a:latin typeface="SolaimanLipi" panose="02000500020000020004" pitchFamily="2" charset="0"/>
                 <a:cs typeface="SolaimanLipi" panose="02000500020000020004" pitchFamily="2" charset="0"/>
               </a:rPr>
+              <a:t>করা হয়। </a:t>
+            </a:r>
+            <a:r>
+              <a:rPr lang="en-US" sz="2000" dirty="0">
+                <a:solidFill>
+                  <a:schemeClr val="bg1"/>
+                </a:solidFill>
+                <a:latin typeface="SolaimanLipi" panose="02000500020000020004" pitchFamily="2" charset="0"/>
+                <a:cs typeface="SolaimanLipi" panose="02000500020000020004" pitchFamily="2" charset="0"/>
+              </a:rPr>
+              <a:t> </a:t>
+            </a:r>
+            <a:r>
+              <a:rPr lang="as-IN" sz="2000" dirty="0">
+                <a:solidFill>
+                  <a:schemeClr val="bg1"/>
+                </a:solidFill>
+                <a:latin typeface="SolaimanLipi" panose="02000500020000020004" pitchFamily="2" charset="0"/>
+                <a:cs typeface="SolaimanLipi" panose="02000500020000020004" pitchFamily="2" charset="0"/>
+              </a:rPr>
               <a:t>একে সহজ ভাবে বলতে পারেন, </a:t>
             </a:r>
             <a:r>
@@ -8639,7 +12506,177 @@
                 <a:latin typeface="SolaimanLipi" panose="02000500020000020004" pitchFamily="2" charset="0"/>
                 <a:cs typeface="SolaimanLipi" panose="02000500020000020004" pitchFamily="2" charset="0"/>
               </a:rPr>
-              <a:t>নির্দিষ্ট নির্দেশাবলীর একটা সেট, যা একটা কাজ করার জন্য বারবার ডাকা যেতে পারে।</a:t>
+              <a:t>নির্দিষ্ট </a:t>
+            </a:r>
+            <a:r>
+              <a:rPr lang="en-US" sz="2000" dirty="0" err="1">
+                <a:solidFill>
+                  <a:schemeClr val="bg1"/>
+                </a:solidFill>
+                <a:latin typeface="SolaimanLipi" panose="02000500020000020004" pitchFamily="2" charset="0"/>
+                <a:cs typeface="SolaimanLipi" panose="02000500020000020004" pitchFamily="2" charset="0"/>
+              </a:rPr>
+              <a:t>কয়েকটা</a:t>
+            </a:r>
+            <a:r>
+              <a:rPr lang="en-US" sz="2000" dirty="0">
+                <a:solidFill>
+                  <a:schemeClr val="bg1"/>
+                </a:solidFill>
+                <a:latin typeface="SolaimanLipi" panose="02000500020000020004" pitchFamily="2" charset="0"/>
+                <a:cs typeface="SolaimanLipi" panose="02000500020000020004" pitchFamily="2" charset="0"/>
+              </a:rPr>
+              <a:t> </a:t>
+            </a:r>
+            <a:r>
+              <a:rPr lang="en-US" sz="2000" dirty="0">
+                <a:solidFill>
+                  <a:schemeClr val="bg1"/>
+                </a:solidFill>
+                <a:latin typeface="Times New Roman" panose="02020603050405020304" pitchFamily="18" charset="0"/>
+                <a:cs typeface="Times New Roman" panose="02020603050405020304" pitchFamily="18" charset="0"/>
+              </a:rPr>
+              <a:t>Statement </a:t>
+            </a:r>
+            <a:r>
+              <a:rPr lang="as-IN" sz="2000" dirty="0">
+                <a:solidFill>
+                  <a:schemeClr val="bg1"/>
+                </a:solidFill>
+                <a:latin typeface="SolaimanLipi" panose="02000500020000020004" pitchFamily="2" charset="0"/>
+                <a:cs typeface="SolaimanLipi" panose="02000500020000020004" pitchFamily="2" charset="0"/>
+              </a:rPr>
+              <a:t>এ</a:t>
+            </a:r>
+            <a:r>
+              <a:rPr lang="en-US" sz="2000" dirty="0">
+                <a:solidFill>
+                  <a:schemeClr val="bg1"/>
+                </a:solidFill>
+                <a:latin typeface="SolaimanLipi" panose="02000500020000020004" pitchFamily="2" charset="0"/>
+                <a:cs typeface="SolaimanLipi" panose="02000500020000020004" pitchFamily="2" charset="0"/>
+              </a:rPr>
+              <a:t>র </a:t>
+            </a:r>
+            <a:r>
+              <a:rPr lang="en-US" sz="2000" dirty="0" err="1">
+                <a:solidFill>
+                  <a:schemeClr val="bg1"/>
+                </a:solidFill>
+                <a:latin typeface="SolaimanLipi" panose="02000500020000020004" pitchFamily="2" charset="0"/>
+                <a:cs typeface="SolaimanLipi" panose="02000500020000020004" pitchFamily="2" charset="0"/>
+              </a:rPr>
+              <a:t>একটি</a:t>
+            </a:r>
+            <a:r>
+              <a:rPr lang="as-IN" sz="2000" dirty="0">
+                <a:solidFill>
+                  <a:schemeClr val="bg1"/>
+                </a:solidFill>
+                <a:latin typeface="SolaimanLipi" panose="02000500020000020004" pitchFamily="2" charset="0"/>
+                <a:cs typeface="SolaimanLipi" panose="02000500020000020004" pitchFamily="2" charset="0"/>
+              </a:rPr>
+              <a:t> সেট, যা </a:t>
+            </a:r>
+            <a:r>
+              <a:rPr lang="en-US" sz="2000" dirty="0" err="1">
+                <a:solidFill>
+                  <a:schemeClr val="bg1"/>
+                </a:solidFill>
+                <a:latin typeface="SolaimanLipi" panose="02000500020000020004" pitchFamily="2" charset="0"/>
+                <a:cs typeface="SolaimanLipi" panose="02000500020000020004" pitchFamily="2" charset="0"/>
+              </a:rPr>
+              <a:t>একটি</a:t>
+            </a:r>
+            <a:r>
+              <a:rPr lang="en-US" sz="2000" dirty="0">
+                <a:solidFill>
+                  <a:schemeClr val="bg1"/>
+                </a:solidFill>
+                <a:latin typeface="SolaimanLipi" panose="02000500020000020004" pitchFamily="2" charset="0"/>
+                <a:cs typeface="SolaimanLipi" panose="02000500020000020004" pitchFamily="2" charset="0"/>
+              </a:rPr>
+              <a:t> </a:t>
+            </a:r>
+            <a:r>
+              <a:rPr lang="en-US" sz="2000" dirty="0" err="1">
+                <a:solidFill>
+                  <a:schemeClr val="bg1"/>
+                </a:solidFill>
+                <a:latin typeface="SolaimanLipi" panose="02000500020000020004" pitchFamily="2" charset="0"/>
+                <a:cs typeface="SolaimanLipi" panose="02000500020000020004" pitchFamily="2" charset="0"/>
+              </a:rPr>
+              <a:t>নির্দিষ্ট</a:t>
+            </a:r>
+            <a:r>
+              <a:rPr lang="as-IN" sz="2000" dirty="0">
+                <a:solidFill>
+                  <a:schemeClr val="bg1"/>
+                </a:solidFill>
+                <a:latin typeface="SolaimanLipi" panose="02000500020000020004" pitchFamily="2" charset="0"/>
+                <a:cs typeface="SolaimanLipi" panose="02000500020000020004" pitchFamily="2" charset="0"/>
+              </a:rPr>
+              <a:t> কাজ করার জন্য বারবার </a:t>
+            </a:r>
+            <a:r>
+              <a:rPr lang="en-US" sz="2000" dirty="0">
+                <a:solidFill>
+                  <a:schemeClr val="bg1"/>
+                </a:solidFill>
+                <a:latin typeface="Times New Roman" panose="02020603050405020304" pitchFamily="18" charset="0"/>
+                <a:cs typeface="Times New Roman" panose="02020603050405020304" pitchFamily="18" charset="0"/>
+              </a:rPr>
+              <a:t>call</a:t>
+            </a:r>
+            <a:r>
+              <a:rPr lang="en-US" sz="2000" dirty="0">
+                <a:solidFill>
+                  <a:schemeClr val="bg1"/>
+                </a:solidFill>
+                <a:latin typeface="SolaimanLipi" panose="02000500020000020004" pitchFamily="2" charset="0"/>
+                <a:cs typeface="SolaimanLipi" panose="02000500020000020004" pitchFamily="2" charset="0"/>
+              </a:rPr>
+              <a:t> </a:t>
+            </a:r>
+            <a:r>
+              <a:rPr lang="en-US" sz="2000" dirty="0" err="1">
+                <a:solidFill>
+                  <a:schemeClr val="bg1"/>
+                </a:solidFill>
+                <a:latin typeface="SolaimanLipi" panose="02000500020000020004" pitchFamily="2" charset="0"/>
+                <a:cs typeface="SolaimanLipi" panose="02000500020000020004" pitchFamily="2" charset="0"/>
+              </a:rPr>
+              <a:t>করা</a:t>
+            </a:r>
+            <a:r>
+              <a:rPr lang="en-US" sz="2000" dirty="0">
+                <a:solidFill>
+                  <a:schemeClr val="bg1"/>
+                </a:solidFill>
+                <a:latin typeface="SolaimanLipi" panose="02000500020000020004" pitchFamily="2" charset="0"/>
+                <a:cs typeface="SolaimanLipi" panose="02000500020000020004" pitchFamily="2" charset="0"/>
+              </a:rPr>
+              <a:t> </a:t>
+            </a:r>
+            <a:r>
+              <a:rPr lang="en-US" sz="2000" dirty="0" err="1">
+                <a:solidFill>
+                  <a:schemeClr val="bg1"/>
+                </a:solidFill>
+                <a:latin typeface="SolaimanLipi" panose="02000500020000020004" pitchFamily="2" charset="0"/>
+                <a:cs typeface="SolaimanLipi" panose="02000500020000020004" pitchFamily="2" charset="0"/>
+              </a:rPr>
+              <a:t>হয়</a:t>
+            </a:r>
+            <a:r>
+              <a:rPr lang="as-IN" sz="2000" dirty="0">
+                <a:solidFill>
+                  <a:schemeClr val="bg1"/>
+                </a:solidFill>
+                <a:latin typeface="SolaimanLipi" panose="02000500020000020004" pitchFamily="2" charset="0"/>
+                <a:cs typeface="SolaimanLipi" panose="02000500020000020004" pitchFamily="2" charset="0"/>
+              </a:rPr>
+              <a:t>।</a:t>
             </a:r>
           </a:p>
         </p:txBody>
@@ -9429,7 +13466,7 @@
 </p:sld>
 </file>
 
-<file path=ppt/slides/slide5.xml><?xml version="1.0" encoding="utf-8"?>
+<file path=ppt/slides/slide6.xml><?xml version="1.0" encoding="utf-8"?>
 <p:sld xmlns:a="http://schemas.openxmlformats.org/drawingml/2006/main" xmlns:r="http://schemas.openxmlformats.org/officeDocument/2006/relationships" xmlns:p="http://schemas.openxmlformats.org/presentationml/2006/main">
   <p:cSld>
     <p:bg>
@@ -9885,7 +13922,17 @@
                 <a:latin typeface="SolaimanLipi" panose="02000500020000020004" pitchFamily="2" charset="0"/>
                 <a:cs typeface="SolaimanLipi" panose="02000500020000020004" pitchFamily="2" charset="0"/>
               </a:rPr>
-              <a:t>হলো কোডের এমন একটা অংশ, যা কোনো নির্দিষ্ট কাজ সম্পাদন করার জন্য ডিজাইন করা হয়। </a:t>
+              <a:t>হলো কোডের এমন একটা অংশ, যা কোনো নির্দিষ্ট কাজ সম্পাদন করার জন্য </a:t>
+            </a:r>
+            <a:r>
+              <a:rPr lang="en-US" sz="2000" dirty="0" err="1">
+                <a:solidFill>
+                  <a:schemeClr val="bg1"/>
+                </a:solidFill>
+                <a:latin typeface="SolaimanLipi" panose="02000500020000020004" pitchFamily="2" charset="0"/>
+                <a:cs typeface="SolaimanLipi" panose="02000500020000020004" pitchFamily="2" charset="0"/>
+              </a:rPr>
+              <a:t>ব্যবহার</a:t>
             </a:r>
             <a:r>
               <a:rPr lang="en-US" sz="2000" dirty="0">
@@ -9905,6 +13952,26 @@
                 <a:latin typeface="SolaimanLipi" panose="02000500020000020004" pitchFamily="2" charset="0"/>
                 <a:cs typeface="SolaimanLipi" panose="02000500020000020004" pitchFamily="2" charset="0"/>
               </a:rPr>
+              <a:t>করা হয়। </a:t>
+            </a:r>
+            <a:r>
+              <a:rPr lang="en-US" sz="2000" dirty="0">
+                <a:solidFill>
+                  <a:schemeClr val="bg1"/>
+                </a:solidFill>
+                <a:latin typeface="SolaimanLipi" panose="02000500020000020004" pitchFamily="2" charset="0"/>
+                <a:cs typeface="SolaimanLipi" panose="02000500020000020004" pitchFamily="2" charset="0"/>
+              </a:rPr>
+              <a:t> </a:t>
+            </a:r>
+            <a:r>
+              <a:rPr lang="as-IN" sz="2000" dirty="0">
+                <a:solidFill>
+                  <a:schemeClr val="bg1"/>
+                </a:solidFill>
+                <a:latin typeface="SolaimanLipi" panose="02000500020000020004" pitchFamily="2" charset="0"/>
+                <a:cs typeface="SolaimanLipi" panose="02000500020000020004" pitchFamily="2" charset="0"/>
+              </a:rPr>
               <a:t>একে সহজ ভাবে বলতে পারেন, </a:t>
             </a:r>
             <a:r>
@@ -9925,7 +13992,177 @@
                 <a:latin typeface="SolaimanLipi" panose="02000500020000020004" pitchFamily="2" charset="0"/>
                 <a:cs typeface="SolaimanLipi" panose="02000500020000020004" pitchFamily="2" charset="0"/>
               </a:rPr>
-              <a:t>নির্দিষ্ট নির্দেশাবলীর একটা সেট, যা একটা কাজ করার জন্য বারবার ডাকা যেতে পারে।</a:t>
+              <a:t>নির্দিষ্ট </a:t>
+            </a:r>
+            <a:r>
+              <a:rPr lang="en-US" sz="2000" dirty="0" err="1">
+                <a:solidFill>
+                  <a:schemeClr val="bg1"/>
+                </a:solidFill>
+                <a:latin typeface="SolaimanLipi" panose="02000500020000020004" pitchFamily="2" charset="0"/>
+                <a:cs typeface="SolaimanLipi" panose="02000500020000020004" pitchFamily="2" charset="0"/>
+              </a:rPr>
+              <a:t>কয়েকটা</a:t>
+            </a:r>
+            <a:r>
+              <a:rPr lang="en-US" sz="2000" dirty="0">
+                <a:solidFill>
+                  <a:schemeClr val="bg1"/>
+                </a:solidFill>
+                <a:latin typeface="SolaimanLipi" panose="02000500020000020004" pitchFamily="2" charset="0"/>
+                <a:cs typeface="SolaimanLipi" panose="02000500020000020004" pitchFamily="2" charset="0"/>
+              </a:rPr>
+              <a:t> </a:t>
+            </a:r>
+            <a:r>
+              <a:rPr lang="en-US" sz="2000" dirty="0">
+                <a:solidFill>
+                  <a:schemeClr val="bg1"/>
+                </a:solidFill>
+                <a:latin typeface="Times New Roman" panose="02020603050405020304" pitchFamily="18" charset="0"/>
+                <a:cs typeface="Times New Roman" panose="02020603050405020304" pitchFamily="18" charset="0"/>
+              </a:rPr>
+              <a:t>Statement </a:t>
+            </a:r>
+            <a:r>
+              <a:rPr lang="as-IN" sz="2000" dirty="0">
+                <a:solidFill>
+                  <a:schemeClr val="bg1"/>
+                </a:solidFill>
+                <a:latin typeface="SolaimanLipi" panose="02000500020000020004" pitchFamily="2" charset="0"/>
+                <a:cs typeface="SolaimanLipi" panose="02000500020000020004" pitchFamily="2" charset="0"/>
+              </a:rPr>
+              <a:t>এ</a:t>
+            </a:r>
+            <a:r>
+              <a:rPr lang="en-US" sz="2000" dirty="0">
+                <a:solidFill>
+                  <a:schemeClr val="bg1"/>
+                </a:solidFill>
+                <a:latin typeface="SolaimanLipi" panose="02000500020000020004" pitchFamily="2" charset="0"/>
+                <a:cs typeface="SolaimanLipi" panose="02000500020000020004" pitchFamily="2" charset="0"/>
+              </a:rPr>
+              <a:t>র </a:t>
+            </a:r>
+            <a:r>
+              <a:rPr lang="en-US" sz="2000" dirty="0" err="1">
+                <a:solidFill>
+                  <a:schemeClr val="bg1"/>
+                </a:solidFill>
+                <a:latin typeface="SolaimanLipi" panose="02000500020000020004" pitchFamily="2" charset="0"/>
+                <a:cs typeface="SolaimanLipi" panose="02000500020000020004" pitchFamily="2" charset="0"/>
+              </a:rPr>
+              <a:t>একটি</a:t>
+            </a:r>
+            <a:r>
+              <a:rPr lang="as-IN" sz="2000" dirty="0">
+                <a:solidFill>
+                  <a:schemeClr val="bg1"/>
+                </a:solidFill>
+                <a:latin typeface="SolaimanLipi" panose="02000500020000020004" pitchFamily="2" charset="0"/>
+                <a:cs typeface="SolaimanLipi" panose="02000500020000020004" pitchFamily="2" charset="0"/>
+              </a:rPr>
+              <a:t> সেট, যা </a:t>
+            </a:r>
+            <a:r>
+              <a:rPr lang="en-US" sz="2000" dirty="0" err="1">
+                <a:solidFill>
+                  <a:schemeClr val="bg1"/>
+                </a:solidFill>
+                <a:latin typeface="SolaimanLipi" panose="02000500020000020004" pitchFamily="2" charset="0"/>
+                <a:cs typeface="SolaimanLipi" panose="02000500020000020004" pitchFamily="2" charset="0"/>
+              </a:rPr>
+              <a:t>একটি</a:t>
+            </a:r>
+            <a:r>
+              <a:rPr lang="en-US" sz="2000" dirty="0">
+                <a:solidFill>
+                  <a:schemeClr val="bg1"/>
+                </a:solidFill>
+                <a:latin typeface="SolaimanLipi" panose="02000500020000020004" pitchFamily="2" charset="0"/>
+                <a:cs typeface="SolaimanLipi" panose="02000500020000020004" pitchFamily="2" charset="0"/>
+              </a:rPr>
+              <a:t> </a:t>
+            </a:r>
+            <a:r>
+              <a:rPr lang="en-US" sz="2000" dirty="0" err="1">
+                <a:solidFill>
+                  <a:schemeClr val="bg1"/>
+                </a:solidFill>
+                <a:latin typeface="SolaimanLipi" panose="02000500020000020004" pitchFamily="2" charset="0"/>
+                <a:cs typeface="SolaimanLipi" panose="02000500020000020004" pitchFamily="2" charset="0"/>
+              </a:rPr>
+              <a:t>নির্দিষ্ট</a:t>
+            </a:r>
+            <a:r>
+              <a:rPr lang="as-IN" sz="2000" dirty="0">
+                <a:solidFill>
+                  <a:schemeClr val="bg1"/>
+                </a:solidFill>
+                <a:latin typeface="SolaimanLipi" panose="02000500020000020004" pitchFamily="2" charset="0"/>
+                <a:cs typeface="SolaimanLipi" panose="02000500020000020004" pitchFamily="2" charset="0"/>
+              </a:rPr>
+              <a:t> কাজ করার জন্য বারবার </a:t>
+            </a:r>
+            <a:r>
+              <a:rPr lang="en-US" sz="2000" dirty="0">
+                <a:solidFill>
+                  <a:schemeClr val="bg1"/>
+                </a:solidFill>
+                <a:latin typeface="Times New Roman" panose="02020603050405020304" pitchFamily="18" charset="0"/>
+                <a:cs typeface="Times New Roman" panose="02020603050405020304" pitchFamily="18" charset="0"/>
+              </a:rPr>
+              <a:t>call</a:t>
+            </a:r>
+            <a:r>
+              <a:rPr lang="en-US" sz="2000" dirty="0">
+                <a:solidFill>
+                  <a:schemeClr val="bg1"/>
+                </a:solidFill>
+                <a:latin typeface="SolaimanLipi" panose="02000500020000020004" pitchFamily="2" charset="0"/>
+                <a:cs typeface="SolaimanLipi" panose="02000500020000020004" pitchFamily="2" charset="0"/>
+              </a:rPr>
+              <a:t> </a:t>
+            </a:r>
+            <a:r>
+              <a:rPr lang="en-US" sz="2000" dirty="0" err="1">
+                <a:solidFill>
+                  <a:schemeClr val="bg1"/>
+                </a:solidFill>
+                <a:latin typeface="SolaimanLipi" panose="02000500020000020004" pitchFamily="2" charset="0"/>
+                <a:cs typeface="SolaimanLipi" panose="02000500020000020004" pitchFamily="2" charset="0"/>
+              </a:rPr>
+              <a:t>করা</a:t>
+            </a:r>
+            <a:r>
+              <a:rPr lang="en-US" sz="2000" dirty="0">
+                <a:solidFill>
+                  <a:schemeClr val="bg1"/>
+                </a:solidFill>
+                <a:latin typeface="SolaimanLipi" panose="02000500020000020004" pitchFamily="2" charset="0"/>
+                <a:cs typeface="SolaimanLipi" panose="02000500020000020004" pitchFamily="2" charset="0"/>
+              </a:rPr>
+              <a:t> </a:t>
+            </a:r>
+            <a:r>
+              <a:rPr lang="en-US" sz="2000" dirty="0" err="1">
+                <a:solidFill>
+                  <a:schemeClr val="bg1"/>
+                </a:solidFill>
+                <a:latin typeface="SolaimanLipi" panose="02000500020000020004" pitchFamily="2" charset="0"/>
+                <a:cs typeface="SolaimanLipi" panose="02000500020000020004" pitchFamily="2" charset="0"/>
+              </a:rPr>
+              <a:t>হয়</a:t>
+            </a:r>
+            <a:r>
+              <a:rPr lang="as-IN" sz="2000" dirty="0">
+                <a:solidFill>
+                  <a:schemeClr val="bg1"/>
+                </a:solidFill>
+                <a:latin typeface="SolaimanLipi" panose="02000500020000020004" pitchFamily="2" charset="0"/>
+                <a:cs typeface="SolaimanLipi" panose="02000500020000020004" pitchFamily="2" charset="0"/>
+              </a:rPr>
+              <a:t>।</a:t>
             </a:r>
           </a:p>
         </p:txBody>
@@ -11161,6 +15398,47 @@
                 <a:cs typeface="SolaimanLipi" panose="02000500020000020004" pitchFamily="2" charset="0"/>
               </a:rPr>
               <a:t>  </a:t>
+            </a:r>
+          </a:p>
+        </p:txBody>
+      </p:sp>
+      <p:sp>
+        <p:nvSpPr>
+          <p:cNvPr id="22" name="TextBox 21">
+            <a:extLst>
+              <a:ext uri="{FF2B5EF4-FFF2-40B4-BE49-F238E27FC236}">
+                <a16:creationId xmlns:a16="http://schemas.microsoft.com/office/drawing/2014/main" id="{54C92E51-4482-4752-8762-658D183A3299}"/>
+              </a:ext>
+            </a:extLst>
+          </p:cNvPr>
+          <p:cNvSpPr txBox="1"/>
+          <p:nvPr/>
+        </p:nvSpPr>
+        <p:spPr>
+          <a:xfrm>
+            <a:off x="2946864" y="190038"/>
+            <a:ext cx="8470000" cy="1107996"/>
+          </a:xfrm>
+          <a:prstGeom prst="rect">
+            <a:avLst/>
+          </a:prstGeom>
+          <a:noFill/>
+        </p:spPr>
+        <p:txBody>
+          <a:bodyPr wrap="square" rtlCol="0">
+            <a:spAutoFit/>
+          </a:bodyPr>
+          <a:lstStyle/>
+          <a:p>
+            <a:r>
+              <a:rPr lang="en-US" sz="6600" b="1" dirty="0">
+                <a:solidFill>
+                  <a:srgbClr val="FFB119"/>
+                </a:solidFill>
+                <a:latin typeface="Times New Roman" panose="02020603050405020304" pitchFamily="18" charset="0"/>
+                <a:cs typeface="Times New Roman" panose="02020603050405020304" pitchFamily="18" charset="0"/>
+              </a:rPr>
+              <a:t>Function</a:t>
             </a:r>
           </a:p>
         </p:txBody>
@@ -11830,7 +16108,7 @@
 </p:sld>
 </file>
 
-<file path=ppt/slides/slide6.xml><?xml version="1.0" encoding="utf-8"?>
+<file path=ppt/slides/slide7.xml><?xml version="1.0" encoding="utf-8"?>
 <p:sld xmlns:a="http://schemas.openxmlformats.org/drawingml/2006/main" xmlns:r="http://schemas.openxmlformats.org/officeDocument/2006/relationships" xmlns:p="http://schemas.openxmlformats.org/presentationml/2006/main">
   <p:cSld>
     <p:bg>
@@ -12286,7 +16564,17 @@
                 <a:latin typeface="SolaimanLipi" panose="02000500020000020004" pitchFamily="2" charset="0"/>
                 <a:cs typeface="SolaimanLipi" panose="02000500020000020004" pitchFamily="2" charset="0"/>
               </a:rPr>
-              <a:t>হলো কোডের এমন একটা অংশ, যা কোনো নির্দিষ্ট কাজ সম্পাদন করার জন্য ডিজাইন করা হয়। </a:t>
+              <a:t>হলো কোডের এমন একটা অংশ, যা কোনো নির্দিষ্ট কাজ সম্পাদন করার জন্য </a:t>
+            </a:r>
+            <a:r>
+              <a:rPr lang="en-US" sz="2000" dirty="0" err="1">
+                <a:solidFill>
+                  <a:schemeClr val="bg1"/>
+                </a:solidFill>
+                <a:latin typeface="SolaimanLipi" panose="02000500020000020004" pitchFamily="2" charset="0"/>
+                <a:cs typeface="SolaimanLipi" panose="02000500020000020004" pitchFamily="2" charset="0"/>
+              </a:rPr>
+              <a:t>ব্যবহার</a:t>
             </a:r>
             <a:r>
               <a:rPr lang="en-US" sz="2000" dirty="0">
@@ -12306,6 +16594,26 @@
                 <a:latin typeface="SolaimanLipi" panose="02000500020000020004" pitchFamily="2" charset="0"/>
                 <a:cs typeface="SolaimanLipi" panose="02000500020000020004" pitchFamily="2" charset="0"/>
               </a:rPr>
+              <a:t>করা হয়। </a:t>
+            </a:r>
+            <a:r>
+              <a:rPr lang="en-US" sz="2000" dirty="0">
+                <a:solidFill>
+                  <a:schemeClr val="bg1"/>
+                </a:solidFill>
+                <a:latin typeface="SolaimanLipi" panose="02000500020000020004" pitchFamily="2" charset="0"/>
+                <a:cs typeface="SolaimanLipi" panose="02000500020000020004" pitchFamily="2" charset="0"/>
+              </a:rPr>
+              <a:t> </a:t>
+            </a:r>
+            <a:r>
+              <a:rPr lang="as-IN" sz="2000" dirty="0">
+                <a:solidFill>
+                  <a:schemeClr val="bg1"/>
+                </a:solidFill>
+                <a:latin typeface="SolaimanLipi" panose="02000500020000020004" pitchFamily="2" charset="0"/>
+                <a:cs typeface="SolaimanLipi" panose="02000500020000020004" pitchFamily="2" charset="0"/>
+              </a:rPr>
               <a:t>একে সহজ ভাবে বলতে পারেন, </a:t>
             </a:r>
             <a:r>
@@ -12326,7 +16634,177 @@
                 <a:latin typeface="SolaimanLipi" panose="02000500020000020004" pitchFamily="2" charset="0"/>
                 <a:cs typeface="SolaimanLipi" panose="02000500020000020004" pitchFamily="2" charset="0"/>
               </a:rPr>
-              <a:t>নির্দিষ্ট নির্দেশাবলীর একটা সেট, যা একটা কাজ করার জন্য বারবার ডাকা যেতে পারে।</a:t>
+              <a:t>নির্দিষ্ট </a:t>
+            </a:r>
+            <a:r>
+              <a:rPr lang="en-US" sz="2000" dirty="0" err="1">
+                <a:solidFill>
+                  <a:schemeClr val="bg1"/>
+                </a:solidFill>
+                <a:latin typeface="SolaimanLipi" panose="02000500020000020004" pitchFamily="2" charset="0"/>
+                <a:cs typeface="SolaimanLipi" panose="02000500020000020004" pitchFamily="2" charset="0"/>
+              </a:rPr>
+              <a:t>কয়েকটা</a:t>
+            </a:r>
+            <a:r>
+              <a:rPr lang="en-US" sz="2000" dirty="0">
+                <a:solidFill>
+                  <a:schemeClr val="bg1"/>
+                </a:solidFill>
+                <a:latin typeface="SolaimanLipi" panose="02000500020000020004" pitchFamily="2" charset="0"/>
+                <a:cs typeface="SolaimanLipi" panose="02000500020000020004" pitchFamily="2" charset="0"/>
+              </a:rPr>
+              <a:t> </a:t>
+            </a:r>
+            <a:r>
+              <a:rPr lang="en-US" sz="2000" dirty="0">
+                <a:solidFill>
+                  <a:schemeClr val="bg1"/>
+                </a:solidFill>
+                <a:latin typeface="Times New Roman" panose="02020603050405020304" pitchFamily="18" charset="0"/>
+                <a:cs typeface="Times New Roman" panose="02020603050405020304" pitchFamily="18" charset="0"/>
+              </a:rPr>
+              <a:t>Statement </a:t>
+            </a:r>
+            <a:r>
+              <a:rPr lang="as-IN" sz="2000" dirty="0">
+                <a:solidFill>
+                  <a:schemeClr val="bg1"/>
+                </a:solidFill>
+                <a:latin typeface="SolaimanLipi" panose="02000500020000020004" pitchFamily="2" charset="0"/>
+                <a:cs typeface="SolaimanLipi" panose="02000500020000020004" pitchFamily="2" charset="0"/>
+              </a:rPr>
+              <a:t>এ</a:t>
+            </a:r>
+            <a:r>
+              <a:rPr lang="en-US" sz="2000" dirty="0">
+                <a:solidFill>
+                  <a:schemeClr val="bg1"/>
+                </a:solidFill>
+                <a:latin typeface="SolaimanLipi" panose="02000500020000020004" pitchFamily="2" charset="0"/>
+                <a:cs typeface="SolaimanLipi" panose="02000500020000020004" pitchFamily="2" charset="0"/>
+              </a:rPr>
+              <a:t>র </a:t>
+            </a:r>
+            <a:r>
+              <a:rPr lang="en-US" sz="2000" dirty="0" err="1">
+                <a:solidFill>
+                  <a:schemeClr val="bg1"/>
+                </a:solidFill>
+                <a:latin typeface="SolaimanLipi" panose="02000500020000020004" pitchFamily="2" charset="0"/>
+                <a:cs typeface="SolaimanLipi" panose="02000500020000020004" pitchFamily="2" charset="0"/>
+              </a:rPr>
+              <a:t>একটি</a:t>
+            </a:r>
+            <a:r>
+              <a:rPr lang="as-IN" sz="2000" dirty="0">
+                <a:solidFill>
+                  <a:schemeClr val="bg1"/>
+                </a:solidFill>
+                <a:latin typeface="SolaimanLipi" panose="02000500020000020004" pitchFamily="2" charset="0"/>
+                <a:cs typeface="SolaimanLipi" panose="02000500020000020004" pitchFamily="2" charset="0"/>
+              </a:rPr>
+              <a:t> সেট, যা </a:t>
+            </a:r>
+            <a:r>
+              <a:rPr lang="en-US" sz="2000" dirty="0" err="1">
+                <a:solidFill>
+                  <a:schemeClr val="bg1"/>
+                </a:solidFill>
+                <a:latin typeface="SolaimanLipi" panose="02000500020000020004" pitchFamily="2" charset="0"/>
+                <a:cs typeface="SolaimanLipi" panose="02000500020000020004" pitchFamily="2" charset="0"/>
+              </a:rPr>
+              <a:t>একটি</a:t>
+            </a:r>
+            <a:r>
+              <a:rPr lang="en-US" sz="2000" dirty="0">
+                <a:solidFill>
+                  <a:schemeClr val="bg1"/>
+                </a:solidFill>
+                <a:latin typeface="SolaimanLipi" panose="02000500020000020004" pitchFamily="2" charset="0"/>
+                <a:cs typeface="SolaimanLipi" panose="02000500020000020004" pitchFamily="2" charset="0"/>
+              </a:rPr>
+              <a:t> </a:t>
+            </a:r>
+            <a:r>
+              <a:rPr lang="en-US" sz="2000" dirty="0" err="1">
+                <a:solidFill>
+                  <a:schemeClr val="bg1"/>
+                </a:solidFill>
+                <a:latin typeface="SolaimanLipi" panose="02000500020000020004" pitchFamily="2" charset="0"/>
+                <a:cs typeface="SolaimanLipi" panose="02000500020000020004" pitchFamily="2" charset="0"/>
+              </a:rPr>
+              <a:t>নির্দিষ্ট</a:t>
+            </a:r>
+            <a:r>
+              <a:rPr lang="as-IN" sz="2000" dirty="0">
+                <a:solidFill>
+                  <a:schemeClr val="bg1"/>
+                </a:solidFill>
+                <a:latin typeface="SolaimanLipi" panose="02000500020000020004" pitchFamily="2" charset="0"/>
+                <a:cs typeface="SolaimanLipi" panose="02000500020000020004" pitchFamily="2" charset="0"/>
+              </a:rPr>
+              <a:t> কাজ করার জন্য বারবার </a:t>
+            </a:r>
+            <a:r>
+              <a:rPr lang="en-US" sz="2000" dirty="0">
+                <a:solidFill>
+                  <a:schemeClr val="bg1"/>
+                </a:solidFill>
+                <a:latin typeface="Times New Roman" panose="02020603050405020304" pitchFamily="18" charset="0"/>
+                <a:cs typeface="Times New Roman" panose="02020603050405020304" pitchFamily="18" charset="0"/>
+              </a:rPr>
+              <a:t>call</a:t>
+            </a:r>
+            <a:r>
+              <a:rPr lang="en-US" sz="2000" dirty="0">
+                <a:solidFill>
+                  <a:schemeClr val="bg1"/>
+                </a:solidFill>
+                <a:latin typeface="SolaimanLipi" panose="02000500020000020004" pitchFamily="2" charset="0"/>
+                <a:cs typeface="SolaimanLipi" panose="02000500020000020004" pitchFamily="2" charset="0"/>
+              </a:rPr>
+              <a:t> </a:t>
+            </a:r>
+            <a:r>
+              <a:rPr lang="en-US" sz="2000" dirty="0" err="1">
+                <a:solidFill>
+                  <a:schemeClr val="bg1"/>
+                </a:solidFill>
+                <a:latin typeface="SolaimanLipi" panose="02000500020000020004" pitchFamily="2" charset="0"/>
+                <a:cs typeface="SolaimanLipi" panose="02000500020000020004" pitchFamily="2" charset="0"/>
+              </a:rPr>
+              <a:t>করা</a:t>
+            </a:r>
+            <a:r>
+              <a:rPr lang="en-US" sz="2000" dirty="0">
+                <a:solidFill>
+                  <a:schemeClr val="bg1"/>
+                </a:solidFill>
+                <a:latin typeface="SolaimanLipi" panose="02000500020000020004" pitchFamily="2" charset="0"/>
+                <a:cs typeface="SolaimanLipi" panose="02000500020000020004" pitchFamily="2" charset="0"/>
+              </a:rPr>
+              <a:t> </a:t>
+            </a:r>
+            <a:r>
+              <a:rPr lang="en-US" sz="2000" dirty="0" err="1">
+                <a:solidFill>
+                  <a:schemeClr val="bg1"/>
+                </a:solidFill>
+                <a:latin typeface="SolaimanLipi" panose="02000500020000020004" pitchFamily="2" charset="0"/>
+                <a:cs typeface="SolaimanLipi" panose="02000500020000020004" pitchFamily="2" charset="0"/>
+              </a:rPr>
+              <a:t>হয়</a:t>
+            </a:r>
+            <a:r>
+              <a:rPr lang="as-IN" sz="2000" dirty="0">
+                <a:solidFill>
+                  <a:schemeClr val="bg1"/>
+                </a:solidFill>
+                <a:latin typeface="SolaimanLipi" panose="02000500020000020004" pitchFamily="2" charset="0"/>
+                <a:cs typeface="SolaimanLipi" panose="02000500020000020004" pitchFamily="2" charset="0"/>
+              </a:rPr>
+              <a:t>।</a:t>
             </a:r>
           </a:p>
         </p:txBody>
@@ -12810,6 +17288,47 @@
           </a:prstGeom>
         </p:spPr>
       </p:pic>
+      <p:sp>
+        <p:nvSpPr>
+          <p:cNvPr id="13" name="TextBox 12">
+            <a:extLst>
+              <a:ext uri="{FF2B5EF4-FFF2-40B4-BE49-F238E27FC236}">
+                <a16:creationId xmlns:a16="http://schemas.microsoft.com/office/drawing/2014/main" id="{607C4BA8-622C-4933-867B-2D291734FD48}"/>
+              </a:ext>
+            </a:extLst>
+          </p:cNvPr>
+          <p:cNvSpPr txBox="1"/>
+          <p:nvPr/>
+        </p:nvSpPr>
+        <p:spPr>
+          <a:xfrm>
+            <a:off x="2946864" y="190038"/>
+            <a:ext cx="8470000" cy="1107996"/>
+          </a:xfrm>
+          <a:prstGeom prst="rect">
+            <a:avLst/>
+          </a:prstGeom>
+          <a:noFill/>
+        </p:spPr>
+        <p:txBody>
+          <a:bodyPr wrap="square" rtlCol="0">
+            <a:spAutoFit/>
+          </a:bodyPr>
+          <a:lstStyle/>
+          <a:p>
+            <a:r>
+              <a:rPr lang="en-US" sz="6600" b="1" dirty="0">
+                <a:solidFill>
+                  <a:srgbClr val="FFB119"/>
+                </a:solidFill>
+                <a:latin typeface="Times New Roman" panose="02020603050405020304" pitchFamily="18" charset="0"/>
+                <a:cs typeface="Times New Roman" panose="02020603050405020304" pitchFamily="18" charset="0"/>
+              </a:rPr>
+              <a:t>Function</a:t>
+            </a:r>
+          </a:p>
+        </p:txBody>
+      </p:sp>
     </p:spTree>
     <p:extLst>
       <p:ext uri="{BB962C8B-B14F-4D97-AF65-F5344CB8AC3E}">
@@ -13015,7 +17534,7 @@
 </p:sld>
 </file>
 
-<file path=ppt/slides/slide7.xml><?xml version="1.0" encoding="utf-8"?>
+<file path=ppt/slides/slide8.xml><?xml version="1.0" encoding="utf-8"?>
 <p:sld xmlns:a="http://schemas.openxmlformats.org/drawingml/2006/main" xmlns:r="http://schemas.openxmlformats.org/officeDocument/2006/relationships" xmlns:p="http://schemas.openxmlformats.org/presentationml/2006/main">
   <p:cSld>
     <p:bg>
@@ -13471,7 +17990,17 @@
                 <a:latin typeface="SolaimanLipi" panose="02000500020000020004" pitchFamily="2" charset="0"/>
                 <a:cs typeface="SolaimanLipi" panose="02000500020000020004" pitchFamily="2" charset="0"/>
               </a:rPr>
-              <a:t>হলো কোডের এমন একটা অংশ, যা কোনো নির্দিষ্ট কাজ সম্পাদন করার জন্য ডিজাইন করা হয়। </a:t>
+              <a:t>হলো কোডের এমন একটা অংশ, যা কোনো নির্দিষ্ট কাজ সম্পাদন করার জন্য </a:t>
+            </a:r>
+            <a:r>
+              <a:rPr lang="en-US" sz="2000" dirty="0" err="1">
+                <a:solidFill>
+                  <a:schemeClr val="bg1"/>
+                </a:solidFill>
+                <a:latin typeface="SolaimanLipi" panose="02000500020000020004" pitchFamily="2" charset="0"/>
+                <a:cs typeface="SolaimanLipi" panose="02000500020000020004" pitchFamily="2" charset="0"/>
+              </a:rPr>
+              <a:t>ব্যবহার</a:t>
             </a:r>
             <a:r>
               <a:rPr lang="en-US" sz="2000" dirty="0">
@@ -13491,6 +18020,26 @@
                 <a:latin typeface="SolaimanLipi" panose="02000500020000020004" pitchFamily="2" charset="0"/>
                 <a:cs typeface="SolaimanLipi" panose="02000500020000020004" pitchFamily="2" charset="0"/>
               </a:rPr>
+              <a:t>করা হয়। </a:t>
+            </a:r>
+            <a:r>
+              <a:rPr lang="en-US" sz="2000" dirty="0">
+                <a:solidFill>
+                  <a:schemeClr val="bg1"/>
+                </a:solidFill>
+                <a:latin typeface="SolaimanLipi" panose="02000500020000020004" pitchFamily="2" charset="0"/>
+                <a:cs typeface="SolaimanLipi" panose="02000500020000020004" pitchFamily="2" charset="0"/>
+              </a:rPr>
+              <a:t> </a:t>
+            </a:r>
+            <a:r>
+              <a:rPr lang="as-IN" sz="2000" dirty="0">
+                <a:solidFill>
+                  <a:schemeClr val="bg1"/>
+                </a:solidFill>
+                <a:latin typeface="SolaimanLipi" panose="02000500020000020004" pitchFamily="2" charset="0"/>
+                <a:cs typeface="SolaimanLipi" panose="02000500020000020004" pitchFamily="2" charset="0"/>
+              </a:rPr>
               <a:t>একে সহজ ভাবে বলতে পারেন, </a:t>
             </a:r>
             <a:r>
@@ -13511,7 +18060,177 @@
                 <a:latin typeface="SolaimanLipi" panose="02000500020000020004" pitchFamily="2" charset="0"/>
                 <a:cs typeface="SolaimanLipi" panose="02000500020000020004" pitchFamily="2" charset="0"/>
               </a:rPr>
-              <a:t>নির্দিষ্ট নির্দেশাবলীর একটা সেট, যা একটা কাজ করার জন্য বারবার ডাকা যেতে পারে।</a:t>
+              <a:t>নির্দিষ্ট </a:t>
+            </a:r>
+            <a:r>
+              <a:rPr lang="en-US" sz="2000" dirty="0" err="1">
+                <a:solidFill>
+                  <a:schemeClr val="bg1"/>
+                </a:solidFill>
+                <a:latin typeface="SolaimanLipi" panose="02000500020000020004" pitchFamily="2" charset="0"/>
+                <a:cs typeface="SolaimanLipi" panose="02000500020000020004" pitchFamily="2" charset="0"/>
+              </a:rPr>
+              <a:t>কয়েকটা</a:t>
+            </a:r>
+            <a:r>
+              <a:rPr lang="en-US" sz="2000" dirty="0">
+                <a:solidFill>
+                  <a:schemeClr val="bg1"/>
+                </a:solidFill>
+                <a:latin typeface="SolaimanLipi" panose="02000500020000020004" pitchFamily="2" charset="0"/>
+                <a:cs typeface="SolaimanLipi" panose="02000500020000020004" pitchFamily="2" charset="0"/>
+              </a:rPr>
+              <a:t> </a:t>
+            </a:r>
+            <a:r>
+              <a:rPr lang="en-US" sz="2000" dirty="0">
+                <a:solidFill>
+                  <a:schemeClr val="bg1"/>
+                </a:solidFill>
+                <a:latin typeface="Times New Roman" panose="02020603050405020304" pitchFamily="18" charset="0"/>
+                <a:cs typeface="Times New Roman" panose="02020603050405020304" pitchFamily="18" charset="0"/>
+              </a:rPr>
+              <a:t>Statement </a:t>
+            </a:r>
+            <a:r>
+              <a:rPr lang="as-IN" sz="2000" dirty="0">
+                <a:solidFill>
+                  <a:schemeClr val="bg1"/>
+                </a:solidFill>
+                <a:latin typeface="SolaimanLipi" panose="02000500020000020004" pitchFamily="2" charset="0"/>
+                <a:cs typeface="SolaimanLipi" panose="02000500020000020004" pitchFamily="2" charset="0"/>
+              </a:rPr>
+              <a:t>এ</a:t>
+            </a:r>
+            <a:r>
+              <a:rPr lang="en-US" sz="2000" dirty="0">
+                <a:solidFill>
+                  <a:schemeClr val="bg1"/>
+                </a:solidFill>
+                <a:latin typeface="SolaimanLipi" panose="02000500020000020004" pitchFamily="2" charset="0"/>
+                <a:cs typeface="SolaimanLipi" panose="02000500020000020004" pitchFamily="2" charset="0"/>
+              </a:rPr>
+              <a:t>র </a:t>
+            </a:r>
+            <a:r>
+              <a:rPr lang="en-US" sz="2000" dirty="0" err="1">
+                <a:solidFill>
+                  <a:schemeClr val="bg1"/>
+                </a:solidFill>
+                <a:latin typeface="SolaimanLipi" panose="02000500020000020004" pitchFamily="2" charset="0"/>
+                <a:cs typeface="SolaimanLipi" panose="02000500020000020004" pitchFamily="2" charset="0"/>
+              </a:rPr>
+              <a:t>একটি</a:t>
+            </a:r>
+            <a:r>
+              <a:rPr lang="as-IN" sz="2000" dirty="0">
+                <a:solidFill>
+                  <a:schemeClr val="bg1"/>
+                </a:solidFill>
+                <a:latin typeface="SolaimanLipi" panose="02000500020000020004" pitchFamily="2" charset="0"/>
+                <a:cs typeface="SolaimanLipi" panose="02000500020000020004" pitchFamily="2" charset="0"/>
+              </a:rPr>
+              <a:t> সেট, যা </a:t>
+            </a:r>
+            <a:r>
+              <a:rPr lang="en-US" sz="2000" dirty="0" err="1">
+                <a:solidFill>
+                  <a:schemeClr val="bg1"/>
+                </a:solidFill>
+                <a:latin typeface="SolaimanLipi" panose="02000500020000020004" pitchFamily="2" charset="0"/>
+                <a:cs typeface="SolaimanLipi" panose="02000500020000020004" pitchFamily="2" charset="0"/>
+              </a:rPr>
+              <a:t>একটি</a:t>
+            </a:r>
+            <a:r>
+              <a:rPr lang="en-US" sz="2000" dirty="0">
+                <a:solidFill>
+                  <a:schemeClr val="bg1"/>
+                </a:solidFill>
+                <a:latin typeface="SolaimanLipi" panose="02000500020000020004" pitchFamily="2" charset="0"/>
+                <a:cs typeface="SolaimanLipi" panose="02000500020000020004" pitchFamily="2" charset="0"/>
+              </a:rPr>
+              <a:t> </a:t>
+            </a:r>
+            <a:r>
+              <a:rPr lang="en-US" sz="2000" dirty="0" err="1">
+                <a:solidFill>
+                  <a:schemeClr val="bg1"/>
+                </a:solidFill>
+                <a:latin typeface="SolaimanLipi" panose="02000500020000020004" pitchFamily="2" charset="0"/>
+                <a:cs typeface="SolaimanLipi" panose="02000500020000020004" pitchFamily="2" charset="0"/>
+              </a:rPr>
+              <a:t>নির্দিষ্ট</a:t>
+            </a:r>
+            <a:r>
+              <a:rPr lang="as-IN" sz="2000" dirty="0">
+                <a:solidFill>
+                  <a:schemeClr val="bg1"/>
+                </a:solidFill>
+                <a:latin typeface="SolaimanLipi" panose="02000500020000020004" pitchFamily="2" charset="0"/>
+                <a:cs typeface="SolaimanLipi" panose="02000500020000020004" pitchFamily="2" charset="0"/>
+              </a:rPr>
+              <a:t> কাজ করার জন্য বারবার </a:t>
+            </a:r>
+            <a:r>
+              <a:rPr lang="en-US" sz="2000" dirty="0">
+                <a:solidFill>
+                  <a:schemeClr val="bg1"/>
+                </a:solidFill>
+                <a:latin typeface="Times New Roman" panose="02020603050405020304" pitchFamily="18" charset="0"/>
+                <a:cs typeface="Times New Roman" panose="02020603050405020304" pitchFamily="18" charset="0"/>
+              </a:rPr>
+              <a:t>call</a:t>
+            </a:r>
+            <a:r>
+              <a:rPr lang="en-US" sz="2000" dirty="0">
+                <a:solidFill>
+                  <a:schemeClr val="bg1"/>
+                </a:solidFill>
+                <a:latin typeface="SolaimanLipi" panose="02000500020000020004" pitchFamily="2" charset="0"/>
+                <a:cs typeface="SolaimanLipi" panose="02000500020000020004" pitchFamily="2" charset="0"/>
+              </a:rPr>
+              <a:t> </a:t>
+            </a:r>
+            <a:r>
+              <a:rPr lang="en-US" sz="2000" dirty="0" err="1">
+                <a:solidFill>
+                  <a:schemeClr val="bg1"/>
+                </a:solidFill>
+                <a:latin typeface="SolaimanLipi" panose="02000500020000020004" pitchFamily="2" charset="0"/>
+                <a:cs typeface="SolaimanLipi" panose="02000500020000020004" pitchFamily="2" charset="0"/>
+              </a:rPr>
+              <a:t>করা</a:t>
+            </a:r>
+            <a:r>
+              <a:rPr lang="en-US" sz="2000" dirty="0">
+                <a:solidFill>
+                  <a:schemeClr val="bg1"/>
+                </a:solidFill>
+                <a:latin typeface="SolaimanLipi" panose="02000500020000020004" pitchFamily="2" charset="0"/>
+                <a:cs typeface="SolaimanLipi" panose="02000500020000020004" pitchFamily="2" charset="0"/>
+              </a:rPr>
+              <a:t> </a:t>
+            </a:r>
+            <a:r>
+              <a:rPr lang="en-US" sz="2000" dirty="0" err="1">
+                <a:solidFill>
+                  <a:schemeClr val="bg1"/>
+                </a:solidFill>
+                <a:latin typeface="SolaimanLipi" panose="02000500020000020004" pitchFamily="2" charset="0"/>
+                <a:cs typeface="SolaimanLipi" panose="02000500020000020004" pitchFamily="2" charset="0"/>
+              </a:rPr>
+              <a:t>হয়</a:t>
+            </a:r>
+            <a:r>
+              <a:rPr lang="as-IN" sz="2000" dirty="0">
+                <a:solidFill>
+                  <a:schemeClr val="bg1"/>
+                </a:solidFill>
+                <a:latin typeface="SolaimanLipi" panose="02000500020000020004" pitchFamily="2" charset="0"/>
+                <a:cs typeface="SolaimanLipi" panose="02000500020000020004" pitchFamily="2" charset="0"/>
+              </a:rPr>
+              <a:t>।</a:t>
             </a:r>
           </a:p>
         </p:txBody>
@@ -14075,6 +18794,47 @@
           </a:p>
         </p:txBody>
       </p:sp>
+      <p:sp>
+        <p:nvSpPr>
+          <p:cNvPr id="13" name="TextBox 12">
+            <a:extLst>
+              <a:ext uri="{FF2B5EF4-FFF2-40B4-BE49-F238E27FC236}">
+                <a16:creationId xmlns:a16="http://schemas.microsoft.com/office/drawing/2014/main" id="{B0EE2F51-BA26-43B2-AFC7-58401ECBE582}"/>
+              </a:ext>
+            </a:extLst>
+          </p:cNvPr>
+          <p:cNvSpPr txBox="1"/>
+          <p:nvPr/>
+        </p:nvSpPr>
+        <p:spPr>
+          <a:xfrm>
+            <a:off x="2946864" y="190038"/>
+            <a:ext cx="8470000" cy="1107996"/>
+          </a:xfrm>
+          <a:prstGeom prst="rect">
+            <a:avLst/>
+          </a:prstGeom>
+          <a:noFill/>
+        </p:spPr>
+        <p:txBody>
+          <a:bodyPr wrap="square" rtlCol="0">
+            <a:spAutoFit/>
+          </a:bodyPr>
+          <a:lstStyle/>
+          <a:p>
+            <a:r>
+              <a:rPr lang="en-US" sz="6600" b="1" dirty="0">
+                <a:solidFill>
+                  <a:srgbClr val="FFB119"/>
+                </a:solidFill>
+                <a:latin typeface="Times New Roman" panose="02020603050405020304" pitchFamily="18" charset="0"/>
+                <a:cs typeface="Times New Roman" panose="02020603050405020304" pitchFamily="18" charset="0"/>
+              </a:rPr>
+              <a:t>Function</a:t>
+            </a:r>
+          </a:p>
+        </p:txBody>
+      </p:sp>
     </p:spTree>
     <p:extLst>
       <p:ext uri="{BB962C8B-B14F-4D97-AF65-F5344CB8AC3E}">
@@ -14174,7 +18934,7 @@
 </p:sld>
 </file>
 
-<file path=ppt/slides/slide8.xml><?xml version="1.0" encoding="utf-8"?>
+<file path=ppt/slides/slide9.xml><?xml version="1.0" encoding="utf-8"?>
 <p:sld xmlns:a="http://schemas.openxmlformats.org/drawingml/2006/main" xmlns:r="http://schemas.openxmlformats.org/officeDocument/2006/relationships" xmlns:p="http://schemas.openxmlformats.org/presentationml/2006/main">
   <p:cSld>
     <p:bg>
@@ -14630,7 +19390,17 @@
                 <a:latin typeface="SolaimanLipi" panose="02000500020000020004" pitchFamily="2" charset="0"/>
                 <a:cs typeface="SolaimanLipi" panose="02000500020000020004" pitchFamily="2" charset="0"/>
               </a:rPr>
-              <a:t>হলো কোডের এমন একটা অংশ, যা কোনো নির্দিষ্ট কাজ সম্পাদন করার জন্য ডিজাইন করা হয়। </a:t>
+              <a:t>হলো কোডের এমন একটা অংশ, যা কোনো নির্দিষ্ট কাজ সম্পাদন করার জন্য </a:t>
+            </a:r>
+            <a:r>
+              <a:rPr lang="en-US" sz="2000" dirty="0" err="1">
+                <a:solidFill>
+                  <a:schemeClr val="bg1"/>
+                </a:solidFill>
+                <a:latin typeface="SolaimanLipi" panose="02000500020000020004" pitchFamily="2" charset="0"/>
+                <a:cs typeface="SolaimanLipi" panose="02000500020000020004" pitchFamily="2" charset="0"/>
+              </a:rPr>
+              <a:t>ব্যবহার</a:t>
             </a:r>
             <a:r>
               <a:rPr lang="en-US" sz="2000" dirty="0">
@@ -14650,6 +19420,26 @@
                 <a:latin typeface="SolaimanLipi" panose="02000500020000020004" pitchFamily="2" charset="0"/>
                 <a:cs typeface="SolaimanLipi" panose="02000500020000020004" pitchFamily="2" charset="0"/>
               </a:rPr>
+              <a:t>করা হয়। </a:t>
+            </a:r>
+            <a:r>
+              <a:rPr lang="en-US" sz="2000" dirty="0">
+                <a:solidFill>
+                  <a:schemeClr val="bg1"/>
+                </a:solidFill>
+                <a:latin typeface="SolaimanLipi" panose="02000500020000020004" pitchFamily="2" charset="0"/>
+                <a:cs typeface="SolaimanLipi" panose="02000500020000020004" pitchFamily="2" charset="0"/>
+              </a:rPr>
+              <a:t> </a:t>
+            </a:r>
+            <a:r>
+              <a:rPr lang="as-IN" sz="2000" dirty="0">
+                <a:solidFill>
+                  <a:schemeClr val="bg1"/>
+                </a:solidFill>
+                <a:latin typeface="SolaimanLipi" panose="02000500020000020004" pitchFamily="2" charset="0"/>
+                <a:cs typeface="SolaimanLipi" panose="02000500020000020004" pitchFamily="2" charset="0"/>
+              </a:rPr>
               <a:t>একে সহজ ভাবে বলতে পারেন, </a:t>
             </a:r>
             <a:r>
@@ -14670,7 +19460,177 @@
                 <a:latin typeface="SolaimanLipi" panose="02000500020000020004" pitchFamily="2" charset="0"/>
                 <a:cs typeface="SolaimanLipi" panose="02000500020000020004" pitchFamily="2" charset="0"/>
               </a:rPr>
-              <a:t>নির্দিষ্ট নির্দেশাবলীর একটা সেট, যা একটা কাজ করার জন্য বারবার ডাকা যেতে পারে।</a:t>
+              <a:t>নির্দিষ্ট </a:t>
+            </a:r>
+            <a:r>
+              <a:rPr lang="en-US" sz="2000" dirty="0" err="1">
+                <a:solidFill>
+                  <a:schemeClr val="bg1"/>
+                </a:solidFill>
+                <a:latin typeface="SolaimanLipi" panose="02000500020000020004" pitchFamily="2" charset="0"/>
+                <a:cs typeface="SolaimanLipi" panose="02000500020000020004" pitchFamily="2" charset="0"/>
+              </a:rPr>
+              <a:t>কয়েকটা</a:t>
+            </a:r>
+            <a:r>
+              <a:rPr lang="en-US" sz="2000" dirty="0">
+                <a:solidFill>
+                  <a:schemeClr val="bg1"/>
+                </a:solidFill>
+                <a:latin typeface="SolaimanLipi" panose="02000500020000020004" pitchFamily="2" charset="0"/>
+                <a:cs typeface="SolaimanLipi" panose="02000500020000020004" pitchFamily="2" charset="0"/>
+              </a:rPr>
+              <a:t> </a:t>
+            </a:r>
+            <a:r>
+              <a:rPr lang="en-US" sz="2000" dirty="0">
+                <a:solidFill>
+                  <a:schemeClr val="bg1"/>
+                </a:solidFill>
+                <a:latin typeface="Times New Roman" panose="02020603050405020304" pitchFamily="18" charset="0"/>
+                <a:cs typeface="Times New Roman" panose="02020603050405020304" pitchFamily="18" charset="0"/>
+              </a:rPr>
+              <a:t>Statement </a:t>
+            </a:r>
+            <a:r>
+              <a:rPr lang="as-IN" sz="2000" dirty="0">
+                <a:solidFill>
+                  <a:schemeClr val="bg1"/>
+                </a:solidFill>
+                <a:latin typeface="SolaimanLipi" panose="02000500020000020004" pitchFamily="2" charset="0"/>
+                <a:cs typeface="SolaimanLipi" panose="02000500020000020004" pitchFamily="2" charset="0"/>
+              </a:rPr>
+              <a:t>এ</a:t>
+            </a:r>
+            <a:r>
+              <a:rPr lang="en-US" sz="2000" dirty="0">
+                <a:solidFill>
+                  <a:schemeClr val="bg1"/>
+                </a:solidFill>
+                <a:latin typeface="SolaimanLipi" panose="02000500020000020004" pitchFamily="2" charset="0"/>
+                <a:cs typeface="SolaimanLipi" panose="02000500020000020004" pitchFamily="2" charset="0"/>
+              </a:rPr>
+              <a:t>র </a:t>
+            </a:r>
+            <a:r>
+              <a:rPr lang="en-US" sz="2000" dirty="0" err="1">
+                <a:solidFill>
+                  <a:schemeClr val="bg1"/>
+                </a:solidFill>
+                <a:latin typeface="SolaimanLipi" panose="02000500020000020004" pitchFamily="2" charset="0"/>
+                <a:cs typeface="SolaimanLipi" panose="02000500020000020004" pitchFamily="2" charset="0"/>
+              </a:rPr>
+              <a:t>একটি</a:t>
+            </a:r>
+            <a:r>
+              <a:rPr lang="as-IN" sz="2000" dirty="0">
+                <a:solidFill>
+                  <a:schemeClr val="bg1"/>
+                </a:solidFill>
+                <a:latin typeface="SolaimanLipi" panose="02000500020000020004" pitchFamily="2" charset="0"/>
+                <a:cs typeface="SolaimanLipi" panose="02000500020000020004" pitchFamily="2" charset="0"/>
+              </a:rPr>
+              <a:t> সেট, যা </a:t>
+            </a:r>
+            <a:r>
+              <a:rPr lang="en-US" sz="2000" dirty="0" err="1">
+                <a:solidFill>
+                  <a:schemeClr val="bg1"/>
+                </a:solidFill>
+                <a:latin typeface="SolaimanLipi" panose="02000500020000020004" pitchFamily="2" charset="0"/>
+                <a:cs typeface="SolaimanLipi" panose="02000500020000020004" pitchFamily="2" charset="0"/>
+              </a:rPr>
+              <a:t>একটি</a:t>
+            </a:r>
+            <a:r>
+              <a:rPr lang="en-US" sz="2000" dirty="0">
+                <a:solidFill>
+                  <a:schemeClr val="bg1"/>
+                </a:solidFill>
+                <a:latin typeface="SolaimanLipi" panose="02000500020000020004" pitchFamily="2" charset="0"/>
+                <a:cs typeface="SolaimanLipi" panose="02000500020000020004" pitchFamily="2" charset="0"/>
+              </a:rPr>
+              <a:t> </a:t>
+            </a:r>
+            <a:r>
+              <a:rPr lang="en-US" sz="2000" dirty="0" err="1">
+                <a:solidFill>
+                  <a:schemeClr val="bg1"/>
+                </a:solidFill>
+                <a:latin typeface="SolaimanLipi" panose="02000500020000020004" pitchFamily="2" charset="0"/>
+                <a:cs typeface="SolaimanLipi" panose="02000500020000020004" pitchFamily="2" charset="0"/>
+              </a:rPr>
+              <a:t>নির্দিষ্ট</a:t>
+            </a:r>
+            <a:r>
+              <a:rPr lang="as-IN" sz="2000" dirty="0">
+                <a:solidFill>
+                  <a:schemeClr val="bg1"/>
+                </a:solidFill>
+                <a:latin typeface="SolaimanLipi" panose="02000500020000020004" pitchFamily="2" charset="0"/>
+                <a:cs typeface="SolaimanLipi" panose="02000500020000020004" pitchFamily="2" charset="0"/>
+              </a:rPr>
+              <a:t> কাজ করার জন্য বারবার </a:t>
+            </a:r>
+            <a:r>
+              <a:rPr lang="en-US" sz="2000" dirty="0">
+                <a:solidFill>
+                  <a:schemeClr val="bg1"/>
+                </a:solidFill>
+                <a:latin typeface="Times New Roman" panose="02020603050405020304" pitchFamily="18" charset="0"/>
+                <a:cs typeface="Times New Roman" panose="02020603050405020304" pitchFamily="18" charset="0"/>
+              </a:rPr>
+              <a:t>call</a:t>
+            </a:r>
+            <a:r>
+              <a:rPr lang="en-US" sz="2000" dirty="0">
+                <a:solidFill>
+                  <a:schemeClr val="bg1"/>
+                </a:solidFill>
+                <a:latin typeface="SolaimanLipi" panose="02000500020000020004" pitchFamily="2" charset="0"/>
+                <a:cs typeface="SolaimanLipi" panose="02000500020000020004" pitchFamily="2" charset="0"/>
+              </a:rPr>
+              <a:t> </a:t>
+            </a:r>
+            <a:r>
+              <a:rPr lang="en-US" sz="2000" dirty="0" err="1">
+                <a:solidFill>
+                  <a:schemeClr val="bg1"/>
+                </a:solidFill>
+                <a:latin typeface="SolaimanLipi" panose="02000500020000020004" pitchFamily="2" charset="0"/>
+                <a:cs typeface="SolaimanLipi" panose="02000500020000020004" pitchFamily="2" charset="0"/>
+              </a:rPr>
+              <a:t>করা</a:t>
+            </a:r>
+            <a:r>
+              <a:rPr lang="en-US" sz="2000" dirty="0">
+                <a:solidFill>
+                  <a:schemeClr val="bg1"/>
+                </a:solidFill>
+                <a:latin typeface="SolaimanLipi" panose="02000500020000020004" pitchFamily="2" charset="0"/>
+                <a:cs typeface="SolaimanLipi" panose="02000500020000020004" pitchFamily="2" charset="0"/>
+              </a:rPr>
+              <a:t> </a:t>
+            </a:r>
+            <a:r>
+              <a:rPr lang="en-US" sz="2000" dirty="0" err="1">
+                <a:solidFill>
+                  <a:schemeClr val="bg1"/>
+                </a:solidFill>
+                <a:latin typeface="SolaimanLipi" panose="02000500020000020004" pitchFamily="2" charset="0"/>
+                <a:cs typeface="SolaimanLipi" panose="02000500020000020004" pitchFamily="2" charset="0"/>
+              </a:rPr>
+              <a:t>হয়</a:t>
+            </a:r>
+            <a:r>
+              <a:rPr lang="as-IN" sz="2000" dirty="0">
+                <a:solidFill>
+                  <a:schemeClr val="bg1"/>
+                </a:solidFill>
+                <a:latin typeface="SolaimanLipi" panose="02000500020000020004" pitchFamily="2" charset="0"/>
+                <a:cs typeface="SolaimanLipi" panose="02000500020000020004" pitchFamily="2" charset="0"/>
+              </a:rPr>
+              <a:t>।</a:t>
             </a:r>
           </a:p>
         </p:txBody>
@@ -15264,6 +20224,47 @@
           </a:prstGeom>
         </p:spPr>
       </p:pic>
+      <p:sp>
+        <p:nvSpPr>
+          <p:cNvPr id="14" name="TextBox 13">
+            <a:extLst>
+              <a:ext uri="{FF2B5EF4-FFF2-40B4-BE49-F238E27FC236}">
+                <a16:creationId xmlns:a16="http://schemas.microsoft.com/office/drawing/2014/main" id="{A1C3832F-7B67-417B-92FF-CC869605D27F}"/>
+              </a:ext>
+            </a:extLst>
+          </p:cNvPr>
+          <p:cNvSpPr txBox="1"/>
+          <p:nvPr/>
+        </p:nvSpPr>
+        <p:spPr>
+          <a:xfrm>
+            <a:off x="2946864" y="190038"/>
+            <a:ext cx="8470000" cy="1107996"/>
+          </a:xfrm>
+          <a:prstGeom prst="rect">
+            <a:avLst/>
+          </a:prstGeom>
+          <a:noFill/>
+        </p:spPr>
+        <p:txBody>
+          <a:bodyPr wrap="square" rtlCol="0">
+            <a:spAutoFit/>
+          </a:bodyPr>
+          <a:lstStyle/>
+          <a:p>
+            <a:r>
+              <a:rPr lang="en-US" sz="6600" b="1" dirty="0">
+                <a:solidFill>
+                  <a:srgbClr val="FFB119"/>
+                </a:solidFill>
+                <a:latin typeface="Times New Roman" panose="02020603050405020304" pitchFamily="18" charset="0"/>
+                <a:cs typeface="Times New Roman" panose="02020603050405020304" pitchFamily="18" charset="0"/>
+              </a:rPr>
+              <a:t>Function</a:t>
+            </a:r>
+          </a:p>
+        </p:txBody>
+      </p:sp>
     </p:spTree>
     <p:extLst>
       <p:ext uri="{BB962C8B-B14F-4D97-AF65-F5344CB8AC3E}">
@@ -15572,1818 +20573,6 @@
 </p:sld>
 </file>
 
-<file path=ppt/slides/slide9.xml><?xml version="1.0" encoding="utf-8"?>
-<p:sld xmlns:a="http://schemas.openxmlformats.org/drawingml/2006/main" xmlns:r="http://schemas.openxmlformats.org/officeDocument/2006/relationships" xmlns:p="http://schemas.openxmlformats.org/presentationml/2006/main">
-  <p:cSld>
-    <p:bg>
-      <p:bgPr>
-        <a:solidFill>
-          <a:srgbClr val="1A1B24"/>
-        </a:solidFill>
-        <a:effectLst/>
-      </p:bgPr>
-    </p:bg>
-    <p:spTree>
-      <p:nvGrpSpPr>
-        <p:cNvPr id="1" name=""/>
-        <p:cNvGrpSpPr/>
-        <p:nvPr/>
-      </p:nvGrpSpPr>
-      <p:grpSpPr>
-        <a:xfrm>
-          <a:off x="0" y="0"/>
-          <a:ext cx="0" cy="0"/>
-          <a:chOff x="0" y="0"/>
-          <a:chExt cx="0" cy="0"/>
-        </a:xfrm>
-      </p:grpSpPr>
-      <p:sp>
-        <p:nvSpPr>
-          <p:cNvPr id="8" name="Rectangle 7">
-            <a:extLst>
-              <a:ext uri="{FF2B5EF4-FFF2-40B4-BE49-F238E27FC236}">
-                <a16:creationId xmlns:a16="http://schemas.microsoft.com/office/drawing/2014/main" id="{BD046FC5-717A-4EF9-870B-B44F421D4644}"/>
-              </a:ext>
-            </a:extLst>
-          </p:cNvPr>
-          <p:cNvSpPr/>
-          <p:nvPr/>
-        </p:nvSpPr>
-        <p:spPr>
-          <a:xfrm>
-            <a:off x="0" y="0"/>
-            <a:ext cx="2705271" cy="6858000"/>
-          </a:xfrm>
-          <a:prstGeom prst="rect">
-            <a:avLst/>
-          </a:prstGeom>
-          <a:solidFill>
-            <a:srgbClr val="FFB119"/>
-          </a:solidFill>
-        </p:spPr>
-        <p:style>
-          <a:lnRef idx="2">
-            <a:schemeClr val="accent1">
-              <a:shade val="50000"/>
-            </a:schemeClr>
-          </a:lnRef>
-          <a:fillRef idx="1">
-            <a:schemeClr val="accent1"/>
-          </a:fillRef>
-          <a:effectRef idx="0">
-            <a:schemeClr val="accent1"/>
-          </a:effectRef>
-          <a:fontRef idx="minor">
-            <a:schemeClr val="lt1"/>
-          </a:fontRef>
-        </p:style>
-        <p:txBody>
-          <a:bodyPr rtlCol="0" anchor="ctr"/>
-          <a:lstStyle/>
-          <a:p>
-            <a:pPr algn="ctr"/>
-            <a:endParaRPr lang="en-US" dirty="0"/>
-          </a:p>
-        </p:txBody>
-      </p:sp>
-      <p:sp>
-        <p:nvSpPr>
-          <p:cNvPr id="9" name="TextBox 8">
-            <a:extLst>
-              <a:ext uri="{FF2B5EF4-FFF2-40B4-BE49-F238E27FC236}">
-                <a16:creationId xmlns:a16="http://schemas.microsoft.com/office/drawing/2014/main" id="{E1D9CE9D-F976-4850-8AFF-D922CEF9D940}"/>
-              </a:ext>
-            </a:extLst>
-          </p:cNvPr>
-          <p:cNvSpPr txBox="1"/>
-          <p:nvPr/>
-        </p:nvSpPr>
-        <p:spPr>
-          <a:xfrm>
-            <a:off x="36858" y="162046"/>
-            <a:ext cx="2631554" cy="2492990"/>
-          </a:xfrm>
-          <a:prstGeom prst="rect">
-            <a:avLst/>
-          </a:prstGeom>
-          <a:noFill/>
-          <a:ln w="9525">
-            <a:noFill/>
-          </a:ln>
-          <a:effectLst>
-            <a:outerShdw blurRad="50800" dist="38100" dir="8100000" algn="tr" rotWithShape="0">
-              <a:prstClr val="black">
-                <a:alpha val="40000"/>
-              </a:prstClr>
-            </a:outerShdw>
-          </a:effectLst>
-        </p:spPr>
-        <p:txBody>
-          <a:bodyPr wrap="none" rtlCol="0">
-            <a:spAutoFit/>
-          </a:bodyPr>
-          <a:lstStyle/>
-          <a:p>
-            <a:pPr algn="ctr"/>
-            <a:r>
-              <a:rPr lang="en-US" sz="3600" b="1" dirty="0">
-                <a:ln w="3175">
-                  <a:noFill/>
-                </a:ln>
-                <a:solidFill>
-                  <a:schemeClr val="bg1"/>
-                </a:solidFill>
-                <a:effectLst>
-                  <a:outerShdw blurRad="50800" dist="38100" dir="8100000" algn="tr" rotWithShape="0">
-                    <a:prstClr val="black">
-                      <a:alpha val="40000"/>
-                    </a:prstClr>
-                  </a:outerShdw>
-                </a:effectLst>
-                <a:latin typeface="Times New Roman" panose="02020603050405020304" pitchFamily="18" charset="0"/>
-                <a:cs typeface="Times New Roman" panose="02020603050405020304" pitchFamily="18" charset="0"/>
-              </a:rPr>
-              <a:t>Modern</a:t>
-            </a:r>
-            <a:endParaRPr lang="en-US" sz="5000" b="1" dirty="0">
-              <a:ln w="3175">
-                <a:noFill/>
-              </a:ln>
-              <a:solidFill>
-                <a:schemeClr val="bg1"/>
-              </a:solidFill>
-              <a:effectLst>
-                <a:outerShdw blurRad="50800" dist="38100" dir="8100000" algn="tr" rotWithShape="0">
-                  <a:prstClr val="black">
-                    <a:alpha val="40000"/>
-                  </a:prstClr>
-                </a:outerShdw>
-              </a:effectLst>
-              <a:latin typeface="Times New Roman" panose="02020603050405020304" pitchFamily="18" charset="0"/>
-              <a:cs typeface="Times New Roman" panose="02020603050405020304" pitchFamily="18" charset="0"/>
-            </a:endParaRPr>
-          </a:p>
-          <a:p>
-            <a:pPr algn="ctr"/>
-            <a:r>
-              <a:rPr lang="en-US" sz="4000" b="1" dirty="0">
-                <a:ln w="3175">
-                  <a:noFill/>
-                </a:ln>
-                <a:solidFill>
-                  <a:schemeClr val="bg1"/>
-                </a:solidFill>
-                <a:effectLst>
-                  <a:outerShdw blurRad="50800" dist="38100" dir="8100000" algn="tr" rotWithShape="0">
-                    <a:prstClr val="black">
-                      <a:alpha val="40000"/>
-                    </a:prstClr>
-                  </a:outerShdw>
-                </a:effectLst>
-                <a:latin typeface="Times New Roman" panose="02020603050405020304" pitchFamily="18" charset="0"/>
-                <a:cs typeface="Times New Roman" panose="02020603050405020304" pitchFamily="18" charset="0"/>
-              </a:rPr>
-              <a:t>JavaScript</a:t>
-            </a:r>
-          </a:p>
-          <a:p>
-            <a:pPr algn="ctr"/>
-            <a:r>
-              <a:rPr lang="en-US" sz="4000" b="1" dirty="0">
-                <a:ln w="3175">
-                  <a:noFill/>
-                </a:ln>
-                <a:solidFill>
-                  <a:schemeClr val="bg1"/>
-                </a:solidFill>
-                <a:effectLst>
-                  <a:outerShdw blurRad="50800" dist="38100" dir="8100000" algn="tr" rotWithShape="0">
-                    <a:prstClr val="black">
-                      <a:alpha val="40000"/>
-                    </a:prstClr>
-                  </a:outerShdw>
-                </a:effectLst>
-                <a:latin typeface="Times New Roman" panose="02020603050405020304" pitchFamily="18" charset="0"/>
-                <a:cs typeface="Times New Roman" panose="02020603050405020304" pitchFamily="18" charset="0"/>
-              </a:rPr>
-              <a:t>Function</a:t>
-            </a:r>
-            <a:endParaRPr lang="en-US" sz="4400" b="1" dirty="0">
-              <a:ln w="3175">
-                <a:noFill/>
-              </a:ln>
-              <a:solidFill>
-                <a:schemeClr val="bg1"/>
-              </a:solidFill>
-              <a:effectLst>
-                <a:outerShdw blurRad="50800" dist="38100" dir="8100000" algn="tr" rotWithShape="0">
-                  <a:prstClr val="black">
-                    <a:alpha val="40000"/>
-                  </a:prstClr>
-                </a:outerShdw>
-              </a:effectLst>
-              <a:latin typeface="Times New Roman" panose="02020603050405020304" pitchFamily="18" charset="0"/>
-              <a:cs typeface="Times New Roman" panose="02020603050405020304" pitchFamily="18" charset="0"/>
-            </a:endParaRPr>
-          </a:p>
-          <a:p>
-            <a:pPr algn="ctr"/>
-            <a:endParaRPr lang="en-US" sz="4000" b="1" dirty="0">
-              <a:ln w="3175">
-                <a:noFill/>
-              </a:ln>
-              <a:solidFill>
-                <a:schemeClr val="bg1"/>
-              </a:solidFill>
-              <a:effectLst>
-                <a:outerShdw blurRad="50800" dist="38100" dir="8100000" algn="tr" rotWithShape="0">
-                  <a:prstClr val="black">
-                    <a:alpha val="40000"/>
-                  </a:prstClr>
-                </a:outerShdw>
-              </a:effectLst>
-              <a:latin typeface="Times New Roman" panose="02020603050405020304" pitchFamily="18" charset="0"/>
-              <a:cs typeface="Times New Roman" panose="02020603050405020304" pitchFamily="18" charset="0"/>
-            </a:endParaRPr>
-          </a:p>
-        </p:txBody>
-      </p:sp>
-      <p:sp>
-        <p:nvSpPr>
-          <p:cNvPr id="16" name="TextBox 15">
-            <a:extLst>
-              <a:ext uri="{FF2B5EF4-FFF2-40B4-BE49-F238E27FC236}">
-                <a16:creationId xmlns:a16="http://schemas.microsoft.com/office/drawing/2014/main" id="{0C4A2AD9-2293-4F21-B122-504C4BF10972}"/>
-              </a:ext>
-            </a:extLst>
-          </p:cNvPr>
-          <p:cNvSpPr txBox="1"/>
-          <p:nvPr/>
-        </p:nvSpPr>
-        <p:spPr>
-          <a:xfrm>
-            <a:off x="204905" y="2127813"/>
-            <a:ext cx="1867691" cy="2448747"/>
-          </a:xfrm>
-          <a:prstGeom prst="rect">
-            <a:avLst/>
-          </a:prstGeom>
-          <a:noFill/>
-          <a:ln w="9525">
-            <a:noFill/>
-          </a:ln>
-          <a:effectLst>
-            <a:outerShdw blurRad="50800" dist="38100" dir="8100000" algn="tr" rotWithShape="0">
-              <a:prstClr val="black">
-                <a:alpha val="40000"/>
-              </a:prstClr>
-            </a:outerShdw>
-          </a:effectLst>
-        </p:spPr>
-        <p:txBody>
-          <a:bodyPr wrap="none" rtlCol="0">
-            <a:spAutoFit/>
-          </a:bodyPr>
-          <a:lstStyle/>
-          <a:p>
-            <a:pPr>
-              <a:lnSpc>
-                <a:spcPct val="250000"/>
-              </a:lnSpc>
-            </a:pPr>
-            <a:r>
-              <a:rPr lang="en-US" sz="1600" b="1" dirty="0">
-                <a:ln w="3175">
-                  <a:noFill/>
-                </a:ln>
-                <a:solidFill>
-                  <a:schemeClr val="bg1"/>
-                </a:solidFill>
-                <a:effectLst>
-                  <a:outerShdw blurRad="50800" dist="38100" dir="8100000" algn="tr" rotWithShape="0">
-                    <a:prstClr val="black">
-                      <a:alpha val="40000"/>
-                    </a:prstClr>
-                  </a:outerShdw>
-                </a:effectLst>
-                <a:latin typeface="Times New Roman" panose="02020603050405020304" pitchFamily="18" charset="0"/>
-                <a:cs typeface="Times New Roman" panose="02020603050405020304" pitchFamily="18" charset="0"/>
-              </a:rPr>
-              <a:t>Declaration</a:t>
-            </a:r>
-            <a:br>
-              <a:rPr lang="en-US" sz="1600" b="1" dirty="0">
-                <a:ln w="3175">
-                  <a:noFill/>
-                </a:ln>
-                <a:solidFill>
-                  <a:schemeClr val="bg1"/>
-                </a:solidFill>
-                <a:effectLst>
-                  <a:outerShdw blurRad="50800" dist="38100" dir="8100000" algn="tr" rotWithShape="0">
-                    <a:prstClr val="black">
-                      <a:alpha val="40000"/>
-                    </a:prstClr>
-                  </a:outerShdw>
-                </a:effectLst>
-                <a:latin typeface="Times New Roman" panose="02020603050405020304" pitchFamily="18" charset="0"/>
-                <a:cs typeface="Times New Roman" panose="02020603050405020304" pitchFamily="18" charset="0"/>
-              </a:rPr>
-            </a:br>
-            <a:r>
-              <a:rPr lang="en-US" sz="1600" b="1" dirty="0">
-                <a:ln w="3175">
-                  <a:noFill/>
-                </a:ln>
-                <a:solidFill>
-                  <a:schemeClr val="bg1"/>
-                </a:solidFill>
-                <a:effectLst>
-                  <a:outerShdw blurRad="50800" dist="38100" dir="8100000" algn="tr" rotWithShape="0">
-                    <a:prstClr val="black">
-                      <a:alpha val="40000"/>
-                    </a:prstClr>
-                  </a:outerShdw>
-                </a:effectLst>
-                <a:latin typeface="Times New Roman" panose="02020603050405020304" pitchFamily="18" charset="0"/>
-                <a:cs typeface="Times New Roman" panose="02020603050405020304" pitchFamily="18" charset="0"/>
-              </a:rPr>
-              <a:t>Passing Arguments</a:t>
-            </a:r>
-          </a:p>
-          <a:p>
-            <a:pPr>
-              <a:lnSpc>
-                <a:spcPct val="250000"/>
-              </a:lnSpc>
-            </a:pPr>
-            <a:r>
-              <a:rPr lang="en-US" sz="1600" b="1" dirty="0">
-                <a:ln w="3175">
-                  <a:noFill/>
-                </a:ln>
-                <a:solidFill>
-                  <a:schemeClr val="bg1"/>
-                </a:solidFill>
-                <a:effectLst>
-                  <a:outerShdw blurRad="50800" dist="38100" dir="8100000" algn="tr" rotWithShape="0">
-                    <a:prstClr val="black">
-                      <a:alpha val="40000"/>
-                    </a:prstClr>
-                  </a:outerShdw>
-                </a:effectLst>
-                <a:latin typeface="Times New Roman" panose="02020603050405020304" pitchFamily="18" charset="0"/>
-                <a:cs typeface="Times New Roman" panose="02020603050405020304" pitchFamily="18" charset="0"/>
-              </a:rPr>
-              <a:t>Return  </a:t>
-            </a:r>
-          </a:p>
-          <a:p>
-            <a:pPr>
-              <a:lnSpc>
-                <a:spcPct val="250000"/>
-              </a:lnSpc>
-            </a:pPr>
-            <a:r>
-              <a:rPr lang="en-US" sz="1600" b="1" dirty="0">
-                <a:ln w="3175">
-                  <a:noFill/>
-                </a:ln>
-                <a:solidFill>
-                  <a:schemeClr val="bg1"/>
-                </a:solidFill>
-                <a:effectLst>
-                  <a:outerShdw blurRad="50800" dist="38100" dir="8100000" algn="tr" rotWithShape="0">
-                    <a:prstClr val="black">
-                      <a:alpha val="40000"/>
-                    </a:prstClr>
-                  </a:outerShdw>
-                </a:effectLst>
-                <a:latin typeface="Times New Roman" panose="02020603050405020304" pitchFamily="18" charset="0"/>
-                <a:cs typeface="Times New Roman" panose="02020603050405020304" pitchFamily="18" charset="0"/>
-              </a:rPr>
-              <a:t>Call</a:t>
-            </a:r>
-          </a:p>
-        </p:txBody>
-      </p:sp>
-      <p:sp>
-        <p:nvSpPr>
-          <p:cNvPr id="7" name="TextBox 6">
-            <a:extLst>
-              <a:ext uri="{FF2B5EF4-FFF2-40B4-BE49-F238E27FC236}">
-                <a16:creationId xmlns:a16="http://schemas.microsoft.com/office/drawing/2014/main" id="{B894CEB9-7B13-4032-8ACC-16563193D7B7}"/>
-              </a:ext>
-            </a:extLst>
-          </p:cNvPr>
-          <p:cNvSpPr txBox="1"/>
-          <p:nvPr/>
-        </p:nvSpPr>
-        <p:spPr>
-          <a:xfrm>
-            <a:off x="2910005" y="1408541"/>
-            <a:ext cx="9003543" cy="1438855"/>
-          </a:xfrm>
-          <a:prstGeom prst="rect">
-            <a:avLst/>
-          </a:prstGeom>
-          <a:noFill/>
-        </p:spPr>
-        <p:txBody>
-          <a:bodyPr wrap="square" rtlCol="0">
-            <a:spAutoFit/>
-          </a:bodyPr>
-          <a:lstStyle/>
-          <a:p>
-            <a:pPr>
-              <a:lnSpc>
-                <a:spcPct val="150000"/>
-              </a:lnSpc>
-            </a:pPr>
-            <a:r>
-              <a:rPr lang="as-IN" sz="2000" dirty="0">
-                <a:solidFill>
-                  <a:schemeClr val="bg1"/>
-                </a:solidFill>
-                <a:latin typeface="SolaimanLipi" panose="02000500020000020004" pitchFamily="2" charset="0"/>
-                <a:cs typeface="SolaimanLipi" panose="02000500020000020004" pitchFamily="2" charset="0"/>
-              </a:rPr>
-              <a:t>জাভাস্ক্রিপ্ট ফাংশন (</a:t>
-            </a:r>
-            <a:r>
-              <a:rPr lang="en-US" sz="2000" dirty="0">
-                <a:solidFill>
-                  <a:schemeClr val="bg1"/>
-                </a:solidFill>
-                <a:latin typeface="Times New Roman" panose="02020603050405020304" pitchFamily="18" charset="0"/>
-                <a:cs typeface="Times New Roman" panose="02020603050405020304" pitchFamily="18" charset="0"/>
-              </a:rPr>
-              <a:t>JavaScript function) </a:t>
-            </a:r>
-            <a:r>
-              <a:rPr lang="as-IN" sz="2000" dirty="0">
-                <a:solidFill>
-                  <a:schemeClr val="bg1"/>
-                </a:solidFill>
-                <a:latin typeface="SolaimanLipi" panose="02000500020000020004" pitchFamily="2" charset="0"/>
-                <a:cs typeface="SolaimanLipi" panose="02000500020000020004" pitchFamily="2" charset="0"/>
-              </a:rPr>
-              <a:t>হলো কোডের এমন একটা অংশ, যা কোনো নির্দিষ্ট কাজ সম্পাদন করার জন্য ডিজাইন করা হয়। </a:t>
-            </a:r>
-            <a:r>
-              <a:rPr lang="en-US" sz="2000" dirty="0">
-                <a:solidFill>
-                  <a:schemeClr val="bg1"/>
-                </a:solidFill>
-                <a:latin typeface="SolaimanLipi" panose="02000500020000020004" pitchFamily="2" charset="0"/>
-                <a:cs typeface="SolaimanLipi" panose="02000500020000020004" pitchFamily="2" charset="0"/>
-              </a:rPr>
-              <a:t> </a:t>
-            </a:r>
-            <a:r>
-              <a:rPr lang="as-IN" sz="2000" dirty="0">
-                <a:solidFill>
-                  <a:schemeClr val="bg1"/>
-                </a:solidFill>
-                <a:latin typeface="SolaimanLipi" panose="02000500020000020004" pitchFamily="2" charset="0"/>
-                <a:cs typeface="SolaimanLipi" panose="02000500020000020004" pitchFamily="2" charset="0"/>
-              </a:rPr>
-              <a:t>একে সহজ ভাবে বলতে পারেন, </a:t>
-            </a:r>
-            <a:r>
-              <a:rPr lang="en-US" sz="2000" dirty="0">
-                <a:solidFill>
-                  <a:schemeClr val="bg1"/>
-                </a:solidFill>
-                <a:latin typeface="SolaimanLipi" panose="02000500020000020004" pitchFamily="2" charset="0"/>
-                <a:cs typeface="SolaimanLipi" panose="02000500020000020004" pitchFamily="2" charset="0"/>
-              </a:rPr>
-              <a:t> </a:t>
-            </a:r>
-            <a:r>
-              <a:rPr lang="as-IN" sz="2000" dirty="0">
-                <a:solidFill>
-                  <a:schemeClr val="bg1"/>
-                </a:solidFill>
-                <a:latin typeface="SolaimanLipi" panose="02000500020000020004" pitchFamily="2" charset="0"/>
-                <a:cs typeface="SolaimanLipi" panose="02000500020000020004" pitchFamily="2" charset="0"/>
-              </a:rPr>
-              <a:t>নির্দিষ্ট নির্দেশাবলীর একটা সেট, যা একটা কাজ করার জন্য বারবার ডাকা যেতে পারে।</a:t>
-            </a:r>
-          </a:p>
-        </p:txBody>
-      </p:sp>
-      <p:sp>
-        <p:nvSpPr>
-          <p:cNvPr id="10" name="TextBox 9">
-            <a:extLst>
-              <a:ext uri="{FF2B5EF4-FFF2-40B4-BE49-F238E27FC236}">
-                <a16:creationId xmlns:a16="http://schemas.microsoft.com/office/drawing/2014/main" id="{D68CE54F-98AF-4FC1-9C60-259CBC7C0554}"/>
-              </a:ext>
-            </a:extLst>
-          </p:cNvPr>
-          <p:cNvSpPr txBox="1"/>
-          <p:nvPr/>
-        </p:nvSpPr>
-        <p:spPr>
-          <a:xfrm>
-            <a:off x="2946864" y="190038"/>
-            <a:ext cx="8470000" cy="1107996"/>
-          </a:xfrm>
-          <a:prstGeom prst="rect">
-            <a:avLst/>
-          </a:prstGeom>
-          <a:noFill/>
-        </p:spPr>
-        <p:txBody>
-          <a:bodyPr wrap="square" rtlCol="0">
-            <a:spAutoFit/>
-          </a:bodyPr>
-          <a:lstStyle/>
-          <a:p>
-            <a:r>
-              <a:rPr lang="en-US" sz="6600" b="1" dirty="0">
-                <a:solidFill>
-                  <a:srgbClr val="FFB119"/>
-                </a:solidFill>
-                <a:latin typeface="Times New Roman" panose="02020603050405020304" pitchFamily="18" charset="0"/>
-                <a:cs typeface="Times New Roman" panose="02020603050405020304" pitchFamily="18" charset="0"/>
-              </a:rPr>
-              <a:t>Function</a:t>
-            </a:r>
-          </a:p>
-        </p:txBody>
-      </p:sp>
-      <p:sp>
-        <p:nvSpPr>
-          <p:cNvPr id="11" name="TextBox 10">
-            <a:extLst>
-              <a:ext uri="{FF2B5EF4-FFF2-40B4-BE49-F238E27FC236}">
-                <a16:creationId xmlns:a16="http://schemas.microsoft.com/office/drawing/2014/main" id="{09F3B441-E3E8-4434-BFDC-9B76C803DCBA}"/>
-              </a:ext>
-            </a:extLst>
-          </p:cNvPr>
-          <p:cNvSpPr txBox="1"/>
-          <p:nvPr/>
-        </p:nvSpPr>
-        <p:spPr>
-          <a:xfrm>
-            <a:off x="98349" y="6326622"/>
-            <a:ext cx="2508572" cy="369332"/>
-          </a:xfrm>
-          <a:prstGeom prst="rect">
-            <a:avLst/>
-          </a:prstGeom>
-          <a:solidFill>
-            <a:srgbClr val="1A1B24"/>
-          </a:solidFill>
-          <a:ln/>
-        </p:spPr>
-        <p:style>
-          <a:lnRef idx="3">
-            <a:schemeClr val="lt1"/>
-          </a:lnRef>
-          <a:fillRef idx="1">
-            <a:schemeClr val="dk1"/>
-          </a:fillRef>
-          <a:effectRef idx="1">
-            <a:schemeClr val="dk1"/>
-          </a:effectRef>
-          <a:fontRef idx="minor">
-            <a:schemeClr val="lt1"/>
-          </a:fontRef>
-        </p:style>
-        <p:txBody>
-          <a:bodyPr wrap="none" rtlCol="0">
-            <a:spAutoFit/>
-          </a:bodyPr>
-          <a:lstStyle/>
-          <a:p>
-            <a:pPr algn="ctr"/>
-            <a:r>
-              <a:rPr lang="en-US" dirty="0"/>
-              <a:t>@Programing with Rakib</a:t>
-            </a:r>
-          </a:p>
-        </p:txBody>
-      </p:sp>
-      <p:sp>
-        <p:nvSpPr>
-          <p:cNvPr id="12" name="Rectangle 11">
-            <a:extLst>
-              <a:ext uri="{FF2B5EF4-FFF2-40B4-BE49-F238E27FC236}">
-                <a16:creationId xmlns:a16="http://schemas.microsoft.com/office/drawing/2014/main" id="{608F550D-666D-4B40-BBAF-EAFD475E3104}"/>
-              </a:ext>
-            </a:extLst>
-          </p:cNvPr>
-          <p:cNvSpPr/>
-          <p:nvPr/>
-        </p:nvSpPr>
-        <p:spPr>
-          <a:xfrm>
-            <a:off x="2946864" y="3165388"/>
-            <a:ext cx="3250246" cy="527223"/>
-          </a:xfrm>
-          <a:prstGeom prst="rect">
-            <a:avLst/>
-          </a:prstGeom>
-          <a:solidFill>
-            <a:srgbClr val="FFC000"/>
-          </a:solidFill>
-        </p:spPr>
-        <p:style>
-          <a:lnRef idx="2">
-            <a:schemeClr val="accent1">
-              <a:shade val="50000"/>
-            </a:schemeClr>
-          </a:lnRef>
-          <a:fillRef idx="1">
-            <a:schemeClr val="accent1"/>
-          </a:fillRef>
-          <a:effectRef idx="0">
-            <a:schemeClr val="accent1"/>
-          </a:effectRef>
-          <a:fontRef idx="minor">
-            <a:schemeClr val="lt1"/>
-          </a:fontRef>
-        </p:style>
-        <p:txBody>
-          <a:bodyPr rtlCol="0" anchor="ctr"/>
-          <a:lstStyle/>
-          <a:p>
-            <a:pPr algn="ctr"/>
-            <a:r>
-              <a:rPr lang="en-US" sz="2400" b="1" dirty="0">
-                <a:ln w="3175">
-                  <a:noFill/>
-                </a:ln>
-                <a:solidFill>
-                  <a:schemeClr val="bg1"/>
-                </a:solidFill>
-                <a:effectLst>
-                  <a:outerShdw blurRad="50800" dist="38100" dir="8100000" algn="tr" rotWithShape="0">
-                    <a:prstClr val="black">
-                      <a:alpha val="40000"/>
-                    </a:prstClr>
-                  </a:outerShdw>
-                </a:effectLst>
-                <a:latin typeface="Times New Roman" panose="02020603050405020304" pitchFamily="18" charset="0"/>
-                <a:cs typeface="Times New Roman" panose="02020603050405020304" pitchFamily="18" charset="0"/>
-              </a:rPr>
-              <a:t>Custom Function</a:t>
-            </a:r>
-            <a:endParaRPr lang="en-US" sz="2400" b="1" dirty="0"/>
-          </a:p>
-        </p:txBody>
-      </p:sp>
-      <p:sp>
-        <p:nvSpPr>
-          <p:cNvPr id="14" name="TextBox 13">
-            <a:extLst>
-              <a:ext uri="{FF2B5EF4-FFF2-40B4-BE49-F238E27FC236}">
-                <a16:creationId xmlns:a16="http://schemas.microsoft.com/office/drawing/2014/main" id="{E29ACB03-619D-4D61-BDDA-D46252AAE417}"/>
-              </a:ext>
-            </a:extLst>
-          </p:cNvPr>
-          <p:cNvSpPr txBox="1"/>
-          <p:nvPr/>
-        </p:nvSpPr>
-        <p:spPr>
-          <a:xfrm>
-            <a:off x="2873318" y="4010603"/>
-            <a:ext cx="9003543" cy="1434624"/>
-          </a:xfrm>
-          <a:prstGeom prst="rect">
-            <a:avLst/>
-          </a:prstGeom>
-          <a:noFill/>
-        </p:spPr>
-        <p:txBody>
-          <a:bodyPr wrap="square" rtlCol="0">
-            <a:spAutoFit/>
-          </a:bodyPr>
-          <a:lstStyle/>
-          <a:p>
-            <a:pPr>
-              <a:lnSpc>
-                <a:spcPct val="150000"/>
-              </a:lnSpc>
-            </a:pPr>
-            <a:r>
-              <a:rPr lang="en-US" sz="2000" dirty="0" err="1">
-                <a:solidFill>
-                  <a:schemeClr val="bg1"/>
-                </a:solidFill>
-                <a:latin typeface="Times New Roman" panose="02020603050405020304" pitchFamily="18" charset="0"/>
-                <a:cs typeface="SolaimanLipi" panose="02000500020000020004" pitchFamily="2" charset="0"/>
-              </a:rPr>
-              <a:t>Javascript</a:t>
-            </a:r>
-            <a:r>
-              <a:rPr lang="en-US" sz="2000" dirty="0">
-                <a:solidFill>
-                  <a:schemeClr val="bg1"/>
-                </a:solidFill>
-                <a:latin typeface="Times New Roman" panose="02020603050405020304" pitchFamily="18" charset="0"/>
-                <a:cs typeface="SolaimanLipi" panose="02000500020000020004" pitchFamily="2" charset="0"/>
-              </a:rPr>
-              <a:t> এ </a:t>
-            </a:r>
-            <a:r>
-              <a:rPr lang="en-US" sz="2000" dirty="0" err="1">
-                <a:solidFill>
-                  <a:schemeClr val="bg1"/>
-                </a:solidFill>
-                <a:latin typeface="Times New Roman" panose="02020603050405020304" pitchFamily="18" charset="0"/>
-                <a:cs typeface="SolaimanLipi" panose="02000500020000020004" pitchFamily="2" charset="0"/>
-              </a:rPr>
-              <a:t>দুইভাবে</a:t>
-            </a:r>
-            <a:r>
-              <a:rPr lang="en-US" sz="2000" dirty="0">
-                <a:solidFill>
-                  <a:schemeClr val="bg1"/>
-                </a:solidFill>
-                <a:latin typeface="Times New Roman" panose="02020603050405020304" pitchFamily="18" charset="0"/>
-                <a:cs typeface="SolaimanLipi" panose="02000500020000020004" pitchFamily="2" charset="0"/>
-              </a:rPr>
-              <a:t> </a:t>
-            </a:r>
-            <a:r>
-              <a:rPr lang="en-US" sz="2000" dirty="0" err="1">
-                <a:solidFill>
-                  <a:schemeClr val="bg1"/>
-                </a:solidFill>
-                <a:latin typeface="Times New Roman" panose="02020603050405020304" pitchFamily="18" charset="0"/>
-                <a:cs typeface="SolaimanLipi" panose="02000500020000020004" pitchFamily="2" charset="0"/>
-              </a:rPr>
-              <a:t>ফাংশন</a:t>
-            </a:r>
-            <a:r>
-              <a:rPr lang="en-US" sz="2000" dirty="0">
-                <a:solidFill>
-                  <a:schemeClr val="bg1"/>
-                </a:solidFill>
-                <a:latin typeface="Times New Roman" panose="02020603050405020304" pitchFamily="18" charset="0"/>
-                <a:cs typeface="SolaimanLipi" panose="02000500020000020004" pitchFamily="2" charset="0"/>
-              </a:rPr>
-              <a:t> </a:t>
-            </a:r>
-            <a:r>
-              <a:rPr lang="en-US" sz="2000" dirty="0" err="1">
-                <a:solidFill>
-                  <a:schemeClr val="bg1"/>
-                </a:solidFill>
-                <a:latin typeface="Times New Roman" panose="02020603050405020304" pitchFamily="18" charset="0"/>
-                <a:cs typeface="SolaimanLipi" panose="02000500020000020004" pitchFamily="2" charset="0"/>
-              </a:rPr>
-              <a:t>তৈরি</a:t>
-            </a:r>
-            <a:r>
-              <a:rPr lang="en-US" sz="2000" dirty="0">
-                <a:solidFill>
-                  <a:schemeClr val="bg1"/>
-                </a:solidFill>
-                <a:latin typeface="Times New Roman" panose="02020603050405020304" pitchFamily="18" charset="0"/>
-                <a:cs typeface="SolaimanLipi" panose="02000500020000020004" pitchFamily="2" charset="0"/>
-              </a:rPr>
-              <a:t> </a:t>
-            </a:r>
-            <a:r>
-              <a:rPr lang="en-US" sz="2000" dirty="0" err="1">
-                <a:solidFill>
-                  <a:schemeClr val="bg1"/>
-                </a:solidFill>
-                <a:latin typeface="Times New Roman" panose="02020603050405020304" pitchFamily="18" charset="0"/>
-                <a:cs typeface="SolaimanLipi" panose="02000500020000020004" pitchFamily="2" charset="0"/>
-              </a:rPr>
-              <a:t>করা</a:t>
-            </a:r>
-            <a:r>
-              <a:rPr lang="en-US" sz="2000" dirty="0">
-                <a:solidFill>
-                  <a:schemeClr val="bg1"/>
-                </a:solidFill>
-                <a:latin typeface="Times New Roman" panose="02020603050405020304" pitchFamily="18" charset="0"/>
-                <a:cs typeface="SolaimanLipi" panose="02000500020000020004" pitchFamily="2" charset="0"/>
-              </a:rPr>
-              <a:t> </a:t>
-            </a:r>
-            <a:r>
-              <a:rPr lang="en-US" sz="2000" dirty="0" err="1">
-                <a:solidFill>
-                  <a:schemeClr val="bg1"/>
-                </a:solidFill>
-                <a:latin typeface="Times New Roman" panose="02020603050405020304" pitchFamily="18" charset="0"/>
-                <a:cs typeface="SolaimanLipi" panose="02000500020000020004" pitchFamily="2" charset="0"/>
-              </a:rPr>
-              <a:t>যায়</a:t>
-            </a:r>
-            <a:r>
-              <a:rPr lang="en-US" sz="2000" dirty="0">
-                <a:solidFill>
-                  <a:schemeClr val="bg1"/>
-                </a:solidFill>
-                <a:latin typeface="Times New Roman" panose="02020603050405020304" pitchFamily="18" charset="0"/>
-                <a:cs typeface="SolaimanLipi" panose="02000500020000020004" pitchFamily="2" charset="0"/>
-              </a:rPr>
-              <a:t> ।  </a:t>
-            </a:r>
-          </a:p>
-          <a:p>
-            <a:pPr marL="457200" indent="-457200">
-              <a:lnSpc>
-                <a:spcPct val="150000"/>
-              </a:lnSpc>
-              <a:buAutoNum type="arabicPeriod"/>
-            </a:pPr>
-            <a:r>
-              <a:rPr lang="en-US" sz="2000" dirty="0">
-                <a:solidFill>
-                  <a:schemeClr val="bg1"/>
-                </a:solidFill>
-                <a:latin typeface="Times New Roman" panose="02020603050405020304" pitchFamily="18" charset="0"/>
-                <a:cs typeface="SolaimanLipi" panose="02000500020000020004" pitchFamily="2" charset="0"/>
-              </a:rPr>
-              <a:t>ES6 </a:t>
-            </a:r>
-            <a:r>
-              <a:rPr lang="en-US" sz="2000" dirty="0" err="1">
-                <a:solidFill>
-                  <a:schemeClr val="bg1"/>
-                </a:solidFill>
-                <a:latin typeface="Times New Roman" panose="02020603050405020304" pitchFamily="18" charset="0"/>
-                <a:cs typeface="SolaimanLipi" panose="02000500020000020004" pitchFamily="2" charset="0"/>
-              </a:rPr>
-              <a:t>এর</a:t>
-            </a:r>
-            <a:r>
-              <a:rPr lang="en-US" sz="2000" dirty="0">
-                <a:solidFill>
-                  <a:schemeClr val="bg1"/>
-                </a:solidFill>
-                <a:latin typeface="Times New Roman" panose="02020603050405020304" pitchFamily="18" charset="0"/>
-                <a:cs typeface="SolaimanLipi" panose="02000500020000020004" pitchFamily="2" charset="0"/>
-              </a:rPr>
-              <a:t> </a:t>
-            </a:r>
-            <a:r>
-              <a:rPr lang="en-US" sz="2000" dirty="0" err="1">
-                <a:solidFill>
-                  <a:schemeClr val="bg1"/>
-                </a:solidFill>
-                <a:latin typeface="Times New Roman" panose="02020603050405020304" pitchFamily="18" charset="0"/>
-                <a:cs typeface="SolaimanLipi" panose="02000500020000020004" pitchFamily="2" charset="0"/>
-              </a:rPr>
-              <a:t>পর</a:t>
-            </a:r>
-            <a:r>
-              <a:rPr lang="en-US" sz="2000" dirty="0">
-                <a:solidFill>
-                  <a:schemeClr val="bg1"/>
-                </a:solidFill>
-                <a:latin typeface="Times New Roman" panose="02020603050405020304" pitchFamily="18" charset="0"/>
-                <a:cs typeface="SolaimanLipi" panose="02000500020000020004" pitchFamily="2" charset="0"/>
-              </a:rPr>
-              <a:t> </a:t>
-            </a:r>
-            <a:r>
-              <a:rPr lang="en-US" sz="2000" dirty="0" err="1">
-                <a:solidFill>
-                  <a:schemeClr val="bg1"/>
-                </a:solidFill>
-                <a:latin typeface="Times New Roman" panose="02020603050405020304" pitchFamily="18" charset="0"/>
-                <a:cs typeface="SolaimanLipi" panose="02000500020000020004" pitchFamily="2" charset="0"/>
-              </a:rPr>
-              <a:t>থেকে</a:t>
-            </a:r>
-            <a:r>
-              <a:rPr lang="en-US" sz="2000" dirty="0">
-                <a:solidFill>
-                  <a:schemeClr val="bg1"/>
-                </a:solidFill>
-                <a:latin typeface="Times New Roman" panose="02020603050405020304" pitchFamily="18" charset="0"/>
-                <a:cs typeface="SolaimanLipi" panose="02000500020000020004" pitchFamily="2" charset="0"/>
-              </a:rPr>
-              <a:t> Arrow Syntax </a:t>
-            </a:r>
-            <a:r>
-              <a:rPr lang="en-US" sz="2000" dirty="0" err="1">
-                <a:solidFill>
-                  <a:schemeClr val="bg1"/>
-                </a:solidFill>
-                <a:latin typeface="Times New Roman" panose="02020603050405020304" pitchFamily="18" charset="0"/>
-                <a:cs typeface="SolaimanLipi" panose="02000500020000020004" pitchFamily="2" charset="0"/>
-              </a:rPr>
-              <a:t>ব্যবহার</a:t>
-            </a:r>
-            <a:r>
-              <a:rPr lang="en-US" sz="2000" dirty="0">
-                <a:solidFill>
-                  <a:schemeClr val="bg1"/>
-                </a:solidFill>
-                <a:latin typeface="Times New Roman" panose="02020603050405020304" pitchFamily="18" charset="0"/>
-                <a:cs typeface="SolaimanLipi" panose="02000500020000020004" pitchFamily="2" charset="0"/>
-              </a:rPr>
-              <a:t> </a:t>
-            </a:r>
-            <a:r>
-              <a:rPr lang="en-US" sz="2000" dirty="0" err="1">
-                <a:solidFill>
-                  <a:schemeClr val="bg1"/>
-                </a:solidFill>
-                <a:latin typeface="Times New Roman" panose="02020603050405020304" pitchFamily="18" charset="0"/>
-                <a:cs typeface="SolaimanLipi" panose="02000500020000020004" pitchFamily="2" charset="0"/>
-              </a:rPr>
-              <a:t>করে</a:t>
-            </a:r>
-            <a:r>
-              <a:rPr lang="en-US" sz="2000" dirty="0">
-                <a:solidFill>
-                  <a:schemeClr val="bg1"/>
-                </a:solidFill>
-                <a:latin typeface="Times New Roman" panose="02020603050405020304" pitchFamily="18" charset="0"/>
-                <a:cs typeface="SolaimanLipi" panose="02000500020000020004" pitchFamily="2" charset="0"/>
-              </a:rPr>
-              <a:t> ।  </a:t>
-            </a:r>
-            <a:r>
-              <a:rPr lang="en-US" sz="2000" dirty="0" err="1">
-                <a:solidFill>
-                  <a:schemeClr val="bg1"/>
-                </a:solidFill>
-                <a:latin typeface="Times New Roman" panose="02020603050405020304" pitchFamily="18" charset="0"/>
-                <a:cs typeface="SolaimanLipi" panose="02000500020000020004" pitchFamily="2" charset="0"/>
-              </a:rPr>
-              <a:t>জা</a:t>
-            </a:r>
-            <a:r>
-              <a:rPr lang="en-US" sz="2000" dirty="0">
-                <a:solidFill>
-                  <a:schemeClr val="bg1"/>
-                </a:solidFill>
-                <a:latin typeface="Times New Roman" panose="02020603050405020304" pitchFamily="18" charset="0"/>
-                <a:cs typeface="SolaimanLipi" panose="02000500020000020004" pitchFamily="2" charset="0"/>
-              </a:rPr>
-              <a:t> </a:t>
-            </a:r>
-            <a:r>
-              <a:rPr lang="en-US" sz="2000" dirty="0" err="1">
-                <a:solidFill>
-                  <a:schemeClr val="bg1"/>
-                </a:solidFill>
-                <a:latin typeface="Times New Roman" panose="02020603050405020304" pitchFamily="18" charset="0"/>
-                <a:cs typeface="SolaimanLipi" panose="02000500020000020004" pitchFamily="2" charset="0"/>
-              </a:rPr>
-              <a:t>এটি</a:t>
-            </a:r>
-            <a:r>
-              <a:rPr lang="en-US" sz="2000" dirty="0">
-                <a:solidFill>
-                  <a:schemeClr val="bg1"/>
-                </a:solidFill>
-                <a:latin typeface="Times New Roman" panose="02020603050405020304" pitchFamily="18" charset="0"/>
-                <a:cs typeface="SolaimanLipi" panose="02000500020000020004" pitchFamily="2" charset="0"/>
-              </a:rPr>
-              <a:t> </a:t>
-            </a:r>
-            <a:r>
-              <a:rPr lang="en-US" sz="2000" dirty="0" err="1">
-                <a:solidFill>
-                  <a:schemeClr val="bg1"/>
-                </a:solidFill>
-                <a:latin typeface="Times New Roman" panose="02020603050405020304" pitchFamily="18" charset="0"/>
-                <a:cs typeface="SolaimanLipi" panose="02000500020000020004" pitchFamily="2" charset="0"/>
-              </a:rPr>
-              <a:t>জাভাস্ক্রিপ্ট</a:t>
-            </a:r>
-            <a:r>
-              <a:rPr lang="en-US" sz="2000" dirty="0">
-                <a:solidFill>
-                  <a:schemeClr val="bg1"/>
-                </a:solidFill>
-                <a:latin typeface="Times New Roman" panose="02020603050405020304" pitchFamily="18" charset="0"/>
-                <a:cs typeface="SolaimanLipi" panose="02000500020000020004" pitchFamily="2" charset="0"/>
-              </a:rPr>
-              <a:t> এ  Latest Way </a:t>
-            </a:r>
-          </a:p>
-          <a:p>
-            <a:pPr marL="457200" indent="-457200">
-              <a:lnSpc>
-                <a:spcPct val="150000"/>
-              </a:lnSpc>
-              <a:buAutoNum type="arabicPeriod"/>
-            </a:pPr>
-            <a:r>
-              <a:rPr lang="en-US" sz="2000" dirty="0">
-                <a:solidFill>
-                  <a:schemeClr val="bg1"/>
-                </a:solidFill>
-                <a:latin typeface="Times New Roman" panose="02020603050405020304" pitchFamily="18" charset="0"/>
-                <a:cs typeface="SolaimanLipi" panose="02000500020000020004" pitchFamily="2" charset="0"/>
-              </a:rPr>
-              <a:t>ES6 </a:t>
-            </a:r>
-            <a:r>
-              <a:rPr lang="en-US" sz="2000" dirty="0" err="1">
-                <a:solidFill>
-                  <a:schemeClr val="bg1"/>
-                </a:solidFill>
-                <a:latin typeface="Times New Roman" panose="02020603050405020304" pitchFamily="18" charset="0"/>
-                <a:cs typeface="SolaimanLipi" panose="02000500020000020004" pitchFamily="2" charset="0"/>
-              </a:rPr>
-              <a:t>এর</a:t>
-            </a:r>
-            <a:r>
-              <a:rPr lang="en-US" sz="2000" dirty="0">
-                <a:solidFill>
-                  <a:schemeClr val="bg1"/>
-                </a:solidFill>
-                <a:latin typeface="Times New Roman" panose="02020603050405020304" pitchFamily="18" charset="0"/>
-                <a:cs typeface="SolaimanLipi" panose="02000500020000020004" pitchFamily="2" charset="0"/>
-              </a:rPr>
-              <a:t> </a:t>
-            </a:r>
-            <a:r>
-              <a:rPr lang="en-US" sz="2000" dirty="0" err="1">
-                <a:solidFill>
-                  <a:schemeClr val="bg1"/>
-                </a:solidFill>
-                <a:latin typeface="Times New Roman" panose="02020603050405020304" pitchFamily="18" charset="0"/>
-                <a:cs typeface="SolaimanLipi" panose="02000500020000020004" pitchFamily="2" charset="0"/>
-              </a:rPr>
-              <a:t>আগে</a:t>
-            </a:r>
-            <a:r>
-              <a:rPr lang="en-US" sz="2000" dirty="0">
-                <a:solidFill>
-                  <a:schemeClr val="bg1"/>
-                </a:solidFill>
-                <a:latin typeface="Times New Roman" panose="02020603050405020304" pitchFamily="18" charset="0"/>
-                <a:cs typeface="SolaimanLipi" panose="02000500020000020004" pitchFamily="2" charset="0"/>
-              </a:rPr>
-              <a:t> </a:t>
-            </a:r>
-            <a:r>
-              <a:rPr lang="en-US" sz="2000" dirty="0">
-                <a:solidFill>
-                  <a:schemeClr val="accent2"/>
-                </a:solidFill>
-                <a:latin typeface="Times New Roman" panose="02020603050405020304" pitchFamily="18" charset="0"/>
-                <a:cs typeface="SolaimanLipi" panose="02000500020000020004" pitchFamily="2" charset="0"/>
-              </a:rPr>
-              <a:t>function</a:t>
-            </a:r>
-            <a:r>
-              <a:rPr lang="en-US" sz="2000" dirty="0">
-                <a:solidFill>
-                  <a:schemeClr val="bg1"/>
-                </a:solidFill>
-                <a:latin typeface="Times New Roman" panose="02020603050405020304" pitchFamily="18" charset="0"/>
-                <a:cs typeface="SolaimanLipi" panose="02000500020000020004" pitchFamily="2" charset="0"/>
-              </a:rPr>
-              <a:t> </a:t>
-            </a:r>
-            <a:r>
-              <a:rPr lang="en-US" sz="2000" dirty="0" err="1">
-                <a:solidFill>
-                  <a:schemeClr val="bg1"/>
-                </a:solidFill>
-                <a:latin typeface="Times New Roman" panose="02020603050405020304" pitchFamily="18" charset="0"/>
-                <a:cs typeface="SolaimanLipi" panose="02000500020000020004" pitchFamily="2" charset="0"/>
-              </a:rPr>
-              <a:t>রিজার্ভ</a:t>
-            </a:r>
-            <a:r>
-              <a:rPr lang="en-US" sz="2000" dirty="0">
-                <a:solidFill>
-                  <a:schemeClr val="bg1"/>
-                </a:solidFill>
-                <a:latin typeface="Times New Roman" panose="02020603050405020304" pitchFamily="18" charset="0"/>
-                <a:cs typeface="SolaimanLipi" panose="02000500020000020004" pitchFamily="2" charset="0"/>
-              </a:rPr>
-              <a:t> </a:t>
-            </a:r>
-            <a:r>
-              <a:rPr lang="en-US" sz="2000" dirty="0" err="1">
-                <a:solidFill>
-                  <a:schemeClr val="bg1"/>
-                </a:solidFill>
-                <a:latin typeface="Times New Roman" panose="02020603050405020304" pitchFamily="18" charset="0"/>
-                <a:cs typeface="SolaimanLipi" panose="02000500020000020004" pitchFamily="2" charset="0"/>
-              </a:rPr>
-              <a:t>কী-ওয়ার্ড</a:t>
-            </a:r>
-            <a:r>
-              <a:rPr lang="en-US" sz="2000" dirty="0">
-                <a:solidFill>
-                  <a:schemeClr val="bg1"/>
-                </a:solidFill>
-                <a:latin typeface="Times New Roman" panose="02020603050405020304" pitchFamily="18" charset="0"/>
-                <a:cs typeface="SolaimanLipi" panose="02000500020000020004" pitchFamily="2" charset="0"/>
-              </a:rPr>
-              <a:t> </a:t>
-            </a:r>
-            <a:r>
-              <a:rPr lang="en-US" sz="2000" dirty="0" err="1">
-                <a:solidFill>
-                  <a:schemeClr val="bg1"/>
-                </a:solidFill>
-                <a:latin typeface="Times New Roman" panose="02020603050405020304" pitchFamily="18" charset="0"/>
-                <a:cs typeface="SolaimanLipi" panose="02000500020000020004" pitchFamily="2" charset="0"/>
-              </a:rPr>
-              <a:t>ব্যবহার</a:t>
-            </a:r>
-            <a:r>
-              <a:rPr lang="en-US" sz="2000" dirty="0">
-                <a:solidFill>
-                  <a:schemeClr val="bg1"/>
-                </a:solidFill>
-                <a:latin typeface="Times New Roman" panose="02020603050405020304" pitchFamily="18" charset="0"/>
-                <a:cs typeface="SolaimanLipi" panose="02000500020000020004" pitchFamily="2" charset="0"/>
-              </a:rPr>
-              <a:t> </a:t>
-            </a:r>
-            <a:r>
-              <a:rPr lang="en-US" sz="2000" dirty="0" err="1">
-                <a:solidFill>
-                  <a:schemeClr val="bg1"/>
-                </a:solidFill>
-                <a:latin typeface="Times New Roman" panose="02020603050405020304" pitchFamily="18" charset="0"/>
-                <a:cs typeface="SolaimanLipi" panose="02000500020000020004" pitchFamily="2" charset="0"/>
-              </a:rPr>
-              <a:t>করে</a:t>
-            </a:r>
-            <a:r>
-              <a:rPr lang="en-US" sz="2000" dirty="0">
-                <a:solidFill>
-                  <a:schemeClr val="bg1"/>
-                </a:solidFill>
-                <a:latin typeface="Times New Roman" panose="02020603050405020304" pitchFamily="18" charset="0"/>
-                <a:cs typeface="SolaimanLipi" panose="02000500020000020004" pitchFamily="2" charset="0"/>
-              </a:rPr>
-              <a:t>।  </a:t>
-            </a:r>
-            <a:r>
-              <a:rPr lang="en-US" sz="2000" dirty="0" err="1">
-                <a:solidFill>
-                  <a:schemeClr val="bg1"/>
-                </a:solidFill>
-                <a:latin typeface="Times New Roman" panose="02020603050405020304" pitchFamily="18" charset="0"/>
-                <a:cs typeface="SolaimanLipi" panose="02000500020000020004" pitchFamily="2" charset="0"/>
-              </a:rPr>
-              <a:t>এটি</a:t>
-            </a:r>
-            <a:r>
-              <a:rPr lang="en-US" sz="2000" dirty="0">
-                <a:solidFill>
-                  <a:schemeClr val="bg1"/>
-                </a:solidFill>
-                <a:latin typeface="Times New Roman" panose="02020603050405020304" pitchFamily="18" charset="0"/>
-                <a:cs typeface="SolaimanLipi" panose="02000500020000020004" pitchFamily="2" charset="0"/>
-              </a:rPr>
-              <a:t> </a:t>
-            </a:r>
-            <a:r>
-              <a:rPr lang="en-US" sz="2000" dirty="0" err="1">
-                <a:solidFill>
-                  <a:schemeClr val="bg1"/>
-                </a:solidFill>
-                <a:latin typeface="Times New Roman" panose="02020603050405020304" pitchFamily="18" charset="0"/>
-                <a:cs typeface="SolaimanLipi" panose="02000500020000020004" pitchFamily="2" charset="0"/>
-              </a:rPr>
-              <a:t>জাভাস্ক্রিপ্ট</a:t>
-            </a:r>
-            <a:r>
-              <a:rPr lang="en-US" sz="2000" dirty="0">
-                <a:solidFill>
-                  <a:schemeClr val="bg1"/>
-                </a:solidFill>
-                <a:latin typeface="Times New Roman" panose="02020603050405020304" pitchFamily="18" charset="0"/>
-                <a:cs typeface="SolaimanLipi" panose="02000500020000020004" pitchFamily="2" charset="0"/>
-              </a:rPr>
-              <a:t> এ </a:t>
-            </a:r>
-            <a:r>
-              <a:rPr lang="en-US" sz="2000" dirty="0" err="1">
-                <a:solidFill>
-                  <a:schemeClr val="bg1"/>
-                </a:solidFill>
-                <a:latin typeface="Times New Roman" panose="02020603050405020304" pitchFamily="18" charset="0"/>
-                <a:cs typeface="SolaimanLipi" panose="02000500020000020004" pitchFamily="2" charset="0"/>
-              </a:rPr>
-              <a:t>পুরাতন</a:t>
-            </a:r>
-            <a:r>
-              <a:rPr lang="en-US" sz="2000" dirty="0">
-                <a:solidFill>
-                  <a:schemeClr val="bg1"/>
-                </a:solidFill>
-                <a:latin typeface="Times New Roman" panose="02020603050405020304" pitchFamily="18" charset="0"/>
-                <a:cs typeface="SolaimanLipi" panose="02000500020000020004" pitchFamily="2" charset="0"/>
-              </a:rPr>
-              <a:t> </a:t>
-            </a:r>
-            <a:r>
-              <a:rPr lang="en-US" sz="2000" dirty="0" err="1">
-                <a:solidFill>
-                  <a:schemeClr val="bg1"/>
-                </a:solidFill>
-                <a:latin typeface="Times New Roman" panose="02020603050405020304" pitchFamily="18" charset="0"/>
-                <a:cs typeface="SolaimanLipi" panose="02000500020000020004" pitchFamily="2" charset="0"/>
-              </a:rPr>
-              <a:t>উপায়</a:t>
-            </a:r>
-            <a:r>
-              <a:rPr lang="en-US" sz="2000" dirty="0">
-                <a:solidFill>
-                  <a:schemeClr val="bg1"/>
-                </a:solidFill>
-                <a:latin typeface="Times New Roman" panose="02020603050405020304" pitchFamily="18" charset="0"/>
-                <a:cs typeface="SolaimanLipi" panose="02000500020000020004" pitchFamily="2" charset="0"/>
-              </a:rPr>
-              <a:t> ।  </a:t>
-            </a:r>
-            <a:endParaRPr lang="as-IN" sz="2000" dirty="0">
-              <a:solidFill>
-                <a:schemeClr val="bg1"/>
-              </a:solidFill>
-              <a:latin typeface="Times New Roman" panose="02020603050405020304" pitchFamily="18" charset="0"/>
-              <a:cs typeface="SolaimanLipi" panose="02000500020000020004" pitchFamily="2" charset="0"/>
-            </a:endParaRPr>
-          </a:p>
-        </p:txBody>
-      </p:sp>
-      <p:sp>
-        <p:nvSpPr>
-          <p:cNvPr id="13" name="Rectangle 12">
-            <a:extLst>
-              <a:ext uri="{FF2B5EF4-FFF2-40B4-BE49-F238E27FC236}">
-                <a16:creationId xmlns:a16="http://schemas.microsoft.com/office/drawing/2014/main" id="{A8865872-8DDC-49FD-A36F-F76D9A40537A}"/>
-              </a:ext>
-            </a:extLst>
-          </p:cNvPr>
-          <p:cNvSpPr/>
-          <p:nvPr/>
-        </p:nvSpPr>
-        <p:spPr>
-          <a:xfrm>
-            <a:off x="2946864" y="5984065"/>
-            <a:ext cx="5254161" cy="527223"/>
-          </a:xfrm>
-          <a:prstGeom prst="rect">
-            <a:avLst/>
-          </a:prstGeom>
-          <a:solidFill>
-            <a:srgbClr val="FFC000"/>
-          </a:solidFill>
-        </p:spPr>
-        <p:style>
-          <a:lnRef idx="2">
-            <a:schemeClr val="accent1">
-              <a:shade val="50000"/>
-            </a:schemeClr>
-          </a:lnRef>
-          <a:fillRef idx="1">
-            <a:schemeClr val="accent1"/>
-          </a:fillRef>
-          <a:effectRef idx="0">
-            <a:schemeClr val="accent1"/>
-          </a:effectRef>
-          <a:fontRef idx="minor">
-            <a:schemeClr val="lt1"/>
-          </a:fontRef>
-        </p:style>
-        <p:txBody>
-          <a:bodyPr rtlCol="0" anchor="ctr"/>
-          <a:lstStyle/>
-          <a:p>
-            <a:r>
-              <a:rPr lang="en-US" sz="2400" b="1" dirty="0">
-                <a:ln w="3175">
-                  <a:noFill/>
-                </a:ln>
-                <a:solidFill>
-                  <a:srgbClr val="1A1B24"/>
-                </a:solidFill>
-                <a:latin typeface="Times New Roman" panose="02020603050405020304" pitchFamily="18" charset="0"/>
-                <a:cs typeface="Times New Roman" panose="02020603050405020304" pitchFamily="18" charset="0"/>
-              </a:rPr>
-              <a:t>ES6 </a:t>
-            </a:r>
-            <a:r>
-              <a:rPr lang="en-US" sz="2400" b="1" dirty="0" err="1">
-                <a:ln w="3175">
-                  <a:noFill/>
-                </a:ln>
-                <a:solidFill>
-                  <a:srgbClr val="1A1B24"/>
-                </a:solidFill>
-                <a:latin typeface="SolaimanLipi" panose="02000500020000020004" pitchFamily="2" charset="0"/>
-                <a:cs typeface="SolaimanLipi" panose="02000500020000020004" pitchFamily="2" charset="0"/>
-              </a:rPr>
-              <a:t>হচ্ছে</a:t>
-            </a:r>
-            <a:r>
-              <a:rPr lang="en-US" sz="2400" b="1" dirty="0">
-                <a:ln w="3175">
-                  <a:noFill/>
-                </a:ln>
-                <a:solidFill>
-                  <a:srgbClr val="1A1B24"/>
-                </a:solidFill>
-                <a:latin typeface="SolaimanLipi" panose="02000500020000020004" pitchFamily="2" charset="0"/>
-                <a:cs typeface="SolaimanLipi" panose="02000500020000020004" pitchFamily="2" charset="0"/>
-              </a:rPr>
-              <a:t> </a:t>
-            </a:r>
-            <a:r>
-              <a:rPr lang="en-US" sz="2400" b="1" dirty="0" err="1">
-                <a:ln w="3175">
-                  <a:noFill/>
-                </a:ln>
-                <a:solidFill>
-                  <a:srgbClr val="1A1B24"/>
-                </a:solidFill>
-                <a:latin typeface="SolaimanLipi" panose="02000500020000020004" pitchFamily="2" charset="0"/>
-                <a:cs typeface="SolaimanLipi" panose="02000500020000020004" pitchFamily="2" charset="0"/>
-              </a:rPr>
-              <a:t>জাভাস্ক্রিপ্ট</a:t>
-            </a:r>
-            <a:r>
-              <a:rPr lang="en-US" sz="2400" b="1" dirty="0">
-                <a:ln w="3175">
-                  <a:noFill/>
-                </a:ln>
-                <a:solidFill>
-                  <a:srgbClr val="1A1B24"/>
-                </a:solidFill>
-                <a:latin typeface="SolaimanLipi" panose="02000500020000020004" pitchFamily="2" charset="0"/>
-                <a:cs typeface="SolaimanLipi" panose="02000500020000020004" pitchFamily="2" charset="0"/>
-              </a:rPr>
-              <a:t> </a:t>
-            </a:r>
-            <a:r>
-              <a:rPr lang="en-US" sz="2400" b="1" dirty="0" err="1">
-                <a:ln w="3175">
-                  <a:noFill/>
-                </a:ln>
-                <a:solidFill>
-                  <a:srgbClr val="1A1B24"/>
-                </a:solidFill>
-                <a:latin typeface="SolaimanLipi" panose="02000500020000020004" pitchFamily="2" charset="0"/>
-                <a:cs typeface="SolaimanLipi" panose="02000500020000020004" pitchFamily="2" charset="0"/>
-              </a:rPr>
-              <a:t>এর</a:t>
-            </a:r>
-            <a:r>
-              <a:rPr lang="en-US" sz="2400" b="1" dirty="0">
-                <a:ln w="3175">
-                  <a:noFill/>
-                </a:ln>
-                <a:solidFill>
-                  <a:srgbClr val="1A1B24"/>
-                </a:solidFill>
-                <a:latin typeface="SolaimanLipi" panose="02000500020000020004" pitchFamily="2" charset="0"/>
-                <a:cs typeface="SolaimanLipi" panose="02000500020000020004" pitchFamily="2" charset="0"/>
-              </a:rPr>
-              <a:t> </a:t>
-            </a:r>
-            <a:r>
-              <a:rPr lang="en-US" sz="2400" b="1" dirty="0">
-                <a:ln w="3175">
-                  <a:noFill/>
-                </a:ln>
-                <a:solidFill>
-                  <a:srgbClr val="1A1B24"/>
-                </a:solidFill>
-                <a:latin typeface="Times New Roman" panose="02020603050405020304" pitchFamily="18" charset="0"/>
-                <a:cs typeface="Times New Roman" panose="02020603050405020304" pitchFamily="18" charset="0"/>
-              </a:rPr>
-              <a:t>version</a:t>
-            </a:r>
-            <a:r>
-              <a:rPr lang="en-US" sz="2400" b="1" dirty="0">
-                <a:ln w="3175">
-                  <a:noFill/>
-                </a:ln>
-                <a:solidFill>
-                  <a:srgbClr val="1A1B24"/>
-                </a:solidFill>
-                <a:latin typeface="SolaimanLipi" panose="02000500020000020004" pitchFamily="2" charset="0"/>
-                <a:cs typeface="SolaimanLipi" panose="02000500020000020004" pitchFamily="2" charset="0"/>
-              </a:rPr>
-              <a:t> </a:t>
-            </a:r>
-            <a:r>
-              <a:rPr lang="en-US" sz="2400" b="1" dirty="0" err="1">
-                <a:ln w="3175">
-                  <a:noFill/>
-                </a:ln>
-                <a:solidFill>
-                  <a:srgbClr val="1A1B24"/>
-                </a:solidFill>
-                <a:latin typeface="SolaimanLipi" panose="02000500020000020004" pitchFamily="2" charset="0"/>
-                <a:cs typeface="SolaimanLipi" panose="02000500020000020004" pitchFamily="2" charset="0"/>
-              </a:rPr>
-              <a:t>এর</a:t>
-            </a:r>
-            <a:r>
-              <a:rPr lang="en-US" sz="2400" b="1" dirty="0">
-                <a:ln w="3175">
-                  <a:noFill/>
-                </a:ln>
-                <a:solidFill>
-                  <a:srgbClr val="1A1B24"/>
-                </a:solidFill>
-                <a:latin typeface="SolaimanLipi" panose="02000500020000020004" pitchFamily="2" charset="0"/>
-                <a:cs typeface="SolaimanLipi" panose="02000500020000020004" pitchFamily="2" charset="0"/>
-              </a:rPr>
-              <a:t> </a:t>
-            </a:r>
-            <a:r>
-              <a:rPr lang="en-US" sz="2400" b="1" dirty="0" err="1">
-                <a:ln w="3175">
-                  <a:noFill/>
-                </a:ln>
-                <a:solidFill>
-                  <a:srgbClr val="1A1B24"/>
-                </a:solidFill>
-                <a:latin typeface="SolaimanLipi" panose="02000500020000020004" pitchFamily="2" charset="0"/>
-                <a:cs typeface="SolaimanLipi" panose="02000500020000020004" pitchFamily="2" charset="0"/>
-              </a:rPr>
-              <a:t>নাম</a:t>
-            </a:r>
-            <a:endParaRPr lang="en-US" sz="2400" b="1" dirty="0">
-              <a:solidFill>
-                <a:srgbClr val="1A1B24"/>
-              </a:solidFill>
-              <a:latin typeface="SolaimanLipi" panose="02000500020000020004" pitchFamily="2" charset="0"/>
-              <a:cs typeface="SolaimanLipi" panose="02000500020000020004" pitchFamily="2" charset="0"/>
-            </a:endParaRPr>
-          </a:p>
-        </p:txBody>
-      </p:sp>
-    </p:spTree>
-    <p:extLst>
-      <p:ext uri="{BB962C8B-B14F-4D97-AF65-F5344CB8AC3E}">
-        <p14:creationId xmlns:p14="http://schemas.microsoft.com/office/powerpoint/2010/main" val="3293736694"/>
-      </p:ext>
-    </p:extLst>
-  </p:cSld>
-  <p:clrMapOvr>
-    <a:masterClrMapping/>
-  </p:clrMapOvr>
-  <p:timing>
-    <p:tnLst>
-      <p:par>
-        <p:cTn id="1" dur="indefinite" restart="never" nodeType="tmRoot">
-          <p:childTnLst>
-            <p:seq concurrent="1" nextAc="seek">
-              <p:cTn id="2" dur="indefinite" nodeType="mainSeq">
-                <p:childTnLst>
-                  <p:par>
-                    <p:cTn id="3" fill="hold">
-                      <p:stCondLst>
-                        <p:cond delay="indefinite"/>
-                      </p:stCondLst>
-                      <p:childTnLst>
-                        <p:par>
-                          <p:cTn id="4" fill="hold">
-                            <p:stCondLst>
-                              <p:cond delay="0"/>
-                            </p:stCondLst>
-                            <p:childTnLst>
-                              <p:par>
-                                <p:cTn id="5" presetID="16" presetClass="emph" presetSubtype="0" fill="hold" grpId="0" nodeType="clickEffect">
-                                  <p:stCondLst>
-                                    <p:cond delay="0"/>
-                                  </p:stCondLst>
-                                  <p:iterate type="lt">
-                                    <p:tmPct val="4000"/>
-                                  </p:iterate>
-                                  <p:childTnLst>
-                                    <p:set>
-                                      <p:cBhvr override="childStyle">
-                                        <p:cTn id="6" dur="500" fill="hold"/>
-                                        <p:tgtEl>
-                                          <p:spTgt spid="14"/>
-                                        </p:tgtEl>
-                                        <p:attrNameLst>
-                                          <p:attrName>style.color</p:attrName>
-                                        </p:attrNameLst>
-                                      </p:cBhvr>
-                                      <p:to>
-                                        <p:clrVal>
-                                          <a:srgbClr val="FFB119"/>
-                                        </p:clrVal>
-                                      </p:to>
-                                    </p:set>
-                                    <p:set>
-                                      <p:cBhvr>
-                                        <p:cTn id="7" dur="500" fill="hold"/>
-                                        <p:tgtEl>
-                                          <p:spTgt spid="14"/>
-                                        </p:tgtEl>
-                                        <p:attrNameLst>
-                                          <p:attrName>fillcolor</p:attrName>
-                                        </p:attrNameLst>
-                                      </p:cBhvr>
-                                      <p:to>
-                                        <p:clrVal>
-                                          <a:srgbClr val="FFB119"/>
-                                        </p:clrVal>
-                                      </p:to>
-                                    </p:set>
-                                    <p:set>
-                                      <p:cBhvr>
-                                        <p:cTn id="8" dur="500" fill="hold"/>
-                                        <p:tgtEl>
-                                          <p:spTgt spid="14"/>
-                                        </p:tgtEl>
-                                        <p:attrNameLst>
-                                          <p:attrName>fill.type</p:attrName>
-                                        </p:attrNameLst>
-                                      </p:cBhvr>
-                                      <p:to>
-                                        <p:strVal val="solid"/>
-                                      </p:to>
-                                    </p:set>
-                                  </p:childTnLst>
-                                </p:cTn>
-                              </p:par>
-                            </p:childTnLst>
-                          </p:cTn>
-                        </p:par>
-                      </p:childTnLst>
-                    </p:cTn>
-                  </p:par>
-                  <p:par>
-                    <p:cTn id="9" fill="hold">
-                      <p:stCondLst>
-                        <p:cond delay="indefinite"/>
-                      </p:stCondLst>
-                      <p:childTnLst>
-                        <p:par>
-                          <p:cTn id="10" fill="hold">
-                            <p:stCondLst>
-                              <p:cond delay="0"/>
-                            </p:stCondLst>
-                            <p:childTnLst>
-                              <p:par>
-                                <p:cTn id="11" presetID="10" presetClass="entr" presetSubtype="0" fill="hold" nodeType="clickEffect">
-                                  <p:stCondLst>
-                                    <p:cond delay="0"/>
-                                  </p:stCondLst>
-                                  <p:childTnLst>
-                                    <p:set>
-                                      <p:cBhvr>
-                                        <p:cTn id="12" dur="1" fill="hold">
-                                          <p:stCondLst>
-                                            <p:cond delay="0"/>
-                                          </p:stCondLst>
-                                        </p:cTn>
-                                        <p:tgtEl>
-                                          <p:spTgt spid="14">
-                                            <p:txEl>
-                                              <p:pRg st="0" end="0"/>
-                                            </p:txEl>
-                                          </p:spTgt>
-                                        </p:tgtEl>
-                                        <p:attrNameLst>
-                                          <p:attrName>style.visibility</p:attrName>
-                                        </p:attrNameLst>
-                                      </p:cBhvr>
-                                      <p:to>
-                                        <p:strVal val="visible"/>
-                                      </p:to>
-                                    </p:set>
-                                    <p:animEffect transition="in" filter="fade">
-                                      <p:cBhvr>
-                                        <p:cTn id="13" dur="500"/>
-                                        <p:tgtEl>
-                                          <p:spTgt spid="14">
-                                            <p:txEl>
-                                              <p:pRg st="0" end="0"/>
-                                            </p:txEl>
-                                          </p:spTgt>
-                                        </p:tgtEl>
-                                      </p:cBhvr>
-                                    </p:animEffect>
-                                  </p:childTnLst>
-                                </p:cTn>
-                              </p:par>
-                            </p:childTnLst>
-                          </p:cTn>
-                        </p:par>
-                      </p:childTnLst>
-                    </p:cTn>
-                  </p:par>
-                  <p:par>
-                    <p:cTn id="14" fill="hold">
-                      <p:stCondLst>
-                        <p:cond delay="indefinite"/>
-                      </p:stCondLst>
-                      <p:childTnLst>
-                        <p:par>
-                          <p:cTn id="15" fill="hold">
-                            <p:stCondLst>
-                              <p:cond delay="0"/>
-                            </p:stCondLst>
-                            <p:childTnLst>
-                              <p:par>
-                                <p:cTn id="16" presetID="10" presetClass="entr" presetSubtype="0" fill="hold" nodeType="clickEffect">
-                                  <p:stCondLst>
-                                    <p:cond delay="0"/>
-                                  </p:stCondLst>
-                                  <p:childTnLst>
-                                    <p:set>
-                                      <p:cBhvr>
-                                        <p:cTn id="17" dur="1" fill="hold">
-                                          <p:stCondLst>
-                                            <p:cond delay="0"/>
-                                          </p:stCondLst>
-                                        </p:cTn>
-                                        <p:tgtEl>
-                                          <p:spTgt spid="14">
-                                            <p:txEl>
-                                              <p:pRg st="1" end="1"/>
-                                            </p:txEl>
-                                          </p:spTgt>
-                                        </p:tgtEl>
-                                        <p:attrNameLst>
-                                          <p:attrName>style.visibility</p:attrName>
-                                        </p:attrNameLst>
-                                      </p:cBhvr>
-                                      <p:to>
-                                        <p:strVal val="visible"/>
-                                      </p:to>
-                                    </p:set>
-                                    <p:animEffect transition="in" filter="fade">
-                                      <p:cBhvr>
-                                        <p:cTn id="18" dur="500"/>
-                                        <p:tgtEl>
-                                          <p:spTgt spid="14">
-                                            <p:txEl>
-                                              <p:pRg st="1" end="1"/>
-                                            </p:txEl>
-                                          </p:spTgt>
-                                        </p:tgtEl>
-                                      </p:cBhvr>
-                                    </p:animEffect>
-                                  </p:childTnLst>
-                                </p:cTn>
-                              </p:par>
-                            </p:childTnLst>
-                          </p:cTn>
-                        </p:par>
-                      </p:childTnLst>
-                    </p:cTn>
-                  </p:par>
-                  <p:par>
-                    <p:cTn id="19" fill="hold">
-                      <p:stCondLst>
-                        <p:cond delay="indefinite"/>
-                      </p:stCondLst>
-                      <p:childTnLst>
-                        <p:par>
-                          <p:cTn id="20" fill="hold">
-                            <p:stCondLst>
-                              <p:cond delay="0"/>
-                            </p:stCondLst>
-                            <p:childTnLst>
-                              <p:par>
-                                <p:cTn id="21" presetID="10" presetClass="entr" presetSubtype="0" fill="hold" nodeType="clickEffect">
-                                  <p:stCondLst>
-                                    <p:cond delay="0"/>
-                                  </p:stCondLst>
-                                  <p:childTnLst>
-                                    <p:set>
-                                      <p:cBhvr>
-                                        <p:cTn id="22" dur="1" fill="hold">
-                                          <p:stCondLst>
-                                            <p:cond delay="0"/>
-                                          </p:stCondLst>
-                                        </p:cTn>
-                                        <p:tgtEl>
-                                          <p:spTgt spid="14">
-                                            <p:txEl>
-                                              <p:pRg st="2" end="2"/>
-                                            </p:txEl>
-                                          </p:spTgt>
-                                        </p:tgtEl>
-                                        <p:attrNameLst>
-                                          <p:attrName>style.visibility</p:attrName>
-                                        </p:attrNameLst>
-                                      </p:cBhvr>
-                                      <p:to>
-                                        <p:strVal val="visible"/>
-                                      </p:to>
-                                    </p:set>
-                                    <p:animEffect transition="in" filter="fade">
-                                      <p:cBhvr>
-                                        <p:cTn id="23" dur="500"/>
-                                        <p:tgtEl>
-                                          <p:spTgt spid="14">
-                                            <p:txEl>
-                                              <p:pRg st="2" end="2"/>
-                                            </p:txEl>
-                                          </p:spTgt>
-                                        </p:tgtEl>
-                                      </p:cBhvr>
-                                    </p:animEffect>
-                                  </p:childTnLst>
-                                </p:cTn>
-                              </p:par>
-                            </p:childTnLst>
-                          </p:cTn>
-                        </p:par>
-                      </p:childTnLst>
-                    </p:cTn>
-                  </p:par>
-                  <p:par>
-                    <p:cTn id="24" fill="hold">
-                      <p:stCondLst>
-                        <p:cond delay="indefinite"/>
-                      </p:stCondLst>
-                      <p:childTnLst>
-                        <p:par>
-                          <p:cTn id="25" fill="hold">
-                            <p:stCondLst>
-                              <p:cond delay="0"/>
-                            </p:stCondLst>
-                            <p:childTnLst>
-                              <p:par>
-                                <p:cTn id="26" presetID="10" presetClass="entr" presetSubtype="0" fill="hold" grpId="0" nodeType="clickEffect">
-                                  <p:stCondLst>
-                                    <p:cond delay="0"/>
-                                  </p:stCondLst>
-                                  <p:childTnLst>
-                                    <p:set>
-                                      <p:cBhvr>
-                                        <p:cTn id="27" dur="1" fill="hold">
-                                          <p:stCondLst>
-                                            <p:cond delay="0"/>
-                                          </p:stCondLst>
-                                        </p:cTn>
-                                        <p:tgtEl>
-                                          <p:spTgt spid="13"/>
-                                        </p:tgtEl>
-                                        <p:attrNameLst>
-                                          <p:attrName>style.visibility</p:attrName>
-                                        </p:attrNameLst>
-                                      </p:cBhvr>
-                                      <p:to>
-                                        <p:strVal val="visible"/>
-                                      </p:to>
-                                    </p:set>
-                                    <p:animEffect transition="in" filter="fade">
-                                      <p:cBhvr>
-                                        <p:cTn id="28" dur="500"/>
-                                        <p:tgtEl>
-                                          <p:spTgt spid="13"/>
-                                        </p:tgtEl>
-                                      </p:cBhvr>
-                                    </p:animEffect>
-                                  </p:childTnLst>
-                                </p:cTn>
-                              </p:par>
-                            </p:childTnLst>
-                          </p:cTn>
-                        </p:par>
-                      </p:childTnLst>
-                    </p:cTn>
-                  </p:par>
-                </p:childTnLst>
-              </p:cTn>
-              <p:prevCondLst>
-                <p:cond evt="onPrev" delay="0">
-                  <p:tgtEl>
-                    <p:sldTgt/>
-                  </p:tgtEl>
-                </p:cond>
-              </p:prevCondLst>
-              <p:nextCondLst>
-                <p:cond evt="onNext" delay="0">
-                  <p:tgtEl>
-                    <p:sldTgt/>
-                  </p:tgtEl>
-                </p:cond>
-              </p:nextCondLst>
-            </p:seq>
-          </p:childTnLst>
-        </p:cTn>
-      </p:par>
-    </p:tnLst>
-    <p:bldLst>
-      <p:bldP spid="14" grpId="0"/>
-      <p:bldP spid="13" grpId="0" animBg="1"/>
-    </p:bldLst>
-  </p:timing>
-</p:sld>
-</file>
-
 <file path=ppt/theme/theme1.xml><?xml version="1.0" encoding="utf-8"?>
 <a:theme xmlns:a="http://schemas.openxmlformats.org/drawingml/2006/main" name="Office Theme">
   <a:themeElements>
